--- a/20190531.xingrong.wu.pptx
+++ b/20190531.xingrong.wu.pptx
@@ -5,17 +5,19 @@
     <p:sldMasterId id="2147483740" r:id="rId1"/>
   </p:sldMasterIdLst>
   <p:notesMasterIdLst>
-    <p:notesMasterId r:id="rId10"/>
+    <p:notesMasterId r:id="rId12"/>
   </p:notesMasterIdLst>
   <p:sldIdLst>
     <p:sldId id="256" r:id="rId2"/>
     <p:sldId id="257" r:id="rId3"/>
     <p:sldId id="259" r:id="rId4"/>
-    <p:sldId id="266" r:id="rId5"/>
-    <p:sldId id="265" r:id="rId6"/>
-    <p:sldId id="261" r:id="rId7"/>
-    <p:sldId id="269" r:id="rId8"/>
-    <p:sldId id="268" r:id="rId9"/>
+    <p:sldId id="270" r:id="rId5"/>
+    <p:sldId id="271" r:id="rId6"/>
+    <p:sldId id="266" r:id="rId7"/>
+    <p:sldId id="265" r:id="rId8"/>
+    <p:sldId id="261" r:id="rId9"/>
+    <p:sldId id="269" r:id="rId10"/>
+    <p:sldId id="268" r:id="rId11"/>
   </p:sldIdLst>
   <p:sldSz cx="9144000" cy="6858000" type="screen4x3"/>
   <p:notesSz cx="6858000" cy="9144000"/>
@@ -120,6 +122,4552 @@
     </p:ext>
   </p:extLst>
 </p:presentation>
+</file>
+
+<file path=ppt/diagrams/colors1.xml><?xml version="1.0" encoding="utf-8"?>
+<dgm:colorsDef xmlns:dgm="http://schemas.openxmlformats.org/drawingml/2006/diagram" xmlns:a="http://schemas.openxmlformats.org/drawingml/2006/main" uniqueId="urn:microsoft.com/office/officeart/2005/8/colors/accent1_2">
+  <dgm:title val=""/>
+  <dgm:desc val=""/>
+  <dgm:catLst>
+    <dgm:cat type="accent1" pri="11200"/>
+  </dgm:catLst>
+  <dgm:styleLbl name="node0">
+    <dgm:fillClrLst meth="repeat">
+      <a:schemeClr val="accent1"/>
+    </dgm:fillClrLst>
+    <dgm:linClrLst meth="repeat">
+      <a:schemeClr val="lt1"/>
+    </dgm:linClrLst>
+    <dgm:effectClrLst/>
+    <dgm:txLinClrLst/>
+    <dgm:txFillClrLst/>
+    <dgm:txEffectClrLst/>
+  </dgm:styleLbl>
+  <dgm:styleLbl name="alignNode1">
+    <dgm:fillClrLst meth="repeat">
+      <a:schemeClr val="accent1"/>
+    </dgm:fillClrLst>
+    <dgm:linClrLst meth="repeat">
+      <a:schemeClr val="accent1"/>
+    </dgm:linClrLst>
+    <dgm:effectClrLst/>
+    <dgm:txLinClrLst/>
+    <dgm:txFillClrLst/>
+    <dgm:txEffectClrLst/>
+  </dgm:styleLbl>
+  <dgm:styleLbl name="node1">
+    <dgm:fillClrLst meth="repeat">
+      <a:schemeClr val="accent1"/>
+    </dgm:fillClrLst>
+    <dgm:linClrLst meth="repeat">
+      <a:schemeClr val="lt1"/>
+    </dgm:linClrLst>
+    <dgm:effectClrLst/>
+    <dgm:txLinClrLst/>
+    <dgm:txFillClrLst/>
+    <dgm:txEffectClrLst/>
+  </dgm:styleLbl>
+  <dgm:styleLbl name="lnNode1">
+    <dgm:fillClrLst meth="repeat">
+      <a:schemeClr val="accent1"/>
+    </dgm:fillClrLst>
+    <dgm:linClrLst meth="repeat">
+      <a:schemeClr val="lt1"/>
+    </dgm:linClrLst>
+    <dgm:effectClrLst/>
+    <dgm:txLinClrLst/>
+    <dgm:txFillClrLst/>
+    <dgm:txEffectClrLst/>
+  </dgm:styleLbl>
+  <dgm:styleLbl name="vennNode1">
+    <dgm:fillClrLst meth="repeat">
+      <a:schemeClr val="accent1">
+        <a:alpha val="50000"/>
+      </a:schemeClr>
+    </dgm:fillClrLst>
+    <dgm:linClrLst meth="repeat">
+      <a:schemeClr val="lt1"/>
+    </dgm:linClrLst>
+    <dgm:effectClrLst/>
+    <dgm:txLinClrLst/>
+    <dgm:txFillClrLst/>
+    <dgm:txEffectClrLst/>
+  </dgm:styleLbl>
+  <dgm:styleLbl name="node2">
+    <dgm:fillClrLst meth="repeat">
+      <a:schemeClr val="accent1"/>
+    </dgm:fillClrLst>
+    <dgm:linClrLst meth="repeat">
+      <a:schemeClr val="lt1"/>
+    </dgm:linClrLst>
+    <dgm:effectClrLst/>
+    <dgm:txLinClrLst/>
+    <dgm:txFillClrLst/>
+    <dgm:txEffectClrLst/>
+  </dgm:styleLbl>
+  <dgm:styleLbl name="node3">
+    <dgm:fillClrLst meth="repeat">
+      <a:schemeClr val="accent1"/>
+    </dgm:fillClrLst>
+    <dgm:linClrLst meth="repeat">
+      <a:schemeClr val="lt1"/>
+    </dgm:linClrLst>
+    <dgm:effectClrLst/>
+    <dgm:txLinClrLst/>
+    <dgm:txFillClrLst/>
+    <dgm:txEffectClrLst/>
+  </dgm:styleLbl>
+  <dgm:styleLbl name="node4">
+    <dgm:fillClrLst meth="repeat">
+      <a:schemeClr val="accent1"/>
+    </dgm:fillClrLst>
+    <dgm:linClrLst meth="repeat">
+      <a:schemeClr val="lt1"/>
+    </dgm:linClrLst>
+    <dgm:effectClrLst/>
+    <dgm:txLinClrLst/>
+    <dgm:txFillClrLst/>
+    <dgm:txEffectClrLst/>
+  </dgm:styleLbl>
+  <dgm:styleLbl name="fgImgPlace1">
+    <dgm:fillClrLst meth="repeat">
+      <a:schemeClr val="accent1">
+        <a:tint val="50000"/>
+      </a:schemeClr>
+    </dgm:fillClrLst>
+    <dgm:linClrLst meth="repeat">
+      <a:schemeClr val="lt1"/>
+    </dgm:linClrLst>
+    <dgm:effectClrLst/>
+    <dgm:txLinClrLst/>
+    <dgm:txFillClrLst meth="repeat">
+      <a:schemeClr val="lt1"/>
+    </dgm:txFillClrLst>
+    <dgm:txEffectClrLst/>
+  </dgm:styleLbl>
+  <dgm:styleLbl name="alignImgPlace1">
+    <dgm:fillClrLst meth="repeat">
+      <a:schemeClr val="accent1">
+        <a:tint val="50000"/>
+      </a:schemeClr>
+    </dgm:fillClrLst>
+    <dgm:linClrLst meth="repeat">
+      <a:schemeClr val="lt1"/>
+    </dgm:linClrLst>
+    <dgm:effectClrLst/>
+    <dgm:txLinClrLst/>
+    <dgm:txFillClrLst meth="repeat">
+      <a:schemeClr val="lt1"/>
+    </dgm:txFillClrLst>
+    <dgm:txEffectClrLst/>
+  </dgm:styleLbl>
+  <dgm:styleLbl name="bgImgPlace1">
+    <dgm:fillClrLst meth="repeat">
+      <a:schemeClr val="accent1">
+        <a:tint val="50000"/>
+      </a:schemeClr>
+    </dgm:fillClrLst>
+    <dgm:linClrLst meth="repeat">
+      <a:schemeClr val="lt1"/>
+    </dgm:linClrLst>
+    <dgm:effectClrLst/>
+    <dgm:txLinClrLst/>
+    <dgm:txFillClrLst meth="repeat">
+      <a:schemeClr val="lt1"/>
+    </dgm:txFillClrLst>
+    <dgm:txEffectClrLst/>
+  </dgm:styleLbl>
+  <dgm:styleLbl name="sibTrans2D1">
+    <dgm:fillClrLst meth="repeat">
+      <a:schemeClr val="accent1">
+        <a:tint val="60000"/>
+      </a:schemeClr>
+    </dgm:fillClrLst>
+    <dgm:linClrLst meth="repeat">
+      <a:schemeClr val="accent1">
+        <a:tint val="60000"/>
+      </a:schemeClr>
+    </dgm:linClrLst>
+    <dgm:effectClrLst/>
+    <dgm:txLinClrLst/>
+    <dgm:txFillClrLst/>
+    <dgm:txEffectClrLst/>
+  </dgm:styleLbl>
+  <dgm:styleLbl name="fgSibTrans2D1">
+    <dgm:fillClrLst meth="repeat">
+      <a:schemeClr val="accent1">
+        <a:tint val="60000"/>
+      </a:schemeClr>
+    </dgm:fillClrLst>
+    <dgm:linClrLst meth="repeat">
+      <a:schemeClr val="accent1">
+        <a:tint val="60000"/>
+      </a:schemeClr>
+    </dgm:linClrLst>
+    <dgm:effectClrLst/>
+    <dgm:txLinClrLst/>
+    <dgm:txFillClrLst/>
+    <dgm:txEffectClrLst/>
+  </dgm:styleLbl>
+  <dgm:styleLbl name="bgSibTrans2D1">
+    <dgm:fillClrLst meth="repeat">
+      <a:schemeClr val="accent1">
+        <a:tint val="60000"/>
+      </a:schemeClr>
+    </dgm:fillClrLst>
+    <dgm:linClrLst meth="repeat">
+      <a:schemeClr val="accent1">
+        <a:tint val="60000"/>
+      </a:schemeClr>
+    </dgm:linClrLst>
+    <dgm:effectClrLst/>
+    <dgm:txLinClrLst/>
+    <dgm:txFillClrLst/>
+    <dgm:txEffectClrLst/>
+  </dgm:styleLbl>
+  <dgm:styleLbl name="sibTrans1D1">
+    <dgm:fillClrLst meth="repeat">
+      <a:schemeClr val="accent1"/>
+    </dgm:fillClrLst>
+    <dgm:linClrLst meth="repeat">
+      <a:schemeClr val="accent1"/>
+    </dgm:linClrLst>
+    <dgm:effectClrLst/>
+    <dgm:txLinClrLst/>
+    <dgm:txFillClrLst meth="repeat">
+      <a:schemeClr val="tx1"/>
+    </dgm:txFillClrLst>
+    <dgm:txEffectClrLst/>
+  </dgm:styleLbl>
+  <dgm:styleLbl name="callout">
+    <dgm:fillClrLst meth="repeat">
+      <a:schemeClr val="accent1"/>
+    </dgm:fillClrLst>
+    <dgm:linClrLst meth="repeat">
+      <a:schemeClr val="accent1">
+        <a:tint val="50000"/>
+      </a:schemeClr>
+    </dgm:linClrLst>
+    <dgm:effectClrLst/>
+    <dgm:txLinClrLst/>
+    <dgm:txFillClrLst meth="repeat">
+      <a:schemeClr val="tx1"/>
+    </dgm:txFillClrLst>
+    <dgm:txEffectClrLst/>
+  </dgm:styleLbl>
+  <dgm:styleLbl name="asst0">
+    <dgm:fillClrLst meth="repeat">
+      <a:schemeClr val="accent1"/>
+    </dgm:fillClrLst>
+    <dgm:linClrLst meth="repeat">
+      <a:schemeClr val="lt1"/>
+    </dgm:linClrLst>
+    <dgm:effectClrLst/>
+    <dgm:txLinClrLst/>
+    <dgm:txFillClrLst/>
+    <dgm:txEffectClrLst/>
+  </dgm:styleLbl>
+  <dgm:styleLbl name="asst1">
+    <dgm:fillClrLst meth="repeat">
+      <a:schemeClr val="accent1"/>
+    </dgm:fillClrLst>
+    <dgm:linClrLst meth="repeat">
+      <a:schemeClr val="lt1"/>
+    </dgm:linClrLst>
+    <dgm:effectClrLst/>
+    <dgm:txLinClrLst/>
+    <dgm:txFillClrLst/>
+    <dgm:txEffectClrLst/>
+  </dgm:styleLbl>
+  <dgm:styleLbl name="asst2">
+    <dgm:fillClrLst meth="repeat">
+      <a:schemeClr val="accent1"/>
+    </dgm:fillClrLst>
+    <dgm:linClrLst meth="repeat">
+      <a:schemeClr val="lt1"/>
+    </dgm:linClrLst>
+    <dgm:effectClrLst/>
+    <dgm:txLinClrLst/>
+    <dgm:txFillClrLst/>
+    <dgm:txEffectClrLst/>
+  </dgm:styleLbl>
+  <dgm:styleLbl name="asst3">
+    <dgm:fillClrLst meth="repeat">
+      <a:schemeClr val="accent1"/>
+    </dgm:fillClrLst>
+    <dgm:linClrLst meth="repeat">
+      <a:schemeClr val="lt1"/>
+    </dgm:linClrLst>
+    <dgm:effectClrLst/>
+    <dgm:txLinClrLst/>
+    <dgm:txFillClrLst/>
+    <dgm:txEffectClrLst/>
+  </dgm:styleLbl>
+  <dgm:styleLbl name="asst4">
+    <dgm:fillClrLst meth="repeat">
+      <a:schemeClr val="accent1"/>
+    </dgm:fillClrLst>
+    <dgm:linClrLst meth="repeat">
+      <a:schemeClr val="lt1"/>
+    </dgm:linClrLst>
+    <dgm:effectClrLst/>
+    <dgm:txLinClrLst/>
+    <dgm:txFillClrLst/>
+    <dgm:txEffectClrLst/>
+  </dgm:styleLbl>
+  <dgm:styleLbl name="parChTrans2D1">
+    <dgm:fillClrLst meth="repeat">
+      <a:schemeClr val="accent1">
+        <a:tint val="60000"/>
+      </a:schemeClr>
+    </dgm:fillClrLst>
+    <dgm:linClrLst meth="repeat">
+      <a:schemeClr val="accent1">
+        <a:tint val="60000"/>
+      </a:schemeClr>
+    </dgm:linClrLst>
+    <dgm:effectClrLst/>
+    <dgm:txLinClrLst/>
+    <dgm:txFillClrLst meth="repeat">
+      <a:schemeClr val="lt1"/>
+    </dgm:txFillClrLst>
+    <dgm:txEffectClrLst/>
+  </dgm:styleLbl>
+  <dgm:styleLbl name="parChTrans2D2">
+    <dgm:fillClrLst meth="repeat">
+      <a:schemeClr val="accent1"/>
+    </dgm:fillClrLst>
+    <dgm:linClrLst meth="repeat">
+      <a:schemeClr val="accent1"/>
+    </dgm:linClrLst>
+    <dgm:effectClrLst/>
+    <dgm:txLinClrLst/>
+    <dgm:txFillClrLst meth="repeat">
+      <a:schemeClr val="lt1"/>
+    </dgm:txFillClrLst>
+    <dgm:txEffectClrLst/>
+  </dgm:styleLbl>
+  <dgm:styleLbl name="parChTrans2D3">
+    <dgm:fillClrLst meth="repeat">
+      <a:schemeClr val="accent1"/>
+    </dgm:fillClrLst>
+    <dgm:linClrLst meth="repeat">
+      <a:schemeClr val="accent1"/>
+    </dgm:linClrLst>
+    <dgm:effectClrLst/>
+    <dgm:txLinClrLst/>
+    <dgm:txFillClrLst meth="repeat">
+      <a:schemeClr val="lt1"/>
+    </dgm:txFillClrLst>
+    <dgm:txEffectClrLst/>
+  </dgm:styleLbl>
+  <dgm:styleLbl name="parChTrans2D4">
+    <dgm:fillClrLst meth="repeat">
+      <a:schemeClr val="accent1"/>
+    </dgm:fillClrLst>
+    <dgm:linClrLst meth="repeat">
+      <a:schemeClr val="accent1"/>
+    </dgm:linClrLst>
+    <dgm:effectClrLst/>
+    <dgm:txLinClrLst/>
+    <dgm:txFillClrLst meth="repeat">
+      <a:schemeClr val="lt1"/>
+    </dgm:txFillClrLst>
+    <dgm:txEffectClrLst/>
+  </dgm:styleLbl>
+  <dgm:styleLbl name="parChTrans1D1">
+    <dgm:fillClrLst meth="repeat">
+      <a:schemeClr val="accent1"/>
+    </dgm:fillClrLst>
+    <dgm:linClrLst meth="repeat">
+      <a:schemeClr val="accent1">
+        <a:shade val="60000"/>
+      </a:schemeClr>
+    </dgm:linClrLst>
+    <dgm:effectClrLst/>
+    <dgm:txLinClrLst/>
+    <dgm:txFillClrLst meth="repeat">
+      <a:schemeClr val="tx1"/>
+    </dgm:txFillClrLst>
+    <dgm:txEffectClrLst/>
+  </dgm:styleLbl>
+  <dgm:styleLbl name="parChTrans1D2">
+    <dgm:fillClrLst meth="repeat">
+      <a:schemeClr val="accent1"/>
+    </dgm:fillClrLst>
+    <dgm:linClrLst meth="repeat">
+      <a:schemeClr val="accent1">
+        <a:shade val="60000"/>
+      </a:schemeClr>
+    </dgm:linClrLst>
+    <dgm:effectClrLst/>
+    <dgm:txLinClrLst/>
+    <dgm:txFillClrLst meth="repeat">
+      <a:schemeClr val="tx1"/>
+    </dgm:txFillClrLst>
+    <dgm:txEffectClrLst/>
+  </dgm:styleLbl>
+  <dgm:styleLbl name="parChTrans1D3">
+    <dgm:fillClrLst meth="repeat">
+      <a:schemeClr val="accent1"/>
+    </dgm:fillClrLst>
+    <dgm:linClrLst meth="repeat">
+      <a:schemeClr val="accent1">
+        <a:shade val="80000"/>
+      </a:schemeClr>
+    </dgm:linClrLst>
+    <dgm:effectClrLst/>
+    <dgm:txLinClrLst/>
+    <dgm:txFillClrLst meth="repeat">
+      <a:schemeClr val="tx1"/>
+    </dgm:txFillClrLst>
+    <dgm:txEffectClrLst/>
+  </dgm:styleLbl>
+  <dgm:styleLbl name="parChTrans1D4">
+    <dgm:fillClrLst meth="repeat">
+      <a:schemeClr val="accent1"/>
+    </dgm:fillClrLst>
+    <dgm:linClrLst meth="repeat">
+      <a:schemeClr val="accent1">
+        <a:shade val="80000"/>
+      </a:schemeClr>
+    </dgm:linClrLst>
+    <dgm:effectClrLst/>
+    <dgm:txLinClrLst/>
+    <dgm:txFillClrLst meth="repeat">
+      <a:schemeClr val="tx1"/>
+    </dgm:txFillClrLst>
+    <dgm:txEffectClrLst/>
+  </dgm:styleLbl>
+  <dgm:styleLbl name="fgAcc1">
+    <dgm:fillClrLst meth="repeat">
+      <a:schemeClr val="lt1">
+        <a:alpha val="90000"/>
+      </a:schemeClr>
+    </dgm:fillClrLst>
+    <dgm:linClrLst meth="repeat">
+      <a:schemeClr val="accent1"/>
+    </dgm:linClrLst>
+    <dgm:effectClrLst/>
+    <dgm:txLinClrLst/>
+    <dgm:txFillClrLst meth="repeat">
+      <a:schemeClr val="dk1"/>
+    </dgm:txFillClrLst>
+    <dgm:txEffectClrLst/>
+  </dgm:styleLbl>
+  <dgm:styleLbl name="conFgAcc1">
+    <dgm:fillClrLst meth="repeat">
+      <a:schemeClr val="lt1">
+        <a:alpha val="90000"/>
+      </a:schemeClr>
+    </dgm:fillClrLst>
+    <dgm:linClrLst meth="repeat">
+      <a:schemeClr val="accent1"/>
+    </dgm:linClrLst>
+    <dgm:effectClrLst/>
+    <dgm:txLinClrLst/>
+    <dgm:txFillClrLst meth="repeat">
+      <a:schemeClr val="dk1"/>
+    </dgm:txFillClrLst>
+    <dgm:txEffectClrLst/>
+  </dgm:styleLbl>
+  <dgm:styleLbl name="alignAcc1">
+    <dgm:fillClrLst meth="repeat">
+      <a:schemeClr val="lt1">
+        <a:alpha val="90000"/>
+      </a:schemeClr>
+    </dgm:fillClrLst>
+    <dgm:linClrLst meth="repeat">
+      <a:schemeClr val="accent1"/>
+    </dgm:linClrLst>
+    <dgm:effectClrLst/>
+    <dgm:txLinClrLst/>
+    <dgm:txFillClrLst meth="repeat">
+      <a:schemeClr val="dk1"/>
+    </dgm:txFillClrLst>
+    <dgm:txEffectClrLst/>
+  </dgm:styleLbl>
+  <dgm:styleLbl name="trAlignAcc1">
+    <dgm:fillClrLst meth="repeat">
+      <a:schemeClr val="lt1">
+        <a:alpha val="40000"/>
+      </a:schemeClr>
+    </dgm:fillClrLst>
+    <dgm:linClrLst meth="repeat">
+      <a:schemeClr val="accent1"/>
+    </dgm:linClrLst>
+    <dgm:effectClrLst/>
+    <dgm:txLinClrLst/>
+    <dgm:txFillClrLst meth="repeat">
+      <a:schemeClr val="dk1"/>
+    </dgm:txFillClrLst>
+    <dgm:txEffectClrLst/>
+  </dgm:styleLbl>
+  <dgm:styleLbl name="bgAcc1">
+    <dgm:fillClrLst meth="repeat">
+      <a:schemeClr val="lt1">
+        <a:alpha val="90000"/>
+      </a:schemeClr>
+    </dgm:fillClrLst>
+    <dgm:linClrLst meth="repeat">
+      <a:schemeClr val="accent1"/>
+    </dgm:linClrLst>
+    <dgm:effectClrLst/>
+    <dgm:txLinClrLst/>
+    <dgm:txFillClrLst meth="repeat">
+      <a:schemeClr val="dk1"/>
+    </dgm:txFillClrLst>
+    <dgm:txEffectClrLst/>
+  </dgm:styleLbl>
+  <dgm:styleLbl name="solidFgAcc1">
+    <dgm:fillClrLst meth="repeat">
+      <a:schemeClr val="lt1"/>
+    </dgm:fillClrLst>
+    <dgm:linClrLst meth="repeat">
+      <a:schemeClr val="accent1"/>
+    </dgm:linClrLst>
+    <dgm:effectClrLst/>
+    <dgm:txLinClrLst/>
+    <dgm:txFillClrLst meth="repeat">
+      <a:schemeClr val="dk1"/>
+    </dgm:txFillClrLst>
+    <dgm:txEffectClrLst/>
+  </dgm:styleLbl>
+  <dgm:styleLbl name="solidAlignAcc1">
+    <dgm:fillClrLst meth="repeat">
+      <a:schemeClr val="lt1"/>
+    </dgm:fillClrLst>
+    <dgm:linClrLst meth="repeat">
+      <a:schemeClr val="accent1"/>
+    </dgm:linClrLst>
+    <dgm:effectClrLst/>
+    <dgm:txLinClrLst/>
+    <dgm:txFillClrLst meth="repeat">
+      <a:schemeClr val="dk1"/>
+    </dgm:txFillClrLst>
+    <dgm:txEffectClrLst/>
+  </dgm:styleLbl>
+  <dgm:styleLbl name="solidBgAcc1">
+    <dgm:fillClrLst meth="repeat">
+      <a:schemeClr val="lt1"/>
+    </dgm:fillClrLst>
+    <dgm:linClrLst meth="repeat">
+      <a:schemeClr val="accent1"/>
+    </dgm:linClrLst>
+    <dgm:effectClrLst/>
+    <dgm:txLinClrLst/>
+    <dgm:txFillClrLst meth="repeat">
+      <a:schemeClr val="dk1"/>
+    </dgm:txFillClrLst>
+    <dgm:txEffectClrLst/>
+  </dgm:styleLbl>
+  <dgm:styleLbl name="fgAccFollowNode1">
+    <dgm:fillClrLst meth="repeat">
+      <a:schemeClr val="accent1">
+        <a:alpha val="90000"/>
+        <a:tint val="40000"/>
+      </a:schemeClr>
+    </dgm:fillClrLst>
+    <dgm:linClrLst meth="repeat">
+      <a:schemeClr val="accent1">
+        <a:alpha val="90000"/>
+        <a:tint val="40000"/>
+      </a:schemeClr>
+    </dgm:linClrLst>
+    <dgm:effectClrLst/>
+    <dgm:txLinClrLst/>
+    <dgm:txFillClrLst meth="repeat">
+      <a:schemeClr val="dk1"/>
+    </dgm:txFillClrLst>
+    <dgm:txEffectClrLst/>
+  </dgm:styleLbl>
+  <dgm:styleLbl name="alignAccFollowNode1">
+    <dgm:fillClrLst meth="repeat">
+      <a:schemeClr val="accent1">
+        <a:alpha val="90000"/>
+        <a:tint val="40000"/>
+      </a:schemeClr>
+    </dgm:fillClrLst>
+    <dgm:linClrLst meth="repeat">
+      <a:schemeClr val="accent1">
+        <a:alpha val="90000"/>
+        <a:tint val="40000"/>
+      </a:schemeClr>
+    </dgm:linClrLst>
+    <dgm:effectClrLst/>
+    <dgm:txLinClrLst/>
+    <dgm:txFillClrLst meth="repeat">
+      <a:schemeClr val="dk1"/>
+    </dgm:txFillClrLst>
+    <dgm:txEffectClrLst/>
+  </dgm:styleLbl>
+  <dgm:styleLbl name="bgAccFollowNode1">
+    <dgm:fillClrLst meth="repeat">
+      <a:schemeClr val="accent1">
+        <a:alpha val="90000"/>
+        <a:tint val="40000"/>
+      </a:schemeClr>
+    </dgm:fillClrLst>
+    <dgm:linClrLst meth="repeat">
+      <a:schemeClr val="accent1">
+        <a:alpha val="90000"/>
+        <a:tint val="40000"/>
+      </a:schemeClr>
+    </dgm:linClrLst>
+    <dgm:effectClrLst/>
+    <dgm:txLinClrLst/>
+    <dgm:txFillClrLst meth="repeat">
+      <a:schemeClr val="dk1"/>
+    </dgm:txFillClrLst>
+    <dgm:txEffectClrLst/>
+  </dgm:styleLbl>
+  <dgm:styleLbl name="fgAcc0">
+    <dgm:fillClrLst meth="repeat">
+      <a:schemeClr val="lt1">
+        <a:alpha val="90000"/>
+      </a:schemeClr>
+    </dgm:fillClrLst>
+    <dgm:linClrLst meth="repeat">
+      <a:schemeClr val="accent1"/>
+    </dgm:linClrLst>
+    <dgm:effectClrLst/>
+    <dgm:txLinClrLst/>
+    <dgm:txFillClrLst meth="repeat">
+      <a:schemeClr val="dk1"/>
+    </dgm:txFillClrLst>
+    <dgm:txEffectClrLst/>
+  </dgm:styleLbl>
+  <dgm:styleLbl name="fgAcc2">
+    <dgm:fillClrLst meth="repeat">
+      <a:schemeClr val="lt1">
+        <a:alpha val="90000"/>
+      </a:schemeClr>
+    </dgm:fillClrLst>
+    <dgm:linClrLst meth="repeat">
+      <a:schemeClr val="accent1"/>
+    </dgm:linClrLst>
+    <dgm:effectClrLst/>
+    <dgm:txLinClrLst/>
+    <dgm:txFillClrLst meth="repeat">
+      <a:schemeClr val="dk1"/>
+    </dgm:txFillClrLst>
+    <dgm:txEffectClrLst/>
+  </dgm:styleLbl>
+  <dgm:styleLbl name="fgAcc3">
+    <dgm:fillClrLst meth="repeat">
+      <a:schemeClr val="lt1">
+        <a:alpha val="90000"/>
+      </a:schemeClr>
+    </dgm:fillClrLst>
+    <dgm:linClrLst meth="repeat">
+      <a:schemeClr val="accent1"/>
+    </dgm:linClrLst>
+    <dgm:effectClrLst/>
+    <dgm:txLinClrLst/>
+    <dgm:txFillClrLst meth="repeat">
+      <a:schemeClr val="dk1"/>
+    </dgm:txFillClrLst>
+    <dgm:txEffectClrLst/>
+  </dgm:styleLbl>
+  <dgm:styleLbl name="fgAcc4">
+    <dgm:fillClrLst meth="repeat">
+      <a:schemeClr val="lt1">
+        <a:alpha val="90000"/>
+      </a:schemeClr>
+    </dgm:fillClrLst>
+    <dgm:linClrLst meth="repeat">
+      <a:schemeClr val="accent1"/>
+    </dgm:linClrLst>
+    <dgm:effectClrLst/>
+    <dgm:txLinClrLst/>
+    <dgm:txFillClrLst meth="repeat">
+      <a:schemeClr val="dk1"/>
+    </dgm:txFillClrLst>
+    <dgm:txEffectClrLst/>
+  </dgm:styleLbl>
+  <dgm:styleLbl name="bgShp">
+    <dgm:fillClrLst meth="repeat">
+      <a:schemeClr val="accent1">
+        <a:tint val="40000"/>
+      </a:schemeClr>
+    </dgm:fillClrLst>
+    <dgm:linClrLst meth="repeat">
+      <a:schemeClr val="accent1"/>
+    </dgm:linClrLst>
+    <dgm:effectClrLst/>
+    <dgm:txLinClrLst/>
+    <dgm:txFillClrLst meth="repeat">
+      <a:schemeClr val="dk1"/>
+    </dgm:txFillClrLst>
+    <dgm:txEffectClrLst/>
+  </dgm:styleLbl>
+  <dgm:styleLbl name="dkBgShp">
+    <dgm:fillClrLst meth="repeat">
+      <a:schemeClr val="accent1">
+        <a:shade val="80000"/>
+      </a:schemeClr>
+    </dgm:fillClrLst>
+    <dgm:linClrLst meth="repeat">
+      <a:schemeClr val="accent1"/>
+    </dgm:linClrLst>
+    <dgm:effectClrLst/>
+    <dgm:txLinClrLst/>
+    <dgm:txFillClrLst meth="repeat">
+      <a:schemeClr val="lt1"/>
+    </dgm:txFillClrLst>
+    <dgm:txEffectClrLst/>
+  </dgm:styleLbl>
+  <dgm:styleLbl name="trBgShp">
+    <dgm:fillClrLst meth="repeat">
+      <a:schemeClr val="accent1">
+        <a:tint val="50000"/>
+        <a:alpha val="40000"/>
+      </a:schemeClr>
+    </dgm:fillClrLst>
+    <dgm:linClrLst meth="repeat">
+      <a:schemeClr val="accent1"/>
+    </dgm:linClrLst>
+    <dgm:effectClrLst/>
+    <dgm:txLinClrLst/>
+    <dgm:txFillClrLst meth="repeat">
+      <a:schemeClr val="lt1"/>
+    </dgm:txFillClrLst>
+    <dgm:txEffectClrLst/>
+  </dgm:styleLbl>
+  <dgm:styleLbl name="fgShp">
+    <dgm:fillClrLst meth="repeat">
+      <a:schemeClr val="accent1">
+        <a:tint val="60000"/>
+      </a:schemeClr>
+    </dgm:fillClrLst>
+    <dgm:linClrLst meth="repeat">
+      <a:schemeClr val="lt1"/>
+    </dgm:linClrLst>
+    <dgm:effectClrLst/>
+    <dgm:txLinClrLst/>
+    <dgm:txFillClrLst meth="repeat">
+      <a:schemeClr val="dk1"/>
+    </dgm:txFillClrLst>
+    <dgm:txEffectClrLst/>
+  </dgm:styleLbl>
+  <dgm:styleLbl name="revTx">
+    <dgm:fillClrLst meth="repeat">
+      <a:schemeClr val="lt1">
+        <a:alpha val="0"/>
+      </a:schemeClr>
+    </dgm:fillClrLst>
+    <dgm:linClrLst meth="repeat">
+      <a:schemeClr val="dk1">
+        <a:alpha val="0"/>
+      </a:schemeClr>
+    </dgm:linClrLst>
+    <dgm:effectClrLst/>
+    <dgm:txLinClrLst/>
+    <dgm:txFillClrLst meth="repeat">
+      <a:schemeClr val="tx1"/>
+    </dgm:txFillClrLst>
+    <dgm:txEffectClrLst/>
+  </dgm:styleLbl>
+</dgm:colorsDef>
+</file>
+
+<file path=ppt/diagrams/data1.xml><?xml version="1.0" encoding="utf-8"?>
+<dgm:dataModel xmlns:dgm="http://schemas.openxmlformats.org/drawingml/2006/diagram" xmlns:a="http://schemas.openxmlformats.org/drawingml/2006/main">
+  <dgm:ptLst>
+    <dgm:pt modelId="{74209FBA-7B49-41F8-914D-8F4E60DDFB5D}" type="doc">
+      <dgm:prSet loTypeId="urn:microsoft.com/office/officeart/2005/8/layout/process4" loCatId="" qsTypeId="urn:microsoft.com/office/officeart/2005/8/quickstyle/simple1" qsCatId="simple" csTypeId="urn:microsoft.com/office/officeart/2005/8/colors/accent1_2" csCatId="accent1" phldr="1"/>
+      <dgm:spPr/>
+      <dgm:t>
+        <a:bodyPr/>
+        <a:lstStyle/>
+        <a:p>
+          <a:endParaRPr lang="zh-CN" altLang="en-US"/>
+        </a:p>
+      </dgm:t>
+    </dgm:pt>
+    <dgm:pt modelId="{6899EC7D-2F4E-4FE4-86BB-37E3DE110152}">
+      <dgm:prSet phldrT="[文本]"/>
+      <dgm:spPr/>
+      <dgm:t>
+        <a:bodyPr/>
+        <a:lstStyle/>
+        <a:p>
+          <a:r>
+            <a:rPr lang="en-US" altLang="zh-CN" dirty="0"/>
+            <a:t>M</a:t>
+          </a:r>
+          <a:r>
+            <a:rPr lang="en-US" altLang="zh-Hans" dirty="0"/>
+            <a:t>aintain</a:t>
+          </a:r>
+          <a:r>
+            <a:rPr lang="zh-Hans" altLang="en-US" dirty="0"/>
+            <a:t> </a:t>
+          </a:r>
+          <a:r>
+            <a:rPr lang="en-US" altLang="zh-Hans" dirty="0"/>
+            <a:t>Connection</a:t>
+          </a:r>
+          <a:r>
+            <a:rPr lang="zh-Hans" altLang="en-US" dirty="0"/>
+            <a:t> </a:t>
+          </a:r>
+          <a:r>
+            <a:rPr lang="en-US" altLang="zh-Hans" dirty="0"/>
+            <a:t>Graph</a:t>
+          </a:r>
+          <a:endParaRPr lang="zh-CN" altLang="en-US" dirty="0"/>
+        </a:p>
+      </dgm:t>
+    </dgm:pt>
+    <dgm:pt modelId="{A97DC375-B8C8-481F-A521-BF62B7BD5854}" type="parTrans" cxnId="{8C0F68EB-83AE-4F4D-817E-82633CCEF219}">
+      <dgm:prSet/>
+      <dgm:spPr/>
+      <dgm:t>
+        <a:bodyPr/>
+        <a:lstStyle/>
+        <a:p>
+          <a:endParaRPr lang="zh-CN" altLang="en-US"/>
+        </a:p>
+      </dgm:t>
+    </dgm:pt>
+    <dgm:pt modelId="{C35E8C7D-E6FE-4110-9765-391DC056B77F}" type="sibTrans" cxnId="{8C0F68EB-83AE-4F4D-817E-82633CCEF219}">
+      <dgm:prSet/>
+      <dgm:spPr/>
+      <dgm:t>
+        <a:bodyPr/>
+        <a:lstStyle/>
+        <a:p>
+          <a:endParaRPr lang="zh-CN" altLang="en-US"/>
+        </a:p>
+      </dgm:t>
+    </dgm:pt>
+    <dgm:pt modelId="{6458973E-3CD6-4C5F-9ED0-14E562CF92E2}">
+      <dgm:prSet phldrT="[文本]"/>
+      <dgm:spPr/>
+      <dgm:t>
+        <a:bodyPr/>
+        <a:lstStyle/>
+        <a:p>
+          <a:r>
+            <a:rPr lang="en-US" altLang="zh-Hans" dirty="0"/>
+            <a:t>Add/Delete</a:t>
+          </a:r>
+          <a:endParaRPr lang="zh-CN" altLang="en-US" dirty="0"/>
+        </a:p>
+      </dgm:t>
+    </dgm:pt>
+    <dgm:pt modelId="{F0F41032-38C4-4366-A02E-AF5A67C9F276}" type="parTrans" cxnId="{937939E2-0CF7-496F-8E0D-39B9C1F45214}">
+      <dgm:prSet/>
+      <dgm:spPr/>
+      <dgm:t>
+        <a:bodyPr/>
+        <a:lstStyle/>
+        <a:p>
+          <a:endParaRPr lang="zh-CN" altLang="en-US"/>
+        </a:p>
+      </dgm:t>
+    </dgm:pt>
+    <dgm:pt modelId="{10D353C3-68E2-46CB-A1E5-8C38A0B3E22A}" type="sibTrans" cxnId="{937939E2-0CF7-496F-8E0D-39B9C1F45214}">
+      <dgm:prSet/>
+      <dgm:spPr/>
+      <dgm:t>
+        <a:bodyPr/>
+        <a:lstStyle/>
+        <a:p>
+          <a:endParaRPr lang="zh-CN" altLang="en-US"/>
+        </a:p>
+      </dgm:t>
+    </dgm:pt>
+    <dgm:pt modelId="{C26E3E4C-1F9D-48D3-9F69-A8FD7AA86CCF}">
+      <dgm:prSet phldrT="[文本]"/>
+      <dgm:spPr/>
+      <dgm:t>
+        <a:bodyPr/>
+        <a:lstStyle/>
+        <a:p>
+          <a:r>
+            <a:rPr lang="en-US" altLang="zh-Hans" dirty="0"/>
+            <a:t>Link/Unlink</a:t>
+          </a:r>
+          <a:endParaRPr lang="zh-CN" altLang="en-US" dirty="0"/>
+        </a:p>
+      </dgm:t>
+    </dgm:pt>
+    <dgm:pt modelId="{FE022346-50E2-4EDF-8F30-26E2A9757724}" type="parTrans" cxnId="{DC16195E-07FC-4ABB-A94A-9EFCA1B5EBE3}">
+      <dgm:prSet/>
+      <dgm:spPr/>
+      <dgm:t>
+        <a:bodyPr/>
+        <a:lstStyle/>
+        <a:p>
+          <a:endParaRPr lang="zh-CN" altLang="en-US"/>
+        </a:p>
+      </dgm:t>
+    </dgm:pt>
+    <dgm:pt modelId="{F67AFE5C-F309-4BF4-8919-21EDE4A1360C}" type="sibTrans" cxnId="{DC16195E-07FC-4ABB-A94A-9EFCA1B5EBE3}">
+      <dgm:prSet/>
+      <dgm:spPr/>
+      <dgm:t>
+        <a:bodyPr/>
+        <a:lstStyle/>
+        <a:p>
+          <a:endParaRPr lang="zh-CN" altLang="en-US"/>
+        </a:p>
+      </dgm:t>
+    </dgm:pt>
+    <dgm:pt modelId="{545C6FC9-891E-4888-A1EC-6B0038B74BD6}">
+      <dgm:prSet phldrT="[文本]"/>
+      <dgm:spPr/>
+      <dgm:t>
+        <a:bodyPr/>
+        <a:lstStyle/>
+        <a:p>
+          <a:r>
+            <a:rPr lang="en-US" altLang="zh-CN" dirty="0"/>
+            <a:t>C</a:t>
+          </a:r>
+          <a:r>
+            <a:rPr lang="en-US" altLang="zh-Hans" dirty="0"/>
+            <a:t>alculate</a:t>
+          </a:r>
+          <a:r>
+            <a:rPr lang="zh-Hans" altLang="en-US" dirty="0"/>
+            <a:t> </a:t>
+          </a:r>
+          <a:r>
+            <a:rPr lang="en-US" altLang="zh-Hans" dirty="0"/>
+            <a:t>Contribution</a:t>
+          </a:r>
+          <a:r>
+            <a:rPr lang="zh-Hans" altLang="en-US" dirty="0"/>
+            <a:t> </a:t>
+          </a:r>
+          <a:r>
+            <a:rPr lang="en-US" altLang="zh-Hans" dirty="0"/>
+            <a:t>of</a:t>
+          </a:r>
+          <a:r>
+            <a:rPr lang="zh-Hans" altLang="en-US" dirty="0"/>
+            <a:t> </a:t>
+          </a:r>
+          <a:r>
+            <a:rPr lang="en-US" altLang="zh-Hans" dirty="0"/>
+            <a:t>each</a:t>
+          </a:r>
+          <a:r>
+            <a:rPr lang="zh-Hans" altLang="en-US" dirty="0"/>
+            <a:t> </a:t>
+          </a:r>
+          <a:r>
+            <a:rPr lang="en-US" altLang="zh-Hans" dirty="0"/>
+            <a:t>EC</a:t>
+          </a:r>
+          <a:endParaRPr lang="zh-CN" altLang="en-US" dirty="0"/>
+        </a:p>
+      </dgm:t>
+    </dgm:pt>
+    <dgm:pt modelId="{1511C28B-6ACD-452E-BA60-7B32EE0CB5F1}" type="parTrans" cxnId="{1C434EC7-E38E-4362-9CAE-E4561BBFBB5F}">
+      <dgm:prSet/>
+      <dgm:spPr/>
+      <dgm:t>
+        <a:bodyPr/>
+        <a:lstStyle/>
+        <a:p>
+          <a:endParaRPr lang="zh-CN" altLang="en-US"/>
+        </a:p>
+      </dgm:t>
+    </dgm:pt>
+    <dgm:pt modelId="{74CF1DE8-F211-46CE-9E4D-53676B0D4736}" type="sibTrans" cxnId="{1C434EC7-E38E-4362-9CAE-E4561BBFBB5F}">
+      <dgm:prSet/>
+      <dgm:spPr/>
+      <dgm:t>
+        <a:bodyPr/>
+        <a:lstStyle/>
+        <a:p>
+          <a:endParaRPr lang="zh-CN" altLang="en-US"/>
+        </a:p>
+      </dgm:t>
+    </dgm:pt>
+    <dgm:pt modelId="{3F3689B6-024C-4CBD-B27B-7C427456836E}">
+      <dgm:prSet phldrT="[文本]"/>
+      <dgm:spPr/>
+      <dgm:t>
+        <a:bodyPr/>
+        <a:lstStyle/>
+        <a:p>
+          <a:r>
+            <a:rPr lang="en-US" altLang="zh-CN" dirty="0"/>
+            <a:t>KCL</a:t>
+          </a:r>
+          <a:r>
+            <a:rPr lang="zh-Hans" altLang="en-US" dirty="0"/>
+            <a:t> </a:t>
+          </a:r>
+          <a:r>
+            <a:rPr lang="en-US" altLang="zh-Hans" dirty="0"/>
+            <a:t>formula</a:t>
+          </a:r>
+          <a:endParaRPr lang="zh-CN" altLang="en-US" dirty="0"/>
+        </a:p>
+      </dgm:t>
+    </dgm:pt>
+    <dgm:pt modelId="{28FE1859-DAD8-4C93-BF67-FFB224154CB8}" type="parTrans" cxnId="{12A3F7DD-5EB5-4D18-B6D3-C7ECBE47D5BB}">
+      <dgm:prSet/>
+      <dgm:spPr/>
+      <dgm:t>
+        <a:bodyPr/>
+        <a:lstStyle/>
+        <a:p>
+          <a:endParaRPr lang="zh-CN" altLang="en-US"/>
+        </a:p>
+      </dgm:t>
+    </dgm:pt>
+    <dgm:pt modelId="{61791506-4F73-455A-9873-C6750BEA0483}" type="sibTrans" cxnId="{12A3F7DD-5EB5-4D18-B6D3-C7ECBE47D5BB}">
+      <dgm:prSet/>
+      <dgm:spPr/>
+      <dgm:t>
+        <a:bodyPr/>
+        <a:lstStyle/>
+        <a:p>
+          <a:endParaRPr lang="zh-CN" altLang="en-US"/>
+        </a:p>
+      </dgm:t>
+    </dgm:pt>
+    <dgm:pt modelId="{8D8EE1BB-2A55-420B-A0A0-633B9CF96A3B}">
+      <dgm:prSet phldrT="[文本]"/>
+      <dgm:spPr/>
+      <dgm:t>
+        <a:bodyPr/>
+        <a:lstStyle/>
+        <a:p>
+          <a:r>
+            <a:rPr lang="en-US" altLang="zh-CN" dirty="0"/>
+            <a:t>S</a:t>
+          </a:r>
+          <a:r>
+            <a:rPr lang="en-US" altLang="zh-Hans" dirty="0"/>
+            <a:t>olve</a:t>
+          </a:r>
+          <a:r>
+            <a:rPr lang="zh-Hans" altLang="en-US" dirty="0"/>
+            <a:t> </a:t>
+          </a:r>
+          <a:r>
+            <a:rPr lang="en-US" altLang="zh-Hans" dirty="0"/>
+            <a:t>the</a:t>
+          </a:r>
+          <a:r>
+            <a:rPr lang="zh-Hans" altLang="en-US" dirty="0"/>
+            <a:t> </a:t>
+          </a:r>
+          <a:r>
+            <a:rPr lang="en-US" altLang="zh-Hans" dirty="0"/>
+            <a:t>Matrix</a:t>
+          </a:r>
+          <a:endParaRPr lang="zh-CN" altLang="en-US" dirty="0"/>
+        </a:p>
+      </dgm:t>
+    </dgm:pt>
+    <dgm:pt modelId="{68E462F3-064C-4D4A-99B6-04CE12EB45C3}" type="parTrans" cxnId="{B405A0C1-1544-45DA-84B7-7E3DB578DF07}">
+      <dgm:prSet/>
+      <dgm:spPr/>
+      <dgm:t>
+        <a:bodyPr/>
+        <a:lstStyle/>
+        <a:p>
+          <a:endParaRPr lang="zh-CN" altLang="en-US"/>
+        </a:p>
+      </dgm:t>
+    </dgm:pt>
+    <dgm:pt modelId="{2A9988D7-BECF-4636-BADD-B351590FBCF1}" type="sibTrans" cxnId="{B405A0C1-1544-45DA-84B7-7E3DB578DF07}">
+      <dgm:prSet/>
+      <dgm:spPr/>
+      <dgm:t>
+        <a:bodyPr/>
+        <a:lstStyle/>
+        <a:p>
+          <a:endParaRPr lang="zh-CN" altLang="en-US"/>
+        </a:p>
+      </dgm:t>
+    </dgm:pt>
+    <dgm:pt modelId="{6D7164FB-A51E-42EB-9C17-EF0C25AECE17}">
+      <dgm:prSet phldrT="[文本]"/>
+      <dgm:spPr/>
+      <dgm:t>
+        <a:bodyPr/>
+        <a:lstStyle/>
+        <a:p>
+          <a:r>
+            <a:rPr lang="en-US" altLang="zh-CN" dirty="0"/>
+            <a:t>LU</a:t>
+          </a:r>
+          <a:r>
+            <a:rPr lang="zh-Hans" altLang="en-US" dirty="0"/>
+            <a:t> </a:t>
+          </a:r>
+          <a:r>
+            <a:rPr lang="en-US" altLang="zh-Hans" dirty="0"/>
+            <a:t>decomposition</a:t>
+          </a:r>
+          <a:endParaRPr lang="zh-CN" altLang="en-US" dirty="0"/>
+        </a:p>
+      </dgm:t>
+    </dgm:pt>
+    <dgm:pt modelId="{F8612A40-6C68-4AE0-BDF3-BE8347D2EA4B}" type="parTrans" cxnId="{B03B9BCA-9710-4E58-A17C-FD567DE3A233}">
+      <dgm:prSet/>
+      <dgm:spPr/>
+      <dgm:t>
+        <a:bodyPr/>
+        <a:lstStyle/>
+        <a:p>
+          <a:endParaRPr lang="zh-CN" altLang="en-US"/>
+        </a:p>
+      </dgm:t>
+    </dgm:pt>
+    <dgm:pt modelId="{FE2F6A08-9216-439F-949D-CA46B2C68560}" type="sibTrans" cxnId="{B03B9BCA-9710-4E58-A17C-FD567DE3A233}">
+      <dgm:prSet/>
+      <dgm:spPr/>
+      <dgm:t>
+        <a:bodyPr/>
+        <a:lstStyle/>
+        <a:p>
+          <a:endParaRPr lang="zh-CN" altLang="en-US"/>
+        </a:p>
+      </dgm:t>
+    </dgm:pt>
+    <mc:AlternateContent xmlns:mc="http://schemas.openxmlformats.org/markup-compatibility/2006" xmlns:a14="http://schemas.microsoft.com/office/drawing/2010/main">
+      <mc:Choice Requires="a14">
+        <dgm:pt modelId="{EBCF1FDF-1641-4AB1-A9C6-F6DB63717DE4}">
+          <dgm:prSet/>
+          <dgm:spPr/>
+          <dgm:t>
+            <a:bodyPr/>
+            <a:lstStyle/>
+            <a:p>
+              <a:pPr/>
+              <a14:m>
+                <m:oMathPara xmlns:m="http://schemas.openxmlformats.org/officeDocument/2006/math">
+                  <m:oMathParaPr>
+                    <m:jc m:val="centerGroup"/>
+                  </m:oMathParaPr>
+                  <m:oMath xmlns:m="http://schemas.openxmlformats.org/officeDocument/2006/math">
+                    <m:r>
+                      <a:rPr lang="en-US" altLang="zh-CN" b="0" i="1" smtClean="0">
+                        <a:latin typeface="Cambria Math" panose="02040503050406030204" pitchFamily="18" charset="0"/>
+                      </a:rPr>
+                      <m:t>𝑣</m:t>
+                    </m:r>
+                    <m:r>
+                      <a:rPr lang="en-US" altLang="zh-CN" b="0" i="1" smtClean="0">
+                        <a:latin typeface="Cambria Math" panose="02040503050406030204" pitchFamily="18" charset="0"/>
+                      </a:rPr>
+                      <m:t>=</m:t>
+                    </m:r>
+                    <m:sSup>
+                      <m:sSupPr>
+                        <m:ctrlPr>
+                          <a:rPr lang="en-US" altLang="zh-CN" b="0" i="1" smtClean="0">
+                            <a:latin typeface="Cambria Math" panose="02040503050406030204" pitchFamily="18" charset="0"/>
+                          </a:rPr>
+                        </m:ctrlPr>
+                      </m:sSupPr>
+                      <m:e>
+                        <m:r>
+                          <a:rPr lang="en-US" altLang="zh-CN" b="0" i="1" smtClean="0">
+                            <a:latin typeface="Cambria Math" panose="02040503050406030204" pitchFamily="18" charset="0"/>
+                          </a:rPr>
+                          <m:t>𝑈</m:t>
+                        </m:r>
+                      </m:e>
+                      <m:sup>
+                        <m:r>
+                          <a:rPr lang="en-US" altLang="zh-CN" b="0" i="1" smtClean="0">
+                            <a:latin typeface="Cambria Math" panose="02040503050406030204" pitchFamily="18" charset="0"/>
+                          </a:rPr>
+                          <m:t>−1</m:t>
+                        </m:r>
+                      </m:sup>
+                    </m:sSup>
+                    <m:r>
+                      <a:rPr lang="en-US" altLang="zh-CN" b="0" i="1" smtClean="0">
+                        <a:latin typeface="Cambria Math" panose="02040503050406030204" pitchFamily="18" charset="0"/>
+                        <a:ea typeface="Cambria Math" panose="02040503050406030204" pitchFamily="18" charset="0"/>
+                      </a:rPr>
+                      <m:t>∙</m:t>
+                    </m:r>
+                    <m:sSup>
+                      <m:sSupPr>
+                        <m:ctrlPr>
+                          <a:rPr lang="en-US" altLang="zh-CN" b="0" i="1" smtClean="0">
+                            <a:latin typeface="Cambria Math" panose="02040503050406030204" pitchFamily="18" charset="0"/>
+                            <a:ea typeface="Cambria Math" panose="02040503050406030204" pitchFamily="18" charset="0"/>
+                          </a:rPr>
+                        </m:ctrlPr>
+                      </m:sSupPr>
+                      <m:e>
+                        <m:r>
+                          <m:rPr>
+                            <m:sty m:val="p"/>
+                          </m:rPr>
+                          <a:rPr lang="en-US" altLang="zh-CN" b="0" i="1" smtClean="0">
+                            <a:latin typeface="Cambria Math" panose="02040503050406030204" pitchFamily="18" charset="0"/>
+                            <a:ea typeface="Cambria Math" panose="02040503050406030204" pitchFamily="18" charset="0"/>
+                          </a:rPr>
+                          <m:t>L</m:t>
+                        </m:r>
+                      </m:e>
+                      <m:sup>
+                        <m:r>
+                          <a:rPr lang="en-US" altLang="zh-CN" b="0" i="1" smtClean="0">
+                            <a:latin typeface="Cambria Math" panose="02040503050406030204" pitchFamily="18" charset="0"/>
+                            <a:ea typeface="Cambria Math" panose="02040503050406030204" pitchFamily="18" charset="0"/>
+                          </a:rPr>
+                          <m:t>−1</m:t>
+                        </m:r>
+                      </m:sup>
+                    </m:sSup>
+                    <m:r>
+                      <a:rPr lang="en-US" altLang="zh-CN" b="0" i="1" smtClean="0">
+                        <a:latin typeface="Cambria Math" panose="02040503050406030204" pitchFamily="18" charset="0"/>
+                        <a:ea typeface="Cambria Math" panose="02040503050406030204" pitchFamily="18" charset="0"/>
+                      </a:rPr>
+                      <m:t>∙</m:t>
+                    </m:r>
+                    <m:r>
+                      <a:rPr lang="en-US" altLang="zh-CN" b="0" i="1" smtClean="0">
+                        <a:latin typeface="Cambria Math" panose="02040503050406030204" pitchFamily="18" charset="0"/>
+                        <a:ea typeface="Cambria Math" panose="02040503050406030204" pitchFamily="18" charset="0"/>
+                      </a:rPr>
+                      <m:t>𝑖</m:t>
+                    </m:r>
+                  </m:oMath>
+                </m:oMathPara>
+              </a14:m>
+              <a:endParaRPr lang="zh-CN" altLang="en-US" dirty="0"/>
+            </a:p>
+          </dgm:t>
+        </dgm:pt>
+      </mc:Choice>
+      <mc:Fallback xmlns="">
+        <dgm:pt modelId="{EBCF1FDF-1641-4AB1-A9C6-F6DB63717DE4}">
+          <dgm:prSet/>
+          <dgm:spPr/>
+          <dgm:t>
+            <a:bodyPr/>
+            <a:lstStyle/>
+            <a:p>
+              <a:r>
+                <a:rPr lang="en-US" altLang="zh-CN" b="0" i="0">
+                  <a:latin typeface="Cambria Math" panose="02040503050406030204" pitchFamily="18" charset="0"/>
+                </a:rPr>
+                <a:t>𝑣=𝑈^(−1)</a:t>
+              </a:r>
+              <a:r>
+                <a:rPr lang="en-US" altLang="zh-CN" b="0" i="0">
+                  <a:latin typeface="Cambria Math" panose="02040503050406030204" pitchFamily="18" charset="0"/>
+                  <a:ea typeface="Cambria Math" panose="02040503050406030204" pitchFamily="18" charset="0"/>
+                </a:rPr>
+                <a:t>∙L^(−1)∙𝑖</a:t>
+              </a:r>
+              <a:endParaRPr lang="zh-CN" altLang="en-US" dirty="0"/>
+            </a:p>
+          </dgm:t>
+        </dgm:pt>
+      </mc:Fallback>
+    </mc:AlternateContent>
+    <dgm:pt modelId="{BB0FBF89-1A34-4323-BC46-F4404AEC3557}" type="parTrans" cxnId="{205A1AB3-880F-42A7-BAC6-0FADB54183AE}">
+      <dgm:prSet/>
+      <dgm:spPr/>
+      <dgm:t>
+        <a:bodyPr/>
+        <a:lstStyle/>
+        <a:p>
+          <a:endParaRPr lang="zh-CN" altLang="en-US"/>
+        </a:p>
+      </dgm:t>
+    </dgm:pt>
+    <dgm:pt modelId="{94E5693F-F01A-4F10-8303-839073013E97}" type="sibTrans" cxnId="{205A1AB3-880F-42A7-BAC6-0FADB54183AE}">
+      <dgm:prSet/>
+      <dgm:spPr/>
+      <dgm:t>
+        <a:bodyPr/>
+        <a:lstStyle/>
+        <a:p>
+          <a:endParaRPr lang="zh-CN" altLang="en-US"/>
+        </a:p>
+      </dgm:t>
+    </dgm:pt>
+    <mc:AlternateContent xmlns:mc="http://schemas.openxmlformats.org/markup-compatibility/2006" xmlns:a14="http://schemas.microsoft.com/office/drawing/2010/main">
+      <mc:Choice Requires="a14">
+        <dgm:pt modelId="{D03BB42E-40DD-4C77-9EE8-F3AA8CB91683}">
+          <dgm:prSet phldrT="[文本]"/>
+          <dgm:spPr/>
+          <dgm:t>
+            <a:bodyPr/>
+            <a:lstStyle/>
+            <a:p>
+              <a:pPr/>
+              <a14:m>
+                <m:oMathPara xmlns:m="http://schemas.openxmlformats.org/officeDocument/2006/math">
+                  <m:oMathParaPr>
+                    <m:jc m:val="centerGroup"/>
+                  </m:oMathParaPr>
+                  <m:oMath xmlns:m="http://schemas.openxmlformats.org/officeDocument/2006/math">
+                    <m:r>
+                      <a:rPr lang="en-US" altLang="zh-CN" b="0" i="1" dirty="0" smtClean="0">
+                        <a:latin typeface="Cambria Math" panose="02040503050406030204" pitchFamily="18" charset="0"/>
+                      </a:rPr>
+                      <m:t>𝑣</m:t>
+                    </m:r>
+                    <m:r>
+                      <a:rPr lang="en-US" altLang="zh-CN" b="0" i="1" dirty="0" smtClean="0">
+                        <a:latin typeface="Cambria Math" panose="02040503050406030204" pitchFamily="18" charset="0"/>
+                      </a:rPr>
+                      <m:t>=</m:t>
+                    </m:r>
+                    <m:sSup>
+                      <m:sSupPr>
+                        <m:ctrlPr>
+                          <a:rPr lang="en-US" altLang="zh-CN" b="0" i="1" dirty="0" smtClean="0">
+                            <a:latin typeface="Cambria Math" panose="02040503050406030204" pitchFamily="18" charset="0"/>
+                          </a:rPr>
+                        </m:ctrlPr>
+                      </m:sSupPr>
+                      <m:e>
+                        <m:r>
+                          <a:rPr lang="en-US" altLang="zh-CN" b="0" i="1" dirty="0" smtClean="0">
+                            <a:latin typeface="Cambria Math" panose="02040503050406030204" pitchFamily="18" charset="0"/>
+                          </a:rPr>
+                          <m:t>𝐺</m:t>
+                        </m:r>
+                      </m:e>
+                      <m:sup>
+                        <m:r>
+                          <a:rPr lang="en-US" altLang="zh-CN" b="0" i="1" dirty="0" smtClean="0">
+                            <a:latin typeface="Cambria Math" panose="02040503050406030204" pitchFamily="18" charset="0"/>
+                          </a:rPr>
+                          <m:t>−1</m:t>
+                        </m:r>
+                      </m:sup>
+                    </m:sSup>
+                    <m:r>
+                      <a:rPr lang="en-US" altLang="zh-CN" b="0" i="1" dirty="0" smtClean="0">
+                        <a:latin typeface="Cambria Math" panose="02040503050406030204" pitchFamily="18" charset="0"/>
+                        <a:ea typeface="Cambria Math" panose="02040503050406030204" pitchFamily="18" charset="0"/>
+                      </a:rPr>
+                      <m:t>∙</m:t>
+                    </m:r>
+                    <m:r>
+                      <a:rPr lang="en-US" altLang="zh-CN" b="0" i="1" dirty="0" smtClean="0">
+                        <a:latin typeface="Cambria Math" panose="02040503050406030204" pitchFamily="18" charset="0"/>
+                        <a:ea typeface="Cambria Math" panose="02040503050406030204" pitchFamily="18" charset="0"/>
+                      </a:rPr>
+                      <m:t>𝑖</m:t>
+                    </m:r>
+                  </m:oMath>
+                </m:oMathPara>
+              </a14:m>
+              <a:endParaRPr lang="zh-CN" altLang="en-US" dirty="0"/>
+            </a:p>
+          </dgm:t>
+        </dgm:pt>
+      </mc:Choice>
+      <mc:Fallback xmlns="">
+        <dgm:pt modelId="{D03BB42E-40DD-4C77-9EE8-F3AA8CB91683}">
+          <dgm:prSet phldrT="[文本]"/>
+          <dgm:spPr/>
+          <dgm:t>
+            <a:bodyPr/>
+            <a:lstStyle/>
+            <a:p>
+              <a:r>
+                <a:rPr lang="en-US" altLang="zh-CN" b="0" i="0" dirty="0">
+                  <a:latin typeface="Cambria Math" panose="02040503050406030204" pitchFamily="18" charset="0"/>
+                </a:rPr>
+                <a:t>𝑣=𝐺^(−1)</a:t>
+              </a:r>
+              <a:r>
+                <a:rPr lang="en-US" altLang="zh-CN" b="0" i="0" dirty="0">
+                  <a:latin typeface="Cambria Math" panose="02040503050406030204" pitchFamily="18" charset="0"/>
+                  <a:ea typeface="Cambria Math" panose="02040503050406030204" pitchFamily="18" charset="0"/>
+                </a:rPr>
+                <a:t>∙𝑖</a:t>
+              </a:r>
+              <a:endParaRPr lang="zh-CN" altLang="en-US" dirty="0"/>
+            </a:p>
+          </dgm:t>
+        </dgm:pt>
+      </mc:Fallback>
+    </mc:AlternateContent>
+    <dgm:pt modelId="{79A7D086-518E-4424-AFA8-7CE96C20EB04}" type="parTrans" cxnId="{A58BE4FA-A9B6-4217-8835-EA63CE3421C8}">
+      <dgm:prSet/>
+      <dgm:spPr/>
+      <dgm:t>
+        <a:bodyPr/>
+        <a:lstStyle/>
+        <a:p>
+          <a:endParaRPr lang="zh-CN" altLang="en-US"/>
+        </a:p>
+      </dgm:t>
+    </dgm:pt>
+    <dgm:pt modelId="{6AF38EC4-F944-43DA-8B10-D9619B94595D}" type="sibTrans" cxnId="{A58BE4FA-A9B6-4217-8835-EA63CE3421C8}">
+      <dgm:prSet/>
+      <dgm:spPr/>
+      <dgm:t>
+        <a:bodyPr/>
+        <a:lstStyle/>
+        <a:p>
+          <a:endParaRPr lang="zh-CN" altLang="en-US"/>
+        </a:p>
+      </dgm:t>
+    </dgm:pt>
+    <dgm:pt modelId="{C26E59F6-F0A0-3647-95A7-D1541EDA939E}" type="pres">
+      <dgm:prSet presAssocID="{74209FBA-7B49-41F8-914D-8F4E60DDFB5D}" presName="Name0" presStyleCnt="0">
+        <dgm:presLayoutVars>
+          <dgm:dir/>
+          <dgm:animLvl val="lvl"/>
+          <dgm:resizeHandles val="exact"/>
+        </dgm:presLayoutVars>
+      </dgm:prSet>
+      <dgm:spPr/>
+    </dgm:pt>
+    <dgm:pt modelId="{54ECE77A-D875-FA45-8F03-7BAC75C82F1A}" type="pres">
+      <dgm:prSet presAssocID="{8D8EE1BB-2A55-420B-A0A0-633B9CF96A3B}" presName="boxAndChildren" presStyleCnt="0"/>
+      <dgm:spPr/>
+    </dgm:pt>
+    <dgm:pt modelId="{DCB65C5E-2C0B-2B45-9AD1-B64D8F44A9E8}" type="pres">
+      <dgm:prSet presAssocID="{8D8EE1BB-2A55-420B-A0A0-633B9CF96A3B}" presName="parentTextBox" presStyleLbl="node1" presStyleIdx="0" presStyleCnt="3"/>
+      <dgm:spPr/>
+    </dgm:pt>
+    <dgm:pt modelId="{2DA3B6B9-413A-3E4E-9997-19AC8C447E15}" type="pres">
+      <dgm:prSet presAssocID="{8D8EE1BB-2A55-420B-A0A0-633B9CF96A3B}" presName="entireBox" presStyleLbl="node1" presStyleIdx="0" presStyleCnt="3"/>
+      <dgm:spPr/>
+    </dgm:pt>
+    <dgm:pt modelId="{4266BA7D-4EE8-7743-9A47-2128AC72D1F3}" type="pres">
+      <dgm:prSet presAssocID="{8D8EE1BB-2A55-420B-A0A0-633B9CF96A3B}" presName="descendantBox" presStyleCnt="0"/>
+      <dgm:spPr/>
+    </dgm:pt>
+    <dgm:pt modelId="{F90EE33A-6446-EC4E-A79B-399B513B794F}" type="pres">
+      <dgm:prSet presAssocID="{6D7164FB-A51E-42EB-9C17-EF0C25AECE17}" presName="childTextBox" presStyleLbl="fgAccFollowNode1" presStyleIdx="0" presStyleCnt="6">
+        <dgm:presLayoutVars>
+          <dgm:bulletEnabled val="1"/>
+        </dgm:presLayoutVars>
+      </dgm:prSet>
+      <dgm:spPr/>
+    </dgm:pt>
+    <dgm:pt modelId="{C1A73C2F-28A6-CF43-812C-8766E3DB0F48}" type="pres">
+      <dgm:prSet presAssocID="{EBCF1FDF-1641-4AB1-A9C6-F6DB63717DE4}" presName="childTextBox" presStyleLbl="fgAccFollowNode1" presStyleIdx="1" presStyleCnt="6">
+        <dgm:presLayoutVars>
+          <dgm:bulletEnabled val="1"/>
+        </dgm:presLayoutVars>
+      </dgm:prSet>
+      <dgm:spPr/>
+    </dgm:pt>
+    <dgm:pt modelId="{FD2DA827-AB87-9A43-AB2B-CF11223CC2F2}" type="pres">
+      <dgm:prSet presAssocID="{74CF1DE8-F211-46CE-9E4D-53676B0D4736}" presName="sp" presStyleCnt="0"/>
+      <dgm:spPr/>
+    </dgm:pt>
+    <dgm:pt modelId="{AC3362E4-7E2C-184F-BF1D-7AE28F5EF711}" type="pres">
+      <dgm:prSet presAssocID="{545C6FC9-891E-4888-A1EC-6B0038B74BD6}" presName="arrowAndChildren" presStyleCnt="0"/>
+      <dgm:spPr/>
+    </dgm:pt>
+    <dgm:pt modelId="{38AD2F1F-898E-E04D-A8EE-BFE145F6EE44}" type="pres">
+      <dgm:prSet presAssocID="{545C6FC9-891E-4888-A1EC-6B0038B74BD6}" presName="parentTextArrow" presStyleLbl="node1" presStyleIdx="0" presStyleCnt="3"/>
+      <dgm:spPr/>
+    </dgm:pt>
+    <dgm:pt modelId="{95E92C6A-8FA8-F044-BB80-BE6845431AC4}" type="pres">
+      <dgm:prSet presAssocID="{545C6FC9-891E-4888-A1EC-6B0038B74BD6}" presName="arrow" presStyleLbl="node1" presStyleIdx="1" presStyleCnt="3"/>
+      <dgm:spPr/>
+    </dgm:pt>
+    <dgm:pt modelId="{9391737A-A599-174A-9737-2FE1F4AA4E49}" type="pres">
+      <dgm:prSet presAssocID="{545C6FC9-891E-4888-A1EC-6B0038B74BD6}" presName="descendantArrow" presStyleCnt="0"/>
+      <dgm:spPr/>
+    </dgm:pt>
+    <dgm:pt modelId="{E7158353-EEE1-7445-9F18-4FF22E1BF932}" type="pres">
+      <dgm:prSet presAssocID="{3F3689B6-024C-4CBD-B27B-7C427456836E}" presName="childTextArrow" presStyleLbl="fgAccFollowNode1" presStyleIdx="2" presStyleCnt="6">
+        <dgm:presLayoutVars>
+          <dgm:bulletEnabled val="1"/>
+        </dgm:presLayoutVars>
+      </dgm:prSet>
+      <dgm:spPr/>
+    </dgm:pt>
+    <dgm:pt modelId="{F9897639-247A-E847-95F3-29692A986CBC}" type="pres">
+      <dgm:prSet presAssocID="{D03BB42E-40DD-4C77-9EE8-F3AA8CB91683}" presName="childTextArrow" presStyleLbl="fgAccFollowNode1" presStyleIdx="3" presStyleCnt="6">
+        <dgm:presLayoutVars>
+          <dgm:bulletEnabled val="1"/>
+        </dgm:presLayoutVars>
+      </dgm:prSet>
+      <dgm:spPr/>
+    </dgm:pt>
+    <dgm:pt modelId="{02204213-413E-A84B-A56A-0ABCB6A7EE23}" type="pres">
+      <dgm:prSet presAssocID="{C35E8C7D-E6FE-4110-9765-391DC056B77F}" presName="sp" presStyleCnt="0"/>
+      <dgm:spPr/>
+    </dgm:pt>
+    <dgm:pt modelId="{4403155C-9429-2F4C-964B-C9410C63A3AB}" type="pres">
+      <dgm:prSet presAssocID="{6899EC7D-2F4E-4FE4-86BB-37E3DE110152}" presName="arrowAndChildren" presStyleCnt="0"/>
+      <dgm:spPr/>
+    </dgm:pt>
+    <dgm:pt modelId="{E75D8F78-0BA0-5647-9735-4D4203326828}" type="pres">
+      <dgm:prSet presAssocID="{6899EC7D-2F4E-4FE4-86BB-37E3DE110152}" presName="parentTextArrow" presStyleLbl="node1" presStyleIdx="1" presStyleCnt="3"/>
+      <dgm:spPr/>
+    </dgm:pt>
+    <dgm:pt modelId="{206D006D-86FF-864A-9C9C-95F27112C077}" type="pres">
+      <dgm:prSet presAssocID="{6899EC7D-2F4E-4FE4-86BB-37E3DE110152}" presName="arrow" presStyleLbl="node1" presStyleIdx="2" presStyleCnt="3"/>
+      <dgm:spPr/>
+    </dgm:pt>
+    <dgm:pt modelId="{C51458C7-7216-5043-BF0F-5EE355488E19}" type="pres">
+      <dgm:prSet presAssocID="{6899EC7D-2F4E-4FE4-86BB-37E3DE110152}" presName="descendantArrow" presStyleCnt="0"/>
+      <dgm:spPr/>
+    </dgm:pt>
+    <dgm:pt modelId="{378F6DC8-9B30-6D42-9F04-3D3EF3C07DFC}" type="pres">
+      <dgm:prSet presAssocID="{6458973E-3CD6-4C5F-9ED0-14E562CF92E2}" presName="childTextArrow" presStyleLbl="fgAccFollowNode1" presStyleIdx="4" presStyleCnt="6">
+        <dgm:presLayoutVars>
+          <dgm:bulletEnabled val="1"/>
+        </dgm:presLayoutVars>
+      </dgm:prSet>
+      <dgm:spPr/>
+    </dgm:pt>
+    <dgm:pt modelId="{A7412B8C-9A97-CA47-B699-054AB079D743}" type="pres">
+      <dgm:prSet presAssocID="{C26E3E4C-1F9D-48D3-9F69-A8FD7AA86CCF}" presName="childTextArrow" presStyleLbl="fgAccFollowNode1" presStyleIdx="5" presStyleCnt="6">
+        <dgm:presLayoutVars>
+          <dgm:bulletEnabled val="1"/>
+        </dgm:presLayoutVars>
+      </dgm:prSet>
+      <dgm:spPr/>
+    </dgm:pt>
+  </dgm:ptLst>
+  <dgm:cxnLst>
+    <dgm:cxn modelId="{73DF7207-7261-6545-A4CD-F97E499CDD77}" type="presOf" srcId="{8D8EE1BB-2A55-420B-A0A0-633B9CF96A3B}" destId="{2DA3B6B9-413A-3E4E-9997-19AC8C447E15}" srcOrd="1" destOrd="0" presId="urn:microsoft.com/office/officeart/2005/8/layout/process4"/>
+    <dgm:cxn modelId="{F8B7EB10-ACA0-7242-A4BA-BA2941943309}" type="presOf" srcId="{C26E3E4C-1F9D-48D3-9F69-A8FD7AA86CCF}" destId="{A7412B8C-9A97-CA47-B699-054AB079D743}" srcOrd="0" destOrd="0" presId="urn:microsoft.com/office/officeart/2005/8/layout/process4"/>
+    <dgm:cxn modelId="{ED61A420-509E-944C-A4C9-2CB0337055DF}" type="presOf" srcId="{6458973E-3CD6-4C5F-9ED0-14E562CF92E2}" destId="{378F6DC8-9B30-6D42-9F04-3D3EF3C07DFC}" srcOrd="0" destOrd="0" presId="urn:microsoft.com/office/officeart/2005/8/layout/process4"/>
+    <dgm:cxn modelId="{BAE76D28-4FAC-4446-A2A5-968FAE01E151}" type="presOf" srcId="{8D8EE1BB-2A55-420B-A0A0-633B9CF96A3B}" destId="{DCB65C5E-2C0B-2B45-9AD1-B64D8F44A9E8}" srcOrd="0" destOrd="0" presId="urn:microsoft.com/office/officeart/2005/8/layout/process4"/>
+    <dgm:cxn modelId="{7CF0ED32-7D83-414E-B171-87CB9D117AFA}" type="presOf" srcId="{EBCF1FDF-1641-4AB1-A9C6-F6DB63717DE4}" destId="{C1A73C2F-28A6-CF43-812C-8766E3DB0F48}" srcOrd="0" destOrd="0" presId="urn:microsoft.com/office/officeart/2005/8/layout/process4"/>
+    <dgm:cxn modelId="{DC16195E-07FC-4ABB-A94A-9EFCA1B5EBE3}" srcId="{6899EC7D-2F4E-4FE4-86BB-37E3DE110152}" destId="{C26E3E4C-1F9D-48D3-9F69-A8FD7AA86CCF}" srcOrd="1" destOrd="0" parTransId="{FE022346-50E2-4EDF-8F30-26E2A9757724}" sibTransId="{F67AFE5C-F309-4BF4-8919-21EDE4A1360C}"/>
+    <dgm:cxn modelId="{38AE7061-E5FF-F343-AA57-456BAEF8CE7F}" type="presOf" srcId="{6D7164FB-A51E-42EB-9C17-EF0C25AECE17}" destId="{F90EE33A-6446-EC4E-A79B-399B513B794F}" srcOrd="0" destOrd="0" presId="urn:microsoft.com/office/officeart/2005/8/layout/process4"/>
+    <dgm:cxn modelId="{205A1AB3-880F-42A7-BAC6-0FADB54183AE}" srcId="{8D8EE1BB-2A55-420B-A0A0-633B9CF96A3B}" destId="{EBCF1FDF-1641-4AB1-A9C6-F6DB63717DE4}" srcOrd="1" destOrd="0" parTransId="{BB0FBF89-1A34-4323-BC46-F4404AEC3557}" sibTransId="{94E5693F-F01A-4F10-8303-839073013E97}"/>
+    <dgm:cxn modelId="{79CC74BE-C9A3-FC4E-B61F-8FC20DBC73B9}" type="presOf" srcId="{6899EC7D-2F4E-4FE4-86BB-37E3DE110152}" destId="{E75D8F78-0BA0-5647-9735-4D4203326828}" srcOrd="0" destOrd="0" presId="urn:microsoft.com/office/officeart/2005/8/layout/process4"/>
+    <dgm:cxn modelId="{DB75B7BF-ABA9-6649-8A3A-5609E9A47A1B}" type="presOf" srcId="{545C6FC9-891E-4888-A1EC-6B0038B74BD6}" destId="{95E92C6A-8FA8-F044-BB80-BE6845431AC4}" srcOrd="1" destOrd="0" presId="urn:microsoft.com/office/officeart/2005/8/layout/process4"/>
+    <dgm:cxn modelId="{B405A0C1-1544-45DA-84B7-7E3DB578DF07}" srcId="{74209FBA-7B49-41F8-914D-8F4E60DDFB5D}" destId="{8D8EE1BB-2A55-420B-A0A0-633B9CF96A3B}" srcOrd="2" destOrd="0" parTransId="{68E462F3-064C-4D4A-99B6-04CE12EB45C3}" sibTransId="{2A9988D7-BECF-4636-BADD-B351590FBCF1}"/>
+    <dgm:cxn modelId="{02E9E2C2-26EC-0544-96E9-B704EFBC0D5A}" type="presOf" srcId="{3F3689B6-024C-4CBD-B27B-7C427456836E}" destId="{E7158353-EEE1-7445-9F18-4FF22E1BF932}" srcOrd="0" destOrd="0" presId="urn:microsoft.com/office/officeart/2005/8/layout/process4"/>
+    <dgm:cxn modelId="{1C434EC7-E38E-4362-9CAE-E4561BBFBB5F}" srcId="{74209FBA-7B49-41F8-914D-8F4E60DDFB5D}" destId="{545C6FC9-891E-4888-A1EC-6B0038B74BD6}" srcOrd="1" destOrd="0" parTransId="{1511C28B-6ACD-452E-BA60-7B32EE0CB5F1}" sibTransId="{74CF1DE8-F211-46CE-9E4D-53676B0D4736}"/>
+    <dgm:cxn modelId="{B03B9BCA-9710-4E58-A17C-FD567DE3A233}" srcId="{8D8EE1BB-2A55-420B-A0A0-633B9CF96A3B}" destId="{6D7164FB-A51E-42EB-9C17-EF0C25AECE17}" srcOrd="0" destOrd="0" parTransId="{F8612A40-6C68-4AE0-BDF3-BE8347D2EA4B}" sibTransId="{FE2F6A08-9216-439F-949D-CA46B2C68560}"/>
+    <dgm:cxn modelId="{77B881CE-3599-E644-9EC4-8EDD214606F0}" type="presOf" srcId="{D03BB42E-40DD-4C77-9EE8-F3AA8CB91683}" destId="{F9897639-247A-E847-95F3-29692A986CBC}" srcOrd="0" destOrd="0" presId="urn:microsoft.com/office/officeart/2005/8/layout/process4"/>
+    <dgm:cxn modelId="{12A3F7DD-5EB5-4D18-B6D3-C7ECBE47D5BB}" srcId="{545C6FC9-891E-4888-A1EC-6B0038B74BD6}" destId="{3F3689B6-024C-4CBD-B27B-7C427456836E}" srcOrd="0" destOrd="0" parTransId="{28FE1859-DAD8-4C93-BF67-FFB224154CB8}" sibTransId="{61791506-4F73-455A-9873-C6750BEA0483}"/>
+    <dgm:cxn modelId="{937939E2-0CF7-496F-8E0D-39B9C1F45214}" srcId="{6899EC7D-2F4E-4FE4-86BB-37E3DE110152}" destId="{6458973E-3CD6-4C5F-9ED0-14E562CF92E2}" srcOrd="0" destOrd="0" parTransId="{F0F41032-38C4-4366-A02E-AF5A67C9F276}" sibTransId="{10D353C3-68E2-46CB-A1E5-8C38A0B3E22A}"/>
+    <dgm:cxn modelId="{6A36BEE5-BC5C-3A43-B781-BF268E657AFB}" type="presOf" srcId="{6899EC7D-2F4E-4FE4-86BB-37E3DE110152}" destId="{206D006D-86FF-864A-9C9C-95F27112C077}" srcOrd="1" destOrd="0" presId="urn:microsoft.com/office/officeart/2005/8/layout/process4"/>
+    <dgm:cxn modelId="{8C0F68EB-83AE-4F4D-817E-82633CCEF219}" srcId="{74209FBA-7B49-41F8-914D-8F4E60DDFB5D}" destId="{6899EC7D-2F4E-4FE4-86BB-37E3DE110152}" srcOrd="0" destOrd="0" parTransId="{A97DC375-B8C8-481F-A521-BF62B7BD5854}" sibTransId="{C35E8C7D-E6FE-4110-9765-391DC056B77F}"/>
+    <dgm:cxn modelId="{A58BE4FA-A9B6-4217-8835-EA63CE3421C8}" srcId="{545C6FC9-891E-4888-A1EC-6B0038B74BD6}" destId="{D03BB42E-40DD-4C77-9EE8-F3AA8CB91683}" srcOrd="1" destOrd="0" parTransId="{79A7D086-518E-4424-AFA8-7CE96C20EB04}" sibTransId="{6AF38EC4-F944-43DA-8B10-D9619B94595D}"/>
+    <dgm:cxn modelId="{9853A7FB-7D39-CC45-9707-2EE74077C628}" type="presOf" srcId="{74209FBA-7B49-41F8-914D-8F4E60DDFB5D}" destId="{C26E59F6-F0A0-3647-95A7-D1541EDA939E}" srcOrd="0" destOrd="0" presId="urn:microsoft.com/office/officeart/2005/8/layout/process4"/>
+    <dgm:cxn modelId="{0C4FDBFD-E7A6-3940-865D-6F536F0EFE84}" type="presOf" srcId="{545C6FC9-891E-4888-A1EC-6B0038B74BD6}" destId="{38AD2F1F-898E-E04D-A8EE-BFE145F6EE44}" srcOrd="0" destOrd="0" presId="urn:microsoft.com/office/officeart/2005/8/layout/process4"/>
+    <dgm:cxn modelId="{470206BC-73EA-8741-B107-A7C6A14825A4}" type="presParOf" srcId="{C26E59F6-F0A0-3647-95A7-D1541EDA939E}" destId="{54ECE77A-D875-FA45-8F03-7BAC75C82F1A}" srcOrd="0" destOrd="0" presId="urn:microsoft.com/office/officeart/2005/8/layout/process4"/>
+    <dgm:cxn modelId="{631862A7-850D-1E4C-9CF6-BEC92C7C4E28}" type="presParOf" srcId="{54ECE77A-D875-FA45-8F03-7BAC75C82F1A}" destId="{DCB65C5E-2C0B-2B45-9AD1-B64D8F44A9E8}" srcOrd="0" destOrd="0" presId="urn:microsoft.com/office/officeart/2005/8/layout/process4"/>
+    <dgm:cxn modelId="{43CF06D5-77D2-F841-A53A-0886AC1F78A8}" type="presParOf" srcId="{54ECE77A-D875-FA45-8F03-7BAC75C82F1A}" destId="{2DA3B6B9-413A-3E4E-9997-19AC8C447E15}" srcOrd="1" destOrd="0" presId="urn:microsoft.com/office/officeart/2005/8/layout/process4"/>
+    <dgm:cxn modelId="{2895291B-EF56-C14D-B873-0AD5134752EB}" type="presParOf" srcId="{54ECE77A-D875-FA45-8F03-7BAC75C82F1A}" destId="{4266BA7D-4EE8-7743-9A47-2128AC72D1F3}" srcOrd="2" destOrd="0" presId="urn:microsoft.com/office/officeart/2005/8/layout/process4"/>
+    <dgm:cxn modelId="{371AD657-7804-A94F-B278-A4C028EF6896}" type="presParOf" srcId="{4266BA7D-4EE8-7743-9A47-2128AC72D1F3}" destId="{F90EE33A-6446-EC4E-A79B-399B513B794F}" srcOrd="0" destOrd="0" presId="urn:microsoft.com/office/officeart/2005/8/layout/process4"/>
+    <dgm:cxn modelId="{BCF5E977-82AD-F747-992E-6403A5531FBF}" type="presParOf" srcId="{4266BA7D-4EE8-7743-9A47-2128AC72D1F3}" destId="{C1A73C2F-28A6-CF43-812C-8766E3DB0F48}" srcOrd="1" destOrd="0" presId="urn:microsoft.com/office/officeart/2005/8/layout/process4"/>
+    <dgm:cxn modelId="{DD007E04-120A-0A4C-80AA-CF51539D8B9A}" type="presParOf" srcId="{C26E59F6-F0A0-3647-95A7-D1541EDA939E}" destId="{FD2DA827-AB87-9A43-AB2B-CF11223CC2F2}" srcOrd="1" destOrd="0" presId="urn:microsoft.com/office/officeart/2005/8/layout/process4"/>
+    <dgm:cxn modelId="{FFDD10E9-1CA5-8944-AEC6-3E3420183E9F}" type="presParOf" srcId="{C26E59F6-F0A0-3647-95A7-D1541EDA939E}" destId="{AC3362E4-7E2C-184F-BF1D-7AE28F5EF711}" srcOrd="2" destOrd="0" presId="urn:microsoft.com/office/officeart/2005/8/layout/process4"/>
+    <dgm:cxn modelId="{7B295D86-6D02-ED4F-8445-74F1F2BED078}" type="presParOf" srcId="{AC3362E4-7E2C-184F-BF1D-7AE28F5EF711}" destId="{38AD2F1F-898E-E04D-A8EE-BFE145F6EE44}" srcOrd="0" destOrd="0" presId="urn:microsoft.com/office/officeart/2005/8/layout/process4"/>
+    <dgm:cxn modelId="{3EF8B754-9A47-C846-BE56-80A5013F308A}" type="presParOf" srcId="{AC3362E4-7E2C-184F-BF1D-7AE28F5EF711}" destId="{95E92C6A-8FA8-F044-BB80-BE6845431AC4}" srcOrd="1" destOrd="0" presId="urn:microsoft.com/office/officeart/2005/8/layout/process4"/>
+    <dgm:cxn modelId="{DD58226D-DAFB-7042-8B2F-B8330658A995}" type="presParOf" srcId="{AC3362E4-7E2C-184F-BF1D-7AE28F5EF711}" destId="{9391737A-A599-174A-9737-2FE1F4AA4E49}" srcOrd="2" destOrd="0" presId="urn:microsoft.com/office/officeart/2005/8/layout/process4"/>
+    <dgm:cxn modelId="{5F3F4EBA-EE27-7846-B5E5-600C332DCDA3}" type="presParOf" srcId="{9391737A-A599-174A-9737-2FE1F4AA4E49}" destId="{E7158353-EEE1-7445-9F18-4FF22E1BF932}" srcOrd="0" destOrd="0" presId="urn:microsoft.com/office/officeart/2005/8/layout/process4"/>
+    <dgm:cxn modelId="{DC2DE464-D674-0F4D-A225-40B32BBFE3CD}" type="presParOf" srcId="{9391737A-A599-174A-9737-2FE1F4AA4E49}" destId="{F9897639-247A-E847-95F3-29692A986CBC}" srcOrd="1" destOrd="0" presId="urn:microsoft.com/office/officeart/2005/8/layout/process4"/>
+    <dgm:cxn modelId="{BF5F9604-1F09-574C-B31A-FB032605A70B}" type="presParOf" srcId="{C26E59F6-F0A0-3647-95A7-D1541EDA939E}" destId="{02204213-413E-A84B-A56A-0ABCB6A7EE23}" srcOrd="3" destOrd="0" presId="urn:microsoft.com/office/officeart/2005/8/layout/process4"/>
+    <dgm:cxn modelId="{B1C7B175-237A-5148-840C-8E84EC53EE62}" type="presParOf" srcId="{C26E59F6-F0A0-3647-95A7-D1541EDA939E}" destId="{4403155C-9429-2F4C-964B-C9410C63A3AB}" srcOrd="4" destOrd="0" presId="urn:microsoft.com/office/officeart/2005/8/layout/process4"/>
+    <dgm:cxn modelId="{7654064B-968D-2A4A-8923-E19B79317E9A}" type="presParOf" srcId="{4403155C-9429-2F4C-964B-C9410C63A3AB}" destId="{E75D8F78-0BA0-5647-9735-4D4203326828}" srcOrd="0" destOrd="0" presId="urn:microsoft.com/office/officeart/2005/8/layout/process4"/>
+    <dgm:cxn modelId="{8A2D53E3-6DE2-C04C-AEC5-537B05DD4826}" type="presParOf" srcId="{4403155C-9429-2F4C-964B-C9410C63A3AB}" destId="{206D006D-86FF-864A-9C9C-95F27112C077}" srcOrd="1" destOrd="0" presId="urn:microsoft.com/office/officeart/2005/8/layout/process4"/>
+    <dgm:cxn modelId="{0B3D9279-B6C0-EC42-9A32-8CB74EBAF7A6}" type="presParOf" srcId="{4403155C-9429-2F4C-964B-C9410C63A3AB}" destId="{C51458C7-7216-5043-BF0F-5EE355488E19}" srcOrd="2" destOrd="0" presId="urn:microsoft.com/office/officeart/2005/8/layout/process4"/>
+    <dgm:cxn modelId="{72403AB7-F6B9-7543-AB32-2D9A8F34585C}" type="presParOf" srcId="{C51458C7-7216-5043-BF0F-5EE355488E19}" destId="{378F6DC8-9B30-6D42-9F04-3D3EF3C07DFC}" srcOrd="0" destOrd="0" presId="urn:microsoft.com/office/officeart/2005/8/layout/process4"/>
+    <dgm:cxn modelId="{D038BBEB-5BC7-BE46-853E-496E431512FA}" type="presParOf" srcId="{C51458C7-7216-5043-BF0F-5EE355488E19}" destId="{A7412B8C-9A97-CA47-B699-054AB079D743}" srcOrd="1" destOrd="0" presId="urn:microsoft.com/office/officeart/2005/8/layout/process4"/>
+  </dgm:cxnLst>
+  <dgm:bg/>
+  <dgm:whole/>
+  <dgm:extLst>
+    <a:ext uri="http://schemas.microsoft.com/office/drawing/2008/diagram">
+      <dsp:dataModelExt xmlns:dsp="http://schemas.microsoft.com/office/drawing/2008/diagram" relId="rId6" minVer="http://schemas.openxmlformats.org/drawingml/2006/diagram"/>
+    </a:ext>
+  </dgm:extLst>
+</dgm:dataModel>
+</file>
+
+<file path=ppt/diagrams/data2.xml><?xml version="1.0" encoding="utf-8"?>
+<dgm:dataModel xmlns:dgm="http://schemas.openxmlformats.org/drawingml/2006/diagram" xmlns:a="http://schemas.openxmlformats.org/drawingml/2006/main">
+  <dgm:ptLst>
+    <dgm:pt modelId="{74209FBA-7B49-41F8-914D-8F4E60DDFB5D}" type="doc">
+      <dgm:prSet loTypeId="urn:microsoft.com/office/officeart/2005/8/layout/process4" loCatId="" qsTypeId="urn:microsoft.com/office/officeart/2005/8/quickstyle/simple1" qsCatId="simple" csTypeId="urn:microsoft.com/office/officeart/2005/8/colors/accent1_2" csCatId="accent1" phldr="1"/>
+      <dgm:spPr/>
+      <dgm:t>
+        <a:bodyPr/>
+        <a:lstStyle/>
+        <a:p>
+          <a:endParaRPr lang="zh-CN" altLang="en-US"/>
+        </a:p>
+      </dgm:t>
+    </dgm:pt>
+    <dgm:pt modelId="{6899EC7D-2F4E-4FE4-86BB-37E3DE110152}">
+      <dgm:prSet phldrT="[文本]"/>
+      <dgm:spPr/>
+      <dgm:t>
+        <a:bodyPr/>
+        <a:lstStyle/>
+        <a:p>
+          <a:r>
+            <a:rPr lang="en-US" altLang="zh-CN" dirty="0"/>
+            <a:t>M</a:t>
+          </a:r>
+          <a:r>
+            <a:rPr lang="en-US" altLang="zh-Hans" dirty="0"/>
+            <a:t>aintain</a:t>
+          </a:r>
+          <a:r>
+            <a:rPr lang="zh-Hans" altLang="en-US" dirty="0"/>
+            <a:t> </a:t>
+          </a:r>
+          <a:r>
+            <a:rPr lang="en-US" altLang="zh-Hans" dirty="0"/>
+            <a:t>Connection</a:t>
+          </a:r>
+          <a:r>
+            <a:rPr lang="zh-Hans" altLang="en-US" dirty="0"/>
+            <a:t> </a:t>
+          </a:r>
+          <a:r>
+            <a:rPr lang="en-US" altLang="zh-Hans" dirty="0"/>
+            <a:t>Graph</a:t>
+          </a:r>
+          <a:endParaRPr lang="zh-CN" altLang="en-US" dirty="0"/>
+        </a:p>
+      </dgm:t>
+    </dgm:pt>
+    <dgm:pt modelId="{A97DC375-B8C8-481F-A521-BF62B7BD5854}" type="parTrans" cxnId="{8C0F68EB-83AE-4F4D-817E-82633CCEF219}">
+      <dgm:prSet/>
+      <dgm:spPr/>
+      <dgm:t>
+        <a:bodyPr/>
+        <a:lstStyle/>
+        <a:p>
+          <a:endParaRPr lang="zh-CN" altLang="en-US"/>
+        </a:p>
+      </dgm:t>
+    </dgm:pt>
+    <dgm:pt modelId="{C35E8C7D-E6FE-4110-9765-391DC056B77F}" type="sibTrans" cxnId="{8C0F68EB-83AE-4F4D-817E-82633CCEF219}">
+      <dgm:prSet/>
+      <dgm:spPr/>
+      <dgm:t>
+        <a:bodyPr/>
+        <a:lstStyle/>
+        <a:p>
+          <a:endParaRPr lang="zh-CN" altLang="en-US"/>
+        </a:p>
+      </dgm:t>
+    </dgm:pt>
+    <dgm:pt modelId="{6458973E-3CD6-4C5F-9ED0-14E562CF92E2}">
+      <dgm:prSet phldrT="[文本]"/>
+      <dgm:spPr/>
+      <dgm:t>
+        <a:bodyPr/>
+        <a:lstStyle/>
+        <a:p>
+          <a:r>
+            <a:rPr lang="en-US" altLang="zh-Hans" dirty="0"/>
+            <a:t>Add/Delete</a:t>
+          </a:r>
+          <a:endParaRPr lang="zh-CN" altLang="en-US" dirty="0"/>
+        </a:p>
+      </dgm:t>
+    </dgm:pt>
+    <dgm:pt modelId="{F0F41032-38C4-4366-A02E-AF5A67C9F276}" type="parTrans" cxnId="{937939E2-0CF7-496F-8E0D-39B9C1F45214}">
+      <dgm:prSet/>
+      <dgm:spPr/>
+      <dgm:t>
+        <a:bodyPr/>
+        <a:lstStyle/>
+        <a:p>
+          <a:endParaRPr lang="zh-CN" altLang="en-US"/>
+        </a:p>
+      </dgm:t>
+    </dgm:pt>
+    <dgm:pt modelId="{10D353C3-68E2-46CB-A1E5-8C38A0B3E22A}" type="sibTrans" cxnId="{937939E2-0CF7-496F-8E0D-39B9C1F45214}">
+      <dgm:prSet/>
+      <dgm:spPr/>
+      <dgm:t>
+        <a:bodyPr/>
+        <a:lstStyle/>
+        <a:p>
+          <a:endParaRPr lang="zh-CN" altLang="en-US"/>
+        </a:p>
+      </dgm:t>
+    </dgm:pt>
+    <dgm:pt modelId="{C26E3E4C-1F9D-48D3-9F69-A8FD7AA86CCF}">
+      <dgm:prSet phldrT="[文本]"/>
+      <dgm:spPr/>
+      <dgm:t>
+        <a:bodyPr/>
+        <a:lstStyle/>
+        <a:p>
+          <a:r>
+            <a:rPr lang="en-US" altLang="zh-Hans" dirty="0"/>
+            <a:t>Link/Unlink</a:t>
+          </a:r>
+          <a:endParaRPr lang="zh-CN" altLang="en-US" dirty="0"/>
+        </a:p>
+      </dgm:t>
+    </dgm:pt>
+    <dgm:pt modelId="{FE022346-50E2-4EDF-8F30-26E2A9757724}" type="parTrans" cxnId="{DC16195E-07FC-4ABB-A94A-9EFCA1B5EBE3}">
+      <dgm:prSet/>
+      <dgm:spPr/>
+      <dgm:t>
+        <a:bodyPr/>
+        <a:lstStyle/>
+        <a:p>
+          <a:endParaRPr lang="zh-CN" altLang="en-US"/>
+        </a:p>
+      </dgm:t>
+    </dgm:pt>
+    <dgm:pt modelId="{F67AFE5C-F309-4BF4-8919-21EDE4A1360C}" type="sibTrans" cxnId="{DC16195E-07FC-4ABB-A94A-9EFCA1B5EBE3}">
+      <dgm:prSet/>
+      <dgm:spPr/>
+      <dgm:t>
+        <a:bodyPr/>
+        <a:lstStyle/>
+        <a:p>
+          <a:endParaRPr lang="zh-CN" altLang="en-US"/>
+        </a:p>
+      </dgm:t>
+    </dgm:pt>
+    <dgm:pt modelId="{545C6FC9-891E-4888-A1EC-6B0038B74BD6}">
+      <dgm:prSet phldrT="[文本]"/>
+      <dgm:spPr/>
+      <dgm:t>
+        <a:bodyPr/>
+        <a:lstStyle/>
+        <a:p>
+          <a:r>
+            <a:rPr lang="en-US" altLang="zh-CN" dirty="0"/>
+            <a:t>C</a:t>
+          </a:r>
+          <a:r>
+            <a:rPr lang="en-US" altLang="zh-Hans" dirty="0"/>
+            <a:t>alculate</a:t>
+          </a:r>
+          <a:r>
+            <a:rPr lang="zh-Hans" altLang="en-US" dirty="0"/>
+            <a:t> </a:t>
+          </a:r>
+          <a:r>
+            <a:rPr lang="en-US" altLang="zh-Hans" dirty="0"/>
+            <a:t>Contribution</a:t>
+          </a:r>
+          <a:r>
+            <a:rPr lang="zh-Hans" altLang="en-US" dirty="0"/>
+            <a:t> </a:t>
+          </a:r>
+          <a:r>
+            <a:rPr lang="en-US" altLang="zh-Hans" dirty="0"/>
+            <a:t>of</a:t>
+          </a:r>
+          <a:r>
+            <a:rPr lang="zh-Hans" altLang="en-US" dirty="0"/>
+            <a:t> </a:t>
+          </a:r>
+          <a:r>
+            <a:rPr lang="en-US" altLang="zh-Hans" dirty="0"/>
+            <a:t>each</a:t>
+          </a:r>
+          <a:r>
+            <a:rPr lang="zh-Hans" altLang="en-US" dirty="0"/>
+            <a:t> </a:t>
+          </a:r>
+          <a:r>
+            <a:rPr lang="en-US" altLang="zh-Hans" dirty="0"/>
+            <a:t>EC</a:t>
+          </a:r>
+          <a:endParaRPr lang="zh-CN" altLang="en-US" dirty="0"/>
+        </a:p>
+      </dgm:t>
+    </dgm:pt>
+    <dgm:pt modelId="{1511C28B-6ACD-452E-BA60-7B32EE0CB5F1}" type="parTrans" cxnId="{1C434EC7-E38E-4362-9CAE-E4561BBFBB5F}">
+      <dgm:prSet/>
+      <dgm:spPr/>
+      <dgm:t>
+        <a:bodyPr/>
+        <a:lstStyle/>
+        <a:p>
+          <a:endParaRPr lang="zh-CN" altLang="en-US"/>
+        </a:p>
+      </dgm:t>
+    </dgm:pt>
+    <dgm:pt modelId="{74CF1DE8-F211-46CE-9E4D-53676B0D4736}" type="sibTrans" cxnId="{1C434EC7-E38E-4362-9CAE-E4561BBFBB5F}">
+      <dgm:prSet/>
+      <dgm:spPr/>
+      <dgm:t>
+        <a:bodyPr/>
+        <a:lstStyle/>
+        <a:p>
+          <a:endParaRPr lang="zh-CN" altLang="en-US"/>
+        </a:p>
+      </dgm:t>
+    </dgm:pt>
+    <dgm:pt modelId="{3F3689B6-024C-4CBD-B27B-7C427456836E}">
+      <dgm:prSet phldrT="[文本]"/>
+      <dgm:spPr/>
+      <dgm:t>
+        <a:bodyPr/>
+        <a:lstStyle/>
+        <a:p>
+          <a:r>
+            <a:rPr lang="en-US" altLang="zh-CN" dirty="0"/>
+            <a:t>KCL</a:t>
+          </a:r>
+          <a:r>
+            <a:rPr lang="zh-Hans" altLang="en-US" dirty="0"/>
+            <a:t> </a:t>
+          </a:r>
+          <a:r>
+            <a:rPr lang="en-US" altLang="zh-Hans" dirty="0"/>
+            <a:t>formula</a:t>
+          </a:r>
+          <a:endParaRPr lang="zh-CN" altLang="en-US" dirty="0"/>
+        </a:p>
+      </dgm:t>
+    </dgm:pt>
+    <dgm:pt modelId="{28FE1859-DAD8-4C93-BF67-FFB224154CB8}" type="parTrans" cxnId="{12A3F7DD-5EB5-4D18-B6D3-C7ECBE47D5BB}">
+      <dgm:prSet/>
+      <dgm:spPr/>
+      <dgm:t>
+        <a:bodyPr/>
+        <a:lstStyle/>
+        <a:p>
+          <a:endParaRPr lang="zh-CN" altLang="en-US"/>
+        </a:p>
+      </dgm:t>
+    </dgm:pt>
+    <dgm:pt modelId="{61791506-4F73-455A-9873-C6750BEA0483}" type="sibTrans" cxnId="{12A3F7DD-5EB5-4D18-B6D3-C7ECBE47D5BB}">
+      <dgm:prSet/>
+      <dgm:spPr/>
+      <dgm:t>
+        <a:bodyPr/>
+        <a:lstStyle/>
+        <a:p>
+          <a:endParaRPr lang="zh-CN" altLang="en-US"/>
+        </a:p>
+      </dgm:t>
+    </dgm:pt>
+    <dgm:pt modelId="{8D8EE1BB-2A55-420B-A0A0-633B9CF96A3B}">
+      <dgm:prSet phldrT="[文本]"/>
+      <dgm:spPr/>
+      <dgm:t>
+        <a:bodyPr/>
+        <a:lstStyle/>
+        <a:p>
+          <a:r>
+            <a:rPr lang="en-US" altLang="zh-CN" dirty="0"/>
+            <a:t>S</a:t>
+          </a:r>
+          <a:r>
+            <a:rPr lang="en-US" altLang="zh-Hans" dirty="0"/>
+            <a:t>olve</a:t>
+          </a:r>
+          <a:r>
+            <a:rPr lang="zh-Hans" altLang="en-US" dirty="0"/>
+            <a:t> </a:t>
+          </a:r>
+          <a:r>
+            <a:rPr lang="en-US" altLang="zh-Hans" dirty="0"/>
+            <a:t>the</a:t>
+          </a:r>
+          <a:r>
+            <a:rPr lang="zh-Hans" altLang="en-US" dirty="0"/>
+            <a:t> </a:t>
+          </a:r>
+          <a:r>
+            <a:rPr lang="en-US" altLang="zh-Hans" dirty="0"/>
+            <a:t>Matrix</a:t>
+          </a:r>
+          <a:endParaRPr lang="zh-CN" altLang="en-US" dirty="0"/>
+        </a:p>
+      </dgm:t>
+    </dgm:pt>
+    <dgm:pt modelId="{68E462F3-064C-4D4A-99B6-04CE12EB45C3}" type="parTrans" cxnId="{B405A0C1-1544-45DA-84B7-7E3DB578DF07}">
+      <dgm:prSet/>
+      <dgm:spPr/>
+      <dgm:t>
+        <a:bodyPr/>
+        <a:lstStyle/>
+        <a:p>
+          <a:endParaRPr lang="zh-CN" altLang="en-US"/>
+        </a:p>
+      </dgm:t>
+    </dgm:pt>
+    <dgm:pt modelId="{2A9988D7-BECF-4636-BADD-B351590FBCF1}" type="sibTrans" cxnId="{B405A0C1-1544-45DA-84B7-7E3DB578DF07}">
+      <dgm:prSet/>
+      <dgm:spPr/>
+      <dgm:t>
+        <a:bodyPr/>
+        <a:lstStyle/>
+        <a:p>
+          <a:endParaRPr lang="zh-CN" altLang="en-US"/>
+        </a:p>
+      </dgm:t>
+    </dgm:pt>
+    <dgm:pt modelId="{6D7164FB-A51E-42EB-9C17-EF0C25AECE17}">
+      <dgm:prSet phldrT="[文本]"/>
+      <dgm:spPr/>
+      <dgm:t>
+        <a:bodyPr/>
+        <a:lstStyle/>
+        <a:p>
+          <a:r>
+            <a:rPr lang="en-US" altLang="zh-CN" dirty="0"/>
+            <a:t>LU</a:t>
+          </a:r>
+          <a:r>
+            <a:rPr lang="zh-Hans" altLang="en-US" dirty="0"/>
+            <a:t> </a:t>
+          </a:r>
+          <a:r>
+            <a:rPr lang="en-US" altLang="zh-Hans" dirty="0"/>
+            <a:t>decomposition</a:t>
+          </a:r>
+          <a:endParaRPr lang="zh-CN" altLang="en-US" dirty="0"/>
+        </a:p>
+      </dgm:t>
+    </dgm:pt>
+    <dgm:pt modelId="{F8612A40-6C68-4AE0-BDF3-BE8347D2EA4B}" type="parTrans" cxnId="{B03B9BCA-9710-4E58-A17C-FD567DE3A233}">
+      <dgm:prSet/>
+      <dgm:spPr/>
+      <dgm:t>
+        <a:bodyPr/>
+        <a:lstStyle/>
+        <a:p>
+          <a:endParaRPr lang="zh-CN" altLang="en-US"/>
+        </a:p>
+      </dgm:t>
+    </dgm:pt>
+    <dgm:pt modelId="{FE2F6A08-9216-439F-949D-CA46B2C68560}" type="sibTrans" cxnId="{B03B9BCA-9710-4E58-A17C-FD567DE3A233}">
+      <dgm:prSet/>
+      <dgm:spPr/>
+      <dgm:t>
+        <a:bodyPr/>
+        <a:lstStyle/>
+        <a:p>
+          <a:endParaRPr lang="zh-CN" altLang="en-US"/>
+        </a:p>
+      </dgm:t>
+    </dgm:pt>
+    <dgm:pt modelId="{EBCF1FDF-1641-4AB1-A9C6-F6DB63717DE4}">
+      <dgm:prSet/>
+      <dgm:spPr>
+        <a:blipFill>
+          <a:blip xmlns:r="http://schemas.openxmlformats.org/officeDocument/2006/relationships" r:embed="rId1"/>
+          <a:stretch>
+            <a:fillRect/>
+          </a:stretch>
+        </a:blipFill>
+      </dgm:spPr>
+      <dgm:t>
+        <a:bodyPr/>
+        <a:lstStyle/>
+        <a:p>
+          <a:r>
+            <a:rPr lang="en-US">
+              <a:noFill/>
+            </a:rPr>
+            <a:t> </a:t>
+          </a:r>
+        </a:p>
+      </dgm:t>
+    </dgm:pt>
+    <dgm:pt modelId="{BB0FBF89-1A34-4323-BC46-F4404AEC3557}" type="parTrans" cxnId="{205A1AB3-880F-42A7-BAC6-0FADB54183AE}">
+      <dgm:prSet/>
+      <dgm:spPr/>
+      <dgm:t>
+        <a:bodyPr/>
+        <a:lstStyle/>
+        <a:p>
+          <a:endParaRPr lang="zh-CN" altLang="en-US"/>
+        </a:p>
+      </dgm:t>
+    </dgm:pt>
+    <dgm:pt modelId="{94E5693F-F01A-4F10-8303-839073013E97}" type="sibTrans" cxnId="{205A1AB3-880F-42A7-BAC6-0FADB54183AE}">
+      <dgm:prSet/>
+      <dgm:spPr/>
+      <dgm:t>
+        <a:bodyPr/>
+        <a:lstStyle/>
+        <a:p>
+          <a:endParaRPr lang="zh-CN" altLang="en-US"/>
+        </a:p>
+      </dgm:t>
+    </dgm:pt>
+    <dgm:pt modelId="{D03BB42E-40DD-4C77-9EE8-F3AA8CB91683}">
+      <dgm:prSet phldrT="[文本]"/>
+      <dgm:spPr>
+        <a:blipFill>
+          <a:blip xmlns:r="http://schemas.openxmlformats.org/officeDocument/2006/relationships" r:embed="rId2"/>
+          <a:stretch>
+            <a:fillRect/>
+          </a:stretch>
+        </a:blipFill>
+      </dgm:spPr>
+      <dgm:t>
+        <a:bodyPr/>
+        <a:lstStyle/>
+        <a:p>
+          <a:r>
+            <a:rPr lang="en-US">
+              <a:noFill/>
+            </a:rPr>
+            <a:t> </a:t>
+          </a:r>
+        </a:p>
+      </dgm:t>
+    </dgm:pt>
+    <dgm:pt modelId="{79A7D086-518E-4424-AFA8-7CE96C20EB04}" type="parTrans" cxnId="{A58BE4FA-A9B6-4217-8835-EA63CE3421C8}">
+      <dgm:prSet/>
+      <dgm:spPr/>
+      <dgm:t>
+        <a:bodyPr/>
+        <a:lstStyle/>
+        <a:p>
+          <a:endParaRPr lang="zh-CN" altLang="en-US"/>
+        </a:p>
+      </dgm:t>
+    </dgm:pt>
+    <dgm:pt modelId="{6AF38EC4-F944-43DA-8B10-D9619B94595D}" type="sibTrans" cxnId="{A58BE4FA-A9B6-4217-8835-EA63CE3421C8}">
+      <dgm:prSet/>
+      <dgm:spPr/>
+      <dgm:t>
+        <a:bodyPr/>
+        <a:lstStyle/>
+        <a:p>
+          <a:endParaRPr lang="zh-CN" altLang="en-US"/>
+        </a:p>
+      </dgm:t>
+    </dgm:pt>
+    <dgm:pt modelId="{C26E59F6-F0A0-3647-95A7-D1541EDA939E}" type="pres">
+      <dgm:prSet presAssocID="{74209FBA-7B49-41F8-914D-8F4E60DDFB5D}" presName="Name0" presStyleCnt="0">
+        <dgm:presLayoutVars>
+          <dgm:dir/>
+          <dgm:animLvl val="lvl"/>
+          <dgm:resizeHandles val="exact"/>
+        </dgm:presLayoutVars>
+      </dgm:prSet>
+      <dgm:spPr/>
+    </dgm:pt>
+    <dgm:pt modelId="{54ECE77A-D875-FA45-8F03-7BAC75C82F1A}" type="pres">
+      <dgm:prSet presAssocID="{8D8EE1BB-2A55-420B-A0A0-633B9CF96A3B}" presName="boxAndChildren" presStyleCnt="0"/>
+      <dgm:spPr/>
+    </dgm:pt>
+    <dgm:pt modelId="{DCB65C5E-2C0B-2B45-9AD1-B64D8F44A9E8}" type="pres">
+      <dgm:prSet presAssocID="{8D8EE1BB-2A55-420B-A0A0-633B9CF96A3B}" presName="parentTextBox" presStyleLbl="node1" presStyleIdx="0" presStyleCnt="3"/>
+      <dgm:spPr/>
+    </dgm:pt>
+    <dgm:pt modelId="{2DA3B6B9-413A-3E4E-9997-19AC8C447E15}" type="pres">
+      <dgm:prSet presAssocID="{8D8EE1BB-2A55-420B-A0A0-633B9CF96A3B}" presName="entireBox" presStyleLbl="node1" presStyleIdx="0" presStyleCnt="3"/>
+      <dgm:spPr/>
+    </dgm:pt>
+    <dgm:pt modelId="{4266BA7D-4EE8-7743-9A47-2128AC72D1F3}" type="pres">
+      <dgm:prSet presAssocID="{8D8EE1BB-2A55-420B-A0A0-633B9CF96A3B}" presName="descendantBox" presStyleCnt="0"/>
+      <dgm:spPr/>
+    </dgm:pt>
+    <dgm:pt modelId="{F90EE33A-6446-EC4E-A79B-399B513B794F}" type="pres">
+      <dgm:prSet presAssocID="{6D7164FB-A51E-42EB-9C17-EF0C25AECE17}" presName="childTextBox" presStyleLbl="fgAccFollowNode1" presStyleIdx="0" presStyleCnt="6">
+        <dgm:presLayoutVars>
+          <dgm:bulletEnabled val="1"/>
+        </dgm:presLayoutVars>
+      </dgm:prSet>
+      <dgm:spPr/>
+    </dgm:pt>
+    <dgm:pt modelId="{C1A73C2F-28A6-CF43-812C-8766E3DB0F48}" type="pres">
+      <dgm:prSet presAssocID="{EBCF1FDF-1641-4AB1-A9C6-F6DB63717DE4}" presName="childTextBox" presStyleLbl="fgAccFollowNode1" presStyleIdx="1" presStyleCnt="6">
+        <dgm:presLayoutVars>
+          <dgm:bulletEnabled val="1"/>
+        </dgm:presLayoutVars>
+      </dgm:prSet>
+      <dgm:spPr/>
+    </dgm:pt>
+    <dgm:pt modelId="{FD2DA827-AB87-9A43-AB2B-CF11223CC2F2}" type="pres">
+      <dgm:prSet presAssocID="{74CF1DE8-F211-46CE-9E4D-53676B0D4736}" presName="sp" presStyleCnt="0"/>
+      <dgm:spPr/>
+    </dgm:pt>
+    <dgm:pt modelId="{AC3362E4-7E2C-184F-BF1D-7AE28F5EF711}" type="pres">
+      <dgm:prSet presAssocID="{545C6FC9-891E-4888-A1EC-6B0038B74BD6}" presName="arrowAndChildren" presStyleCnt="0"/>
+      <dgm:spPr/>
+    </dgm:pt>
+    <dgm:pt modelId="{38AD2F1F-898E-E04D-A8EE-BFE145F6EE44}" type="pres">
+      <dgm:prSet presAssocID="{545C6FC9-891E-4888-A1EC-6B0038B74BD6}" presName="parentTextArrow" presStyleLbl="node1" presStyleIdx="0" presStyleCnt="3"/>
+      <dgm:spPr/>
+    </dgm:pt>
+    <dgm:pt modelId="{95E92C6A-8FA8-F044-BB80-BE6845431AC4}" type="pres">
+      <dgm:prSet presAssocID="{545C6FC9-891E-4888-A1EC-6B0038B74BD6}" presName="arrow" presStyleLbl="node1" presStyleIdx="1" presStyleCnt="3"/>
+      <dgm:spPr/>
+    </dgm:pt>
+    <dgm:pt modelId="{9391737A-A599-174A-9737-2FE1F4AA4E49}" type="pres">
+      <dgm:prSet presAssocID="{545C6FC9-891E-4888-A1EC-6B0038B74BD6}" presName="descendantArrow" presStyleCnt="0"/>
+      <dgm:spPr/>
+    </dgm:pt>
+    <dgm:pt modelId="{E7158353-EEE1-7445-9F18-4FF22E1BF932}" type="pres">
+      <dgm:prSet presAssocID="{3F3689B6-024C-4CBD-B27B-7C427456836E}" presName="childTextArrow" presStyleLbl="fgAccFollowNode1" presStyleIdx="2" presStyleCnt="6">
+        <dgm:presLayoutVars>
+          <dgm:bulletEnabled val="1"/>
+        </dgm:presLayoutVars>
+      </dgm:prSet>
+      <dgm:spPr/>
+    </dgm:pt>
+    <dgm:pt modelId="{F9897639-247A-E847-95F3-29692A986CBC}" type="pres">
+      <dgm:prSet presAssocID="{D03BB42E-40DD-4C77-9EE8-F3AA8CB91683}" presName="childTextArrow" presStyleLbl="fgAccFollowNode1" presStyleIdx="3" presStyleCnt="6">
+        <dgm:presLayoutVars>
+          <dgm:bulletEnabled val="1"/>
+        </dgm:presLayoutVars>
+      </dgm:prSet>
+      <dgm:spPr/>
+    </dgm:pt>
+    <dgm:pt modelId="{02204213-413E-A84B-A56A-0ABCB6A7EE23}" type="pres">
+      <dgm:prSet presAssocID="{C35E8C7D-E6FE-4110-9765-391DC056B77F}" presName="sp" presStyleCnt="0"/>
+      <dgm:spPr/>
+    </dgm:pt>
+    <dgm:pt modelId="{4403155C-9429-2F4C-964B-C9410C63A3AB}" type="pres">
+      <dgm:prSet presAssocID="{6899EC7D-2F4E-4FE4-86BB-37E3DE110152}" presName="arrowAndChildren" presStyleCnt="0"/>
+      <dgm:spPr/>
+    </dgm:pt>
+    <dgm:pt modelId="{E75D8F78-0BA0-5647-9735-4D4203326828}" type="pres">
+      <dgm:prSet presAssocID="{6899EC7D-2F4E-4FE4-86BB-37E3DE110152}" presName="parentTextArrow" presStyleLbl="node1" presStyleIdx="1" presStyleCnt="3"/>
+      <dgm:spPr/>
+    </dgm:pt>
+    <dgm:pt modelId="{206D006D-86FF-864A-9C9C-95F27112C077}" type="pres">
+      <dgm:prSet presAssocID="{6899EC7D-2F4E-4FE4-86BB-37E3DE110152}" presName="arrow" presStyleLbl="node1" presStyleIdx="2" presStyleCnt="3"/>
+      <dgm:spPr/>
+    </dgm:pt>
+    <dgm:pt modelId="{C51458C7-7216-5043-BF0F-5EE355488E19}" type="pres">
+      <dgm:prSet presAssocID="{6899EC7D-2F4E-4FE4-86BB-37E3DE110152}" presName="descendantArrow" presStyleCnt="0"/>
+      <dgm:spPr/>
+    </dgm:pt>
+    <dgm:pt modelId="{378F6DC8-9B30-6D42-9F04-3D3EF3C07DFC}" type="pres">
+      <dgm:prSet presAssocID="{6458973E-3CD6-4C5F-9ED0-14E562CF92E2}" presName="childTextArrow" presStyleLbl="fgAccFollowNode1" presStyleIdx="4" presStyleCnt="6">
+        <dgm:presLayoutVars>
+          <dgm:bulletEnabled val="1"/>
+        </dgm:presLayoutVars>
+      </dgm:prSet>
+      <dgm:spPr/>
+    </dgm:pt>
+    <dgm:pt modelId="{A7412B8C-9A97-CA47-B699-054AB079D743}" type="pres">
+      <dgm:prSet presAssocID="{C26E3E4C-1F9D-48D3-9F69-A8FD7AA86CCF}" presName="childTextArrow" presStyleLbl="fgAccFollowNode1" presStyleIdx="5" presStyleCnt="6">
+        <dgm:presLayoutVars>
+          <dgm:bulletEnabled val="1"/>
+        </dgm:presLayoutVars>
+      </dgm:prSet>
+      <dgm:spPr/>
+    </dgm:pt>
+  </dgm:ptLst>
+  <dgm:cxnLst>
+    <dgm:cxn modelId="{73DF7207-7261-6545-A4CD-F97E499CDD77}" type="presOf" srcId="{8D8EE1BB-2A55-420B-A0A0-633B9CF96A3B}" destId="{2DA3B6B9-413A-3E4E-9997-19AC8C447E15}" srcOrd="1" destOrd="0" presId="urn:microsoft.com/office/officeart/2005/8/layout/process4"/>
+    <dgm:cxn modelId="{F8B7EB10-ACA0-7242-A4BA-BA2941943309}" type="presOf" srcId="{C26E3E4C-1F9D-48D3-9F69-A8FD7AA86CCF}" destId="{A7412B8C-9A97-CA47-B699-054AB079D743}" srcOrd="0" destOrd="0" presId="urn:microsoft.com/office/officeart/2005/8/layout/process4"/>
+    <dgm:cxn modelId="{ED61A420-509E-944C-A4C9-2CB0337055DF}" type="presOf" srcId="{6458973E-3CD6-4C5F-9ED0-14E562CF92E2}" destId="{378F6DC8-9B30-6D42-9F04-3D3EF3C07DFC}" srcOrd="0" destOrd="0" presId="urn:microsoft.com/office/officeart/2005/8/layout/process4"/>
+    <dgm:cxn modelId="{BAE76D28-4FAC-4446-A2A5-968FAE01E151}" type="presOf" srcId="{8D8EE1BB-2A55-420B-A0A0-633B9CF96A3B}" destId="{DCB65C5E-2C0B-2B45-9AD1-B64D8F44A9E8}" srcOrd="0" destOrd="0" presId="urn:microsoft.com/office/officeart/2005/8/layout/process4"/>
+    <dgm:cxn modelId="{7CF0ED32-7D83-414E-B171-87CB9D117AFA}" type="presOf" srcId="{EBCF1FDF-1641-4AB1-A9C6-F6DB63717DE4}" destId="{C1A73C2F-28A6-CF43-812C-8766E3DB0F48}" srcOrd="0" destOrd="0" presId="urn:microsoft.com/office/officeart/2005/8/layout/process4"/>
+    <dgm:cxn modelId="{DC16195E-07FC-4ABB-A94A-9EFCA1B5EBE3}" srcId="{6899EC7D-2F4E-4FE4-86BB-37E3DE110152}" destId="{C26E3E4C-1F9D-48D3-9F69-A8FD7AA86CCF}" srcOrd="1" destOrd="0" parTransId="{FE022346-50E2-4EDF-8F30-26E2A9757724}" sibTransId="{F67AFE5C-F309-4BF4-8919-21EDE4A1360C}"/>
+    <dgm:cxn modelId="{38AE7061-E5FF-F343-AA57-456BAEF8CE7F}" type="presOf" srcId="{6D7164FB-A51E-42EB-9C17-EF0C25AECE17}" destId="{F90EE33A-6446-EC4E-A79B-399B513B794F}" srcOrd="0" destOrd="0" presId="urn:microsoft.com/office/officeart/2005/8/layout/process4"/>
+    <dgm:cxn modelId="{205A1AB3-880F-42A7-BAC6-0FADB54183AE}" srcId="{8D8EE1BB-2A55-420B-A0A0-633B9CF96A3B}" destId="{EBCF1FDF-1641-4AB1-A9C6-F6DB63717DE4}" srcOrd="1" destOrd="0" parTransId="{BB0FBF89-1A34-4323-BC46-F4404AEC3557}" sibTransId="{94E5693F-F01A-4F10-8303-839073013E97}"/>
+    <dgm:cxn modelId="{79CC74BE-C9A3-FC4E-B61F-8FC20DBC73B9}" type="presOf" srcId="{6899EC7D-2F4E-4FE4-86BB-37E3DE110152}" destId="{E75D8F78-0BA0-5647-9735-4D4203326828}" srcOrd="0" destOrd="0" presId="urn:microsoft.com/office/officeart/2005/8/layout/process4"/>
+    <dgm:cxn modelId="{DB75B7BF-ABA9-6649-8A3A-5609E9A47A1B}" type="presOf" srcId="{545C6FC9-891E-4888-A1EC-6B0038B74BD6}" destId="{95E92C6A-8FA8-F044-BB80-BE6845431AC4}" srcOrd="1" destOrd="0" presId="urn:microsoft.com/office/officeart/2005/8/layout/process4"/>
+    <dgm:cxn modelId="{B405A0C1-1544-45DA-84B7-7E3DB578DF07}" srcId="{74209FBA-7B49-41F8-914D-8F4E60DDFB5D}" destId="{8D8EE1BB-2A55-420B-A0A0-633B9CF96A3B}" srcOrd="2" destOrd="0" parTransId="{68E462F3-064C-4D4A-99B6-04CE12EB45C3}" sibTransId="{2A9988D7-BECF-4636-BADD-B351590FBCF1}"/>
+    <dgm:cxn modelId="{02E9E2C2-26EC-0544-96E9-B704EFBC0D5A}" type="presOf" srcId="{3F3689B6-024C-4CBD-B27B-7C427456836E}" destId="{E7158353-EEE1-7445-9F18-4FF22E1BF932}" srcOrd="0" destOrd="0" presId="urn:microsoft.com/office/officeart/2005/8/layout/process4"/>
+    <dgm:cxn modelId="{1C434EC7-E38E-4362-9CAE-E4561BBFBB5F}" srcId="{74209FBA-7B49-41F8-914D-8F4E60DDFB5D}" destId="{545C6FC9-891E-4888-A1EC-6B0038B74BD6}" srcOrd="1" destOrd="0" parTransId="{1511C28B-6ACD-452E-BA60-7B32EE0CB5F1}" sibTransId="{74CF1DE8-F211-46CE-9E4D-53676B0D4736}"/>
+    <dgm:cxn modelId="{B03B9BCA-9710-4E58-A17C-FD567DE3A233}" srcId="{8D8EE1BB-2A55-420B-A0A0-633B9CF96A3B}" destId="{6D7164FB-A51E-42EB-9C17-EF0C25AECE17}" srcOrd="0" destOrd="0" parTransId="{F8612A40-6C68-4AE0-BDF3-BE8347D2EA4B}" sibTransId="{FE2F6A08-9216-439F-949D-CA46B2C68560}"/>
+    <dgm:cxn modelId="{77B881CE-3599-E644-9EC4-8EDD214606F0}" type="presOf" srcId="{D03BB42E-40DD-4C77-9EE8-F3AA8CB91683}" destId="{F9897639-247A-E847-95F3-29692A986CBC}" srcOrd="0" destOrd="0" presId="urn:microsoft.com/office/officeart/2005/8/layout/process4"/>
+    <dgm:cxn modelId="{12A3F7DD-5EB5-4D18-B6D3-C7ECBE47D5BB}" srcId="{545C6FC9-891E-4888-A1EC-6B0038B74BD6}" destId="{3F3689B6-024C-4CBD-B27B-7C427456836E}" srcOrd="0" destOrd="0" parTransId="{28FE1859-DAD8-4C93-BF67-FFB224154CB8}" sibTransId="{61791506-4F73-455A-9873-C6750BEA0483}"/>
+    <dgm:cxn modelId="{937939E2-0CF7-496F-8E0D-39B9C1F45214}" srcId="{6899EC7D-2F4E-4FE4-86BB-37E3DE110152}" destId="{6458973E-3CD6-4C5F-9ED0-14E562CF92E2}" srcOrd="0" destOrd="0" parTransId="{F0F41032-38C4-4366-A02E-AF5A67C9F276}" sibTransId="{10D353C3-68E2-46CB-A1E5-8C38A0B3E22A}"/>
+    <dgm:cxn modelId="{6A36BEE5-BC5C-3A43-B781-BF268E657AFB}" type="presOf" srcId="{6899EC7D-2F4E-4FE4-86BB-37E3DE110152}" destId="{206D006D-86FF-864A-9C9C-95F27112C077}" srcOrd="1" destOrd="0" presId="urn:microsoft.com/office/officeart/2005/8/layout/process4"/>
+    <dgm:cxn modelId="{8C0F68EB-83AE-4F4D-817E-82633CCEF219}" srcId="{74209FBA-7B49-41F8-914D-8F4E60DDFB5D}" destId="{6899EC7D-2F4E-4FE4-86BB-37E3DE110152}" srcOrd="0" destOrd="0" parTransId="{A97DC375-B8C8-481F-A521-BF62B7BD5854}" sibTransId="{C35E8C7D-E6FE-4110-9765-391DC056B77F}"/>
+    <dgm:cxn modelId="{A58BE4FA-A9B6-4217-8835-EA63CE3421C8}" srcId="{545C6FC9-891E-4888-A1EC-6B0038B74BD6}" destId="{D03BB42E-40DD-4C77-9EE8-F3AA8CB91683}" srcOrd="1" destOrd="0" parTransId="{79A7D086-518E-4424-AFA8-7CE96C20EB04}" sibTransId="{6AF38EC4-F944-43DA-8B10-D9619B94595D}"/>
+    <dgm:cxn modelId="{9853A7FB-7D39-CC45-9707-2EE74077C628}" type="presOf" srcId="{74209FBA-7B49-41F8-914D-8F4E60DDFB5D}" destId="{C26E59F6-F0A0-3647-95A7-D1541EDA939E}" srcOrd="0" destOrd="0" presId="urn:microsoft.com/office/officeart/2005/8/layout/process4"/>
+    <dgm:cxn modelId="{0C4FDBFD-E7A6-3940-865D-6F536F0EFE84}" type="presOf" srcId="{545C6FC9-891E-4888-A1EC-6B0038B74BD6}" destId="{38AD2F1F-898E-E04D-A8EE-BFE145F6EE44}" srcOrd="0" destOrd="0" presId="urn:microsoft.com/office/officeart/2005/8/layout/process4"/>
+    <dgm:cxn modelId="{470206BC-73EA-8741-B107-A7C6A14825A4}" type="presParOf" srcId="{C26E59F6-F0A0-3647-95A7-D1541EDA939E}" destId="{54ECE77A-D875-FA45-8F03-7BAC75C82F1A}" srcOrd="0" destOrd="0" presId="urn:microsoft.com/office/officeart/2005/8/layout/process4"/>
+    <dgm:cxn modelId="{631862A7-850D-1E4C-9CF6-BEC92C7C4E28}" type="presParOf" srcId="{54ECE77A-D875-FA45-8F03-7BAC75C82F1A}" destId="{DCB65C5E-2C0B-2B45-9AD1-B64D8F44A9E8}" srcOrd="0" destOrd="0" presId="urn:microsoft.com/office/officeart/2005/8/layout/process4"/>
+    <dgm:cxn modelId="{43CF06D5-77D2-F841-A53A-0886AC1F78A8}" type="presParOf" srcId="{54ECE77A-D875-FA45-8F03-7BAC75C82F1A}" destId="{2DA3B6B9-413A-3E4E-9997-19AC8C447E15}" srcOrd="1" destOrd="0" presId="urn:microsoft.com/office/officeart/2005/8/layout/process4"/>
+    <dgm:cxn modelId="{2895291B-EF56-C14D-B873-0AD5134752EB}" type="presParOf" srcId="{54ECE77A-D875-FA45-8F03-7BAC75C82F1A}" destId="{4266BA7D-4EE8-7743-9A47-2128AC72D1F3}" srcOrd="2" destOrd="0" presId="urn:microsoft.com/office/officeart/2005/8/layout/process4"/>
+    <dgm:cxn modelId="{371AD657-7804-A94F-B278-A4C028EF6896}" type="presParOf" srcId="{4266BA7D-4EE8-7743-9A47-2128AC72D1F3}" destId="{F90EE33A-6446-EC4E-A79B-399B513B794F}" srcOrd="0" destOrd="0" presId="urn:microsoft.com/office/officeart/2005/8/layout/process4"/>
+    <dgm:cxn modelId="{BCF5E977-82AD-F747-992E-6403A5531FBF}" type="presParOf" srcId="{4266BA7D-4EE8-7743-9A47-2128AC72D1F3}" destId="{C1A73C2F-28A6-CF43-812C-8766E3DB0F48}" srcOrd="1" destOrd="0" presId="urn:microsoft.com/office/officeart/2005/8/layout/process4"/>
+    <dgm:cxn modelId="{DD007E04-120A-0A4C-80AA-CF51539D8B9A}" type="presParOf" srcId="{C26E59F6-F0A0-3647-95A7-D1541EDA939E}" destId="{FD2DA827-AB87-9A43-AB2B-CF11223CC2F2}" srcOrd="1" destOrd="0" presId="urn:microsoft.com/office/officeart/2005/8/layout/process4"/>
+    <dgm:cxn modelId="{FFDD10E9-1CA5-8944-AEC6-3E3420183E9F}" type="presParOf" srcId="{C26E59F6-F0A0-3647-95A7-D1541EDA939E}" destId="{AC3362E4-7E2C-184F-BF1D-7AE28F5EF711}" srcOrd="2" destOrd="0" presId="urn:microsoft.com/office/officeart/2005/8/layout/process4"/>
+    <dgm:cxn modelId="{7B295D86-6D02-ED4F-8445-74F1F2BED078}" type="presParOf" srcId="{AC3362E4-7E2C-184F-BF1D-7AE28F5EF711}" destId="{38AD2F1F-898E-E04D-A8EE-BFE145F6EE44}" srcOrd="0" destOrd="0" presId="urn:microsoft.com/office/officeart/2005/8/layout/process4"/>
+    <dgm:cxn modelId="{3EF8B754-9A47-C846-BE56-80A5013F308A}" type="presParOf" srcId="{AC3362E4-7E2C-184F-BF1D-7AE28F5EF711}" destId="{95E92C6A-8FA8-F044-BB80-BE6845431AC4}" srcOrd="1" destOrd="0" presId="urn:microsoft.com/office/officeart/2005/8/layout/process4"/>
+    <dgm:cxn modelId="{DD58226D-DAFB-7042-8B2F-B8330658A995}" type="presParOf" srcId="{AC3362E4-7E2C-184F-BF1D-7AE28F5EF711}" destId="{9391737A-A599-174A-9737-2FE1F4AA4E49}" srcOrd="2" destOrd="0" presId="urn:microsoft.com/office/officeart/2005/8/layout/process4"/>
+    <dgm:cxn modelId="{5F3F4EBA-EE27-7846-B5E5-600C332DCDA3}" type="presParOf" srcId="{9391737A-A599-174A-9737-2FE1F4AA4E49}" destId="{E7158353-EEE1-7445-9F18-4FF22E1BF932}" srcOrd="0" destOrd="0" presId="urn:microsoft.com/office/officeart/2005/8/layout/process4"/>
+    <dgm:cxn modelId="{DC2DE464-D674-0F4D-A225-40B32BBFE3CD}" type="presParOf" srcId="{9391737A-A599-174A-9737-2FE1F4AA4E49}" destId="{F9897639-247A-E847-95F3-29692A986CBC}" srcOrd="1" destOrd="0" presId="urn:microsoft.com/office/officeart/2005/8/layout/process4"/>
+    <dgm:cxn modelId="{BF5F9604-1F09-574C-B31A-FB032605A70B}" type="presParOf" srcId="{C26E59F6-F0A0-3647-95A7-D1541EDA939E}" destId="{02204213-413E-A84B-A56A-0ABCB6A7EE23}" srcOrd="3" destOrd="0" presId="urn:microsoft.com/office/officeart/2005/8/layout/process4"/>
+    <dgm:cxn modelId="{B1C7B175-237A-5148-840C-8E84EC53EE62}" type="presParOf" srcId="{C26E59F6-F0A0-3647-95A7-D1541EDA939E}" destId="{4403155C-9429-2F4C-964B-C9410C63A3AB}" srcOrd="4" destOrd="0" presId="urn:microsoft.com/office/officeart/2005/8/layout/process4"/>
+    <dgm:cxn modelId="{7654064B-968D-2A4A-8923-E19B79317E9A}" type="presParOf" srcId="{4403155C-9429-2F4C-964B-C9410C63A3AB}" destId="{E75D8F78-0BA0-5647-9735-4D4203326828}" srcOrd="0" destOrd="0" presId="urn:microsoft.com/office/officeart/2005/8/layout/process4"/>
+    <dgm:cxn modelId="{8A2D53E3-6DE2-C04C-AEC5-537B05DD4826}" type="presParOf" srcId="{4403155C-9429-2F4C-964B-C9410C63A3AB}" destId="{206D006D-86FF-864A-9C9C-95F27112C077}" srcOrd="1" destOrd="0" presId="urn:microsoft.com/office/officeart/2005/8/layout/process4"/>
+    <dgm:cxn modelId="{0B3D9279-B6C0-EC42-9A32-8CB74EBAF7A6}" type="presParOf" srcId="{4403155C-9429-2F4C-964B-C9410C63A3AB}" destId="{C51458C7-7216-5043-BF0F-5EE355488E19}" srcOrd="2" destOrd="0" presId="urn:microsoft.com/office/officeart/2005/8/layout/process4"/>
+    <dgm:cxn modelId="{72403AB7-F6B9-7543-AB32-2D9A8F34585C}" type="presParOf" srcId="{C51458C7-7216-5043-BF0F-5EE355488E19}" destId="{378F6DC8-9B30-6D42-9F04-3D3EF3C07DFC}" srcOrd="0" destOrd="0" presId="urn:microsoft.com/office/officeart/2005/8/layout/process4"/>
+    <dgm:cxn modelId="{D038BBEB-5BC7-BE46-853E-496E431512FA}" type="presParOf" srcId="{C51458C7-7216-5043-BF0F-5EE355488E19}" destId="{A7412B8C-9A97-CA47-B699-054AB079D743}" srcOrd="1" destOrd="0" presId="urn:microsoft.com/office/officeart/2005/8/layout/process4"/>
+  </dgm:cxnLst>
+  <dgm:bg/>
+  <dgm:whole/>
+  <dgm:extLst>
+    <a:ext uri="http://schemas.microsoft.com/office/drawing/2008/diagram">
+      <dsp:dataModelExt xmlns:dsp="http://schemas.microsoft.com/office/drawing/2008/diagram" relId="rId6" minVer="http://schemas.openxmlformats.org/drawingml/2006/diagram"/>
+    </a:ext>
+  </dgm:extLst>
+</dgm:dataModel>
+</file>
+
+<file path=ppt/diagrams/drawing1.xml><?xml version="1.0" encoding="utf-8"?>
+<dsp:drawing xmlns:dgm="http://schemas.openxmlformats.org/drawingml/2006/diagram" xmlns:dsp="http://schemas.microsoft.com/office/drawing/2008/diagram" xmlns:a="http://schemas.openxmlformats.org/drawingml/2006/main">
+  <dsp:spTree>
+    <dsp:nvGrpSpPr>
+      <dsp:cNvPr id="0" name=""/>
+      <dsp:cNvGrpSpPr/>
+    </dsp:nvGrpSpPr>
+    <dsp:grpSpPr/>
+    <dsp:sp modelId="{2DA3B6B9-413A-3E4E-9997-19AC8C447E15}">
+      <dsp:nvSpPr>
+        <dsp:cNvPr id="0" name=""/>
+        <dsp:cNvSpPr/>
+      </dsp:nvSpPr>
+      <dsp:spPr>
+        <a:xfrm>
+          <a:off x="0" y="3042457"/>
+          <a:ext cx="7512050" cy="998602"/>
+        </a:xfrm>
+        <a:prstGeom prst="rect">
+          <a:avLst/>
+        </a:prstGeom>
+        <a:solidFill>
+          <a:schemeClr val="accent1">
+            <a:hueOff val="0"/>
+            <a:satOff val="0"/>
+            <a:lumOff val="0"/>
+            <a:alphaOff val="0"/>
+          </a:schemeClr>
+        </a:solidFill>
+        <a:ln w="19050" cap="rnd" cmpd="sng" algn="ctr">
+          <a:solidFill>
+            <a:schemeClr val="lt1">
+              <a:hueOff val="0"/>
+              <a:satOff val="0"/>
+              <a:lumOff val="0"/>
+              <a:alphaOff val="0"/>
+            </a:schemeClr>
+          </a:solidFill>
+          <a:prstDash val="solid"/>
+        </a:ln>
+        <a:effectLst/>
+      </dsp:spPr>
+      <dsp:style>
+        <a:lnRef idx="2">
+          <a:scrgbClr r="0" g="0" b="0"/>
+        </a:lnRef>
+        <a:fillRef idx="1">
+          <a:scrgbClr r="0" g="0" b="0"/>
+        </a:fillRef>
+        <a:effectRef idx="0">
+          <a:scrgbClr r="0" g="0" b="0"/>
+        </a:effectRef>
+        <a:fontRef idx="minor">
+          <a:schemeClr val="lt1"/>
+        </a:fontRef>
+      </dsp:style>
+      <dsp:txBody>
+        <a:bodyPr spcFirstLastPara="0" vert="horz" wrap="square" lIns="135128" tIns="135128" rIns="135128" bIns="135128" numCol="1" spcCol="1270" anchor="ctr" anchorCtr="0">
+          <a:noAutofit/>
+        </a:bodyPr>
+        <a:lstStyle/>
+        <a:p>
+          <a:pPr marL="0" lvl="0" indent="0" algn="ctr" defTabSz="844550">
+            <a:lnSpc>
+              <a:spcPct val="90000"/>
+            </a:lnSpc>
+            <a:spcBef>
+              <a:spcPct val="0"/>
+            </a:spcBef>
+            <a:spcAft>
+              <a:spcPct val="35000"/>
+            </a:spcAft>
+            <a:buNone/>
+          </a:pPr>
+          <a:r>
+            <a:rPr lang="en-US" altLang="zh-CN" sz="1900" kern="1200" dirty="0"/>
+            <a:t>S</a:t>
+          </a:r>
+          <a:r>
+            <a:rPr lang="en-US" altLang="zh-Hans" sz="1900" kern="1200" dirty="0"/>
+            <a:t>olve</a:t>
+          </a:r>
+          <a:r>
+            <a:rPr lang="zh-Hans" altLang="en-US" sz="1900" kern="1200" dirty="0"/>
+            <a:t> </a:t>
+          </a:r>
+          <a:r>
+            <a:rPr lang="en-US" altLang="zh-Hans" sz="1900" kern="1200" dirty="0"/>
+            <a:t>the</a:t>
+          </a:r>
+          <a:r>
+            <a:rPr lang="zh-Hans" altLang="en-US" sz="1900" kern="1200" dirty="0"/>
+            <a:t> </a:t>
+          </a:r>
+          <a:r>
+            <a:rPr lang="en-US" altLang="zh-Hans" sz="1900" kern="1200" dirty="0"/>
+            <a:t>Matrix</a:t>
+          </a:r>
+          <a:endParaRPr lang="zh-CN" altLang="en-US" sz="1900" kern="1200" dirty="0"/>
+        </a:p>
+      </dsp:txBody>
+      <dsp:txXfrm>
+        <a:off x="0" y="3042457"/>
+        <a:ext cx="7512050" cy="539245"/>
+      </dsp:txXfrm>
+    </dsp:sp>
+    <dsp:sp modelId="{F90EE33A-6446-EC4E-A79B-399B513B794F}">
+      <dsp:nvSpPr>
+        <dsp:cNvPr id="0" name=""/>
+        <dsp:cNvSpPr/>
+      </dsp:nvSpPr>
+      <dsp:spPr>
+        <a:xfrm>
+          <a:off x="0" y="3561731"/>
+          <a:ext cx="3756024" cy="459357"/>
+        </a:xfrm>
+        <a:prstGeom prst="rect">
+          <a:avLst/>
+        </a:prstGeom>
+        <a:solidFill>
+          <a:schemeClr val="accent1">
+            <a:alpha val="90000"/>
+            <a:tint val="40000"/>
+            <a:hueOff val="0"/>
+            <a:satOff val="0"/>
+            <a:lumOff val="0"/>
+            <a:alphaOff val="0"/>
+          </a:schemeClr>
+        </a:solidFill>
+        <a:ln w="19050" cap="rnd" cmpd="sng" algn="ctr">
+          <a:solidFill>
+            <a:schemeClr val="accent1">
+              <a:alpha val="90000"/>
+              <a:tint val="40000"/>
+              <a:hueOff val="0"/>
+              <a:satOff val="0"/>
+              <a:lumOff val="0"/>
+              <a:alphaOff val="0"/>
+            </a:schemeClr>
+          </a:solidFill>
+          <a:prstDash val="solid"/>
+        </a:ln>
+        <a:effectLst/>
+      </dsp:spPr>
+      <dsp:style>
+        <a:lnRef idx="2">
+          <a:scrgbClr r="0" g="0" b="0"/>
+        </a:lnRef>
+        <a:fillRef idx="1">
+          <a:scrgbClr r="0" g="0" b="0"/>
+        </a:fillRef>
+        <a:effectRef idx="0">
+          <a:scrgbClr r="0" g="0" b="0"/>
+        </a:effectRef>
+        <a:fontRef idx="minor"/>
+      </dsp:style>
+      <dsp:txBody>
+        <a:bodyPr spcFirstLastPara="0" vert="horz" wrap="square" lIns="142240" tIns="25400" rIns="142240" bIns="25400" numCol="1" spcCol="1270" anchor="ctr" anchorCtr="0">
+          <a:noAutofit/>
+        </a:bodyPr>
+        <a:lstStyle/>
+        <a:p>
+          <a:pPr marL="0" lvl="0" indent="0" algn="ctr" defTabSz="889000">
+            <a:lnSpc>
+              <a:spcPct val="90000"/>
+            </a:lnSpc>
+            <a:spcBef>
+              <a:spcPct val="0"/>
+            </a:spcBef>
+            <a:spcAft>
+              <a:spcPct val="35000"/>
+            </a:spcAft>
+            <a:buNone/>
+          </a:pPr>
+          <a:r>
+            <a:rPr lang="en-US" altLang="zh-CN" sz="2000" kern="1200" dirty="0"/>
+            <a:t>LU</a:t>
+          </a:r>
+          <a:r>
+            <a:rPr lang="zh-Hans" altLang="en-US" sz="2000" kern="1200" dirty="0"/>
+            <a:t> </a:t>
+          </a:r>
+          <a:r>
+            <a:rPr lang="en-US" altLang="zh-Hans" sz="2000" kern="1200" dirty="0"/>
+            <a:t>decomposition</a:t>
+          </a:r>
+          <a:endParaRPr lang="zh-CN" altLang="en-US" sz="2000" kern="1200" dirty="0"/>
+        </a:p>
+      </dsp:txBody>
+      <dsp:txXfrm>
+        <a:off x="0" y="3561731"/>
+        <a:ext cx="3756024" cy="459357"/>
+      </dsp:txXfrm>
+    </dsp:sp>
+    <dsp:sp modelId="{C1A73C2F-28A6-CF43-812C-8766E3DB0F48}">
+      <dsp:nvSpPr>
+        <dsp:cNvPr id="0" name=""/>
+        <dsp:cNvSpPr/>
+      </dsp:nvSpPr>
+      <dsp:spPr>
+        <a:xfrm>
+          <a:off x="3756025" y="3561731"/>
+          <a:ext cx="3756024" cy="459357"/>
+        </a:xfrm>
+        <a:prstGeom prst="rect">
+          <a:avLst/>
+        </a:prstGeom>
+        <a:solidFill>
+          <a:schemeClr val="accent1">
+            <a:alpha val="90000"/>
+            <a:tint val="40000"/>
+            <a:hueOff val="0"/>
+            <a:satOff val="0"/>
+            <a:lumOff val="0"/>
+            <a:alphaOff val="0"/>
+          </a:schemeClr>
+        </a:solidFill>
+        <a:ln w="19050" cap="rnd" cmpd="sng" algn="ctr">
+          <a:solidFill>
+            <a:schemeClr val="accent1">
+              <a:alpha val="90000"/>
+              <a:tint val="40000"/>
+              <a:hueOff val="0"/>
+              <a:satOff val="0"/>
+              <a:lumOff val="0"/>
+              <a:alphaOff val="0"/>
+            </a:schemeClr>
+          </a:solidFill>
+          <a:prstDash val="solid"/>
+        </a:ln>
+        <a:effectLst/>
+      </dsp:spPr>
+      <dsp:style>
+        <a:lnRef idx="2">
+          <a:scrgbClr r="0" g="0" b="0"/>
+        </a:lnRef>
+        <a:fillRef idx="1">
+          <a:scrgbClr r="0" g="0" b="0"/>
+        </a:fillRef>
+        <a:effectRef idx="0">
+          <a:scrgbClr r="0" g="0" b="0"/>
+        </a:effectRef>
+        <a:fontRef idx="minor"/>
+      </dsp:style>
+      <dsp:txBody>
+        <a:bodyPr spcFirstLastPara="0" vert="horz" wrap="square" lIns="142240" tIns="25400" rIns="142240" bIns="25400" numCol="1" spcCol="1270" anchor="ctr" anchorCtr="0">
+          <a:noAutofit/>
+        </a:bodyPr>
+        <a:lstStyle/>
+        <a:p>
+          <a:pPr marL="0" lvl="0" indent="0" algn="ctr" defTabSz="889000">
+            <a:lnSpc>
+              <a:spcPct val="90000"/>
+            </a:lnSpc>
+            <a:spcBef>
+              <a:spcPct val="0"/>
+            </a:spcBef>
+            <a:spcAft>
+              <a:spcPct val="35000"/>
+            </a:spcAft>
+            <a:buNone/>
+          </a:pPr>
+          <a14:m xmlns:a14="http://schemas.microsoft.com/office/drawing/2010/main">
+            <m:oMathPara xmlns:m="http://schemas.openxmlformats.org/officeDocument/2006/math">
+              <m:oMathParaPr>
+                <m:jc m:val="centerGroup"/>
+              </m:oMathParaPr>
+              <m:oMath xmlns:m="http://schemas.openxmlformats.org/officeDocument/2006/math">
+                <m:r>
+                  <a:rPr lang="en-US" altLang="zh-CN" sz="2000" b="0" i="1" kern="1200" smtClean="0">
+                    <a:latin typeface="Cambria Math" panose="02040503050406030204" pitchFamily="18" charset="0"/>
+                  </a:rPr>
+                  <m:t>𝑣</m:t>
+                </m:r>
+                <m:r>
+                  <a:rPr lang="en-US" altLang="zh-CN" sz="2000" b="0" i="1" kern="1200" smtClean="0">
+                    <a:latin typeface="Cambria Math" panose="02040503050406030204" pitchFamily="18" charset="0"/>
+                  </a:rPr>
+                  <m:t>=</m:t>
+                </m:r>
+                <m:sSup>
+                  <m:sSupPr>
+                    <m:ctrlPr>
+                      <a:rPr lang="en-US" altLang="zh-CN" sz="2000" b="0" i="1" kern="1200" smtClean="0">
+                        <a:latin typeface="Cambria Math" panose="02040503050406030204" pitchFamily="18" charset="0"/>
+                      </a:rPr>
+                    </m:ctrlPr>
+                  </m:sSupPr>
+                  <m:e>
+                    <m:r>
+                      <a:rPr lang="en-US" altLang="zh-CN" sz="2000" b="0" i="1" kern="1200" smtClean="0">
+                        <a:latin typeface="Cambria Math" panose="02040503050406030204" pitchFamily="18" charset="0"/>
+                      </a:rPr>
+                      <m:t>𝑈</m:t>
+                    </m:r>
+                  </m:e>
+                  <m:sup>
+                    <m:r>
+                      <a:rPr lang="en-US" altLang="zh-CN" sz="2000" b="0" i="1" kern="1200" smtClean="0">
+                        <a:latin typeface="Cambria Math" panose="02040503050406030204" pitchFamily="18" charset="0"/>
+                      </a:rPr>
+                      <m:t>−1</m:t>
+                    </m:r>
+                  </m:sup>
+                </m:sSup>
+                <m:r>
+                  <a:rPr lang="en-US" altLang="zh-CN" sz="2000" b="0" i="1" kern="1200" smtClean="0">
+                    <a:latin typeface="Cambria Math" panose="02040503050406030204" pitchFamily="18" charset="0"/>
+                    <a:ea typeface="Cambria Math" panose="02040503050406030204" pitchFamily="18" charset="0"/>
+                  </a:rPr>
+                  <m:t>∙</m:t>
+                </m:r>
+                <m:sSup>
+                  <m:sSupPr>
+                    <m:ctrlPr>
+                      <a:rPr lang="en-US" altLang="zh-CN" sz="2000" b="0" i="1" kern="1200" smtClean="0">
+                        <a:latin typeface="Cambria Math" panose="02040503050406030204" pitchFamily="18" charset="0"/>
+                        <a:ea typeface="Cambria Math" panose="02040503050406030204" pitchFamily="18" charset="0"/>
+                      </a:rPr>
+                    </m:ctrlPr>
+                  </m:sSupPr>
+                  <m:e>
+                    <m:r>
+                      <m:rPr>
+                        <m:sty m:val="p"/>
+                      </m:rPr>
+                      <a:rPr lang="en-US" altLang="zh-CN" sz="2000" b="0" i="1" kern="1200" smtClean="0">
+                        <a:latin typeface="Cambria Math" panose="02040503050406030204" pitchFamily="18" charset="0"/>
+                        <a:ea typeface="Cambria Math" panose="02040503050406030204" pitchFamily="18" charset="0"/>
+                      </a:rPr>
+                      <m:t>L</m:t>
+                    </m:r>
+                  </m:e>
+                  <m:sup>
+                    <m:r>
+                      <a:rPr lang="en-US" altLang="zh-CN" sz="2000" b="0" i="1" kern="1200" smtClean="0">
+                        <a:latin typeface="Cambria Math" panose="02040503050406030204" pitchFamily="18" charset="0"/>
+                        <a:ea typeface="Cambria Math" panose="02040503050406030204" pitchFamily="18" charset="0"/>
+                      </a:rPr>
+                      <m:t>−1</m:t>
+                    </m:r>
+                  </m:sup>
+                </m:sSup>
+                <m:r>
+                  <a:rPr lang="en-US" altLang="zh-CN" sz="2000" b="0" i="1" kern="1200" smtClean="0">
+                    <a:latin typeface="Cambria Math" panose="02040503050406030204" pitchFamily="18" charset="0"/>
+                    <a:ea typeface="Cambria Math" panose="02040503050406030204" pitchFamily="18" charset="0"/>
+                  </a:rPr>
+                  <m:t>∙</m:t>
+                </m:r>
+                <m:r>
+                  <a:rPr lang="en-US" altLang="zh-CN" sz="2000" b="0" i="1" kern="1200" smtClean="0">
+                    <a:latin typeface="Cambria Math" panose="02040503050406030204" pitchFamily="18" charset="0"/>
+                    <a:ea typeface="Cambria Math" panose="02040503050406030204" pitchFamily="18" charset="0"/>
+                  </a:rPr>
+                  <m:t>𝑖</m:t>
+                </m:r>
+              </m:oMath>
+            </m:oMathPara>
+          </a14:m>
+          <a:endParaRPr lang="zh-CN" altLang="en-US" sz="2000" kern="1200" dirty="0"/>
+        </a:p>
+      </dsp:txBody>
+      <dsp:txXfrm>
+        <a:off x="3756025" y="3561731"/>
+        <a:ext cx="3756024" cy="459357"/>
+      </dsp:txXfrm>
+    </dsp:sp>
+    <dsp:sp modelId="{95E92C6A-8FA8-F044-BB80-BE6845431AC4}">
+      <dsp:nvSpPr>
+        <dsp:cNvPr id="0" name=""/>
+        <dsp:cNvSpPr/>
+      </dsp:nvSpPr>
+      <dsp:spPr>
+        <a:xfrm rot="10800000">
+          <a:off x="0" y="1521586"/>
+          <a:ext cx="7512050" cy="1535850"/>
+        </a:xfrm>
+        <a:prstGeom prst="upArrowCallout">
+          <a:avLst/>
+        </a:prstGeom>
+        <a:solidFill>
+          <a:schemeClr val="accent1">
+            <a:hueOff val="0"/>
+            <a:satOff val="0"/>
+            <a:lumOff val="0"/>
+            <a:alphaOff val="0"/>
+          </a:schemeClr>
+        </a:solidFill>
+        <a:ln w="19050" cap="rnd" cmpd="sng" algn="ctr">
+          <a:solidFill>
+            <a:schemeClr val="lt1">
+              <a:hueOff val="0"/>
+              <a:satOff val="0"/>
+              <a:lumOff val="0"/>
+              <a:alphaOff val="0"/>
+            </a:schemeClr>
+          </a:solidFill>
+          <a:prstDash val="solid"/>
+        </a:ln>
+        <a:effectLst/>
+      </dsp:spPr>
+      <dsp:style>
+        <a:lnRef idx="2">
+          <a:scrgbClr r="0" g="0" b="0"/>
+        </a:lnRef>
+        <a:fillRef idx="1">
+          <a:scrgbClr r="0" g="0" b="0"/>
+        </a:fillRef>
+        <a:effectRef idx="0">
+          <a:scrgbClr r="0" g="0" b="0"/>
+        </a:effectRef>
+        <a:fontRef idx="minor">
+          <a:schemeClr val="lt1"/>
+        </a:fontRef>
+      </dsp:style>
+      <dsp:txBody>
+        <a:bodyPr spcFirstLastPara="0" vert="horz" wrap="square" lIns="135128" tIns="135128" rIns="135128" bIns="135128" numCol="1" spcCol="1270" anchor="ctr" anchorCtr="0">
+          <a:noAutofit/>
+        </a:bodyPr>
+        <a:lstStyle/>
+        <a:p>
+          <a:pPr marL="0" lvl="0" indent="0" algn="ctr" defTabSz="844550">
+            <a:lnSpc>
+              <a:spcPct val="90000"/>
+            </a:lnSpc>
+            <a:spcBef>
+              <a:spcPct val="0"/>
+            </a:spcBef>
+            <a:spcAft>
+              <a:spcPct val="35000"/>
+            </a:spcAft>
+            <a:buNone/>
+          </a:pPr>
+          <a:r>
+            <a:rPr lang="en-US" altLang="zh-CN" sz="1900" kern="1200" dirty="0"/>
+            <a:t>C</a:t>
+          </a:r>
+          <a:r>
+            <a:rPr lang="en-US" altLang="zh-Hans" sz="1900" kern="1200" dirty="0"/>
+            <a:t>alculate</a:t>
+          </a:r>
+          <a:r>
+            <a:rPr lang="zh-Hans" altLang="en-US" sz="1900" kern="1200" dirty="0"/>
+            <a:t> </a:t>
+          </a:r>
+          <a:r>
+            <a:rPr lang="en-US" altLang="zh-Hans" sz="1900" kern="1200" dirty="0"/>
+            <a:t>Contribution</a:t>
+          </a:r>
+          <a:r>
+            <a:rPr lang="zh-Hans" altLang="en-US" sz="1900" kern="1200" dirty="0"/>
+            <a:t> </a:t>
+          </a:r>
+          <a:r>
+            <a:rPr lang="en-US" altLang="zh-Hans" sz="1900" kern="1200" dirty="0"/>
+            <a:t>of</a:t>
+          </a:r>
+          <a:r>
+            <a:rPr lang="zh-Hans" altLang="en-US" sz="1900" kern="1200" dirty="0"/>
+            <a:t> </a:t>
+          </a:r>
+          <a:r>
+            <a:rPr lang="en-US" altLang="zh-Hans" sz="1900" kern="1200" dirty="0"/>
+            <a:t>each</a:t>
+          </a:r>
+          <a:r>
+            <a:rPr lang="zh-Hans" altLang="en-US" sz="1900" kern="1200" dirty="0"/>
+            <a:t> </a:t>
+          </a:r>
+          <a:r>
+            <a:rPr lang="en-US" altLang="zh-Hans" sz="1900" kern="1200" dirty="0"/>
+            <a:t>EC</a:t>
+          </a:r>
+          <a:endParaRPr lang="zh-CN" altLang="en-US" sz="1900" kern="1200" dirty="0"/>
+        </a:p>
+      </dsp:txBody>
+      <dsp:txXfrm rot="-10800000">
+        <a:off x="0" y="1521586"/>
+        <a:ext cx="7512050" cy="539083"/>
+      </dsp:txXfrm>
+    </dsp:sp>
+    <dsp:sp modelId="{E7158353-EEE1-7445-9F18-4FF22E1BF932}">
+      <dsp:nvSpPr>
+        <dsp:cNvPr id="0" name=""/>
+        <dsp:cNvSpPr/>
+      </dsp:nvSpPr>
+      <dsp:spPr>
+        <a:xfrm>
+          <a:off x="0" y="2060669"/>
+          <a:ext cx="3756024" cy="459219"/>
+        </a:xfrm>
+        <a:prstGeom prst="rect">
+          <a:avLst/>
+        </a:prstGeom>
+        <a:solidFill>
+          <a:schemeClr val="accent1">
+            <a:alpha val="90000"/>
+            <a:tint val="40000"/>
+            <a:hueOff val="0"/>
+            <a:satOff val="0"/>
+            <a:lumOff val="0"/>
+            <a:alphaOff val="0"/>
+          </a:schemeClr>
+        </a:solidFill>
+        <a:ln w="19050" cap="rnd" cmpd="sng" algn="ctr">
+          <a:solidFill>
+            <a:schemeClr val="accent1">
+              <a:alpha val="90000"/>
+              <a:tint val="40000"/>
+              <a:hueOff val="0"/>
+              <a:satOff val="0"/>
+              <a:lumOff val="0"/>
+              <a:alphaOff val="0"/>
+            </a:schemeClr>
+          </a:solidFill>
+          <a:prstDash val="solid"/>
+        </a:ln>
+        <a:effectLst/>
+      </dsp:spPr>
+      <dsp:style>
+        <a:lnRef idx="2">
+          <a:scrgbClr r="0" g="0" b="0"/>
+        </a:lnRef>
+        <a:fillRef idx="1">
+          <a:scrgbClr r="0" g="0" b="0"/>
+        </a:fillRef>
+        <a:effectRef idx="0">
+          <a:scrgbClr r="0" g="0" b="0"/>
+        </a:effectRef>
+        <a:fontRef idx="minor"/>
+      </dsp:style>
+      <dsp:txBody>
+        <a:bodyPr spcFirstLastPara="0" vert="horz" wrap="square" lIns="142240" tIns="25400" rIns="142240" bIns="25400" numCol="1" spcCol="1270" anchor="ctr" anchorCtr="0">
+          <a:noAutofit/>
+        </a:bodyPr>
+        <a:lstStyle/>
+        <a:p>
+          <a:pPr marL="0" lvl="0" indent="0" algn="ctr" defTabSz="889000">
+            <a:lnSpc>
+              <a:spcPct val="90000"/>
+            </a:lnSpc>
+            <a:spcBef>
+              <a:spcPct val="0"/>
+            </a:spcBef>
+            <a:spcAft>
+              <a:spcPct val="35000"/>
+            </a:spcAft>
+            <a:buNone/>
+          </a:pPr>
+          <a:r>
+            <a:rPr lang="en-US" altLang="zh-CN" sz="2000" kern="1200" dirty="0"/>
+            <a:t>KCL</a:t>
+          </a:r>
+          <a:r>
+            <a:rPr lang="zh-Hans" altLang="en-US" sz="2000" kern="1200" dirty="0"/>
+            <a:t> </a:t>
+          </a:r>
+          <a:r>
+            <a:rPr lang="en-US" altLang="zh-Hans" sz="2000" kern="1200" dirty="0"/>
+            <a:t>formula</a:t>
+          </a:r>
+          <a:endParaRPr lang="zh-CN" altLang="en-US" sz="2000" kern="1200" dirty="0"/>
+        </a:p>
+      </dsp:txBody>
+      <dsp:txXfrm>
+        <a:off x="0" y="2060669"/>
+        <a:ext cx="3756024" cy="459219"/>
+      </dsp:txXfrm>
+    </dsp:sp>
+    <dsp:sp modelId="{F9897639-247A-E847-95F3-29692A986CBC}">
+      <dsp:nvSpPr>
+        <dsp:cNvPr id="0" name=""/>
+        <dsp:cNvSpPr/>
+      </dsp:nvSpPr>
+      <dsp:spPr>
+        <a:xfrm>
+          <a:off x="3756025" y="2060669"/>
+          <a:ext cx="3756024" cy="459219"/>
+        </a:xfrm>
+        <a:prstGeom prst="rect">
+          <a:avLst/>
+        </a:prstGeom>
+        <a:solidFill>
+          <a:schemeClr val="accent1">
+            <a:alpha val="90000"/>
+            <a:tint val="40000"/>
+            <a:hueOff val="0"/>
+            <a:satOff val="0"/>
+            <a:lumOff val="0"/>
+            <a:alphaOff val="0"/>
+          </a:schemeClr>
+        </a:solidFill>
+        <a:ln w="19050" cap="rnd" cmpd="sng" algn="ctr">
+          <a:solidFill>
+            <a:schemeClr val="accent1">
+              <a:alpha val="90000"/>
+              <a:tint val="40000"/>
+              <a:hueOff val="0"/>
+              <a:satOff val="0"/>
+              <a:lumOff val="0"/>
+              <a:alphaOff val="0"/>
+            </a:schemeClr>
+          </a:solidFill>
+          <a:prstDash val="solid"/>
+        </a:ln>
+        <a:effectLst/>
+      </dsp:spPr>
+      <dsp:style>
+        <a:lnRef idx="2">
+          <a:scrgbClr r="0" g="0" b="0"/>
+        </a:lnRef>
+        <a:fillRef idx="1">
+          <a:scrgbClr r="0" g="0" b="0"/>
+        </a:fillRef>
+        <a:effectRef idx="0">
+          <a:scrgbClr r="0" g="0" b="0"/>
+        </a:effectRef>
+        <a:fontRef idx="minor"/>
+      </dsp:style>
+      <dsp:txBody>
+        <a:bodyPr spcFirstLastPara="0" vert="horz" wrap="square" lIns="142240" tIns="25400" rIns="142240" bIns="25400" numCol="1" spcCol="1270" anchor="ctr" anchorCtr="0">
+          <a:noAutofit/>
+        </a:bodyPr>
+        <a:lstStyle/>
+        <a:p>
+          <a:pPr marL="0" lvl="0" indent="0" algn="ctr" defTabSz="889000">
+            <a:lnSpc>
+              <a:spcPct val="90000"/>
+            </a:lnSpc>
+            <a:spcBef>
+              <a:spcPct val="0"/>
+            </a:spcBef>
+            <a:spcAft>
+              <a:spcPct val="35000"/>
+            </a:spcAft>
+            <a:buNone/>
+          </a:pPr>
+          <a14:m xmlns:a14="http://schemas.microsoft.com/office/drawing/2010/main">
+            <m:oMathPara xmlns:m="http://schemas.openxmlformats.org/officeDocument/2006/math">
+              <m:oMathParaPr>
+                <m:jc m:val="centerGroup"/>
+              </m:oMathParaPr>
+              <m:oMath xmlns:m="http://schemas.openxmlformats.org/officeDocument/2006/math">
+                <m:r>
+                  <a:rPr lang="en-US" altLang="zh-CN" sz="2000" b="0" i="1" kern="1200" dirty="0" smtClean="0">
+                    <a:latin typeface="Cambria Math" panose="02040503050406030204" pitchFamily="18" charset="0"/>
+                  </a:rPr>
+                  <m:t>𝑣</m:t>
+                </m:r>
+                <m:r>
+                  <a:rPr lang="en-US" altLang="zh-CN" sz="2000" b="0" i="1" kern="1200" dirty="0" smtClean="0">
+                    <a:latin typeface="Cambria Math" panose="02040503050406030204" pitchFamily="18" charset="0"/>
+                  </a:rPr>
+                  <m:t>=</m:t>
+                </m:r>
+                <m:sSup>
+                  <m:sSupPr>
+                    <m:ctrlPr>
+                      <a:rPr lang="en-US" altLang="zh-CN" sz="2000" b="0" i="1" kern="1200" dirty="0" smtClean="0">
+                        <a:latin typeface="Cambria Math" panose="02040503050406030204" pitchFamily="18" charset="0"/>
+                      </a:rPr>
+                    </m:ctrlPr>
+                  </m:sSupPr>
+                  <m:e>
+                    <m:r>
+                      <a:rPr lang="en-US" altLang="zh-CN" sz="2000" b="0" i="1" kern="1200" dirty="0" smtClean="0">
+                        <a:latin typeface="Cambria Math" panose="02040503050406030204" pitchFamily="18" charset="0"/>
+                      </a:rPr>
+                      <m:t>𝐺</m:t>
+                    </m:r>
+                  </m:e>
+                  <m:sup>
+                    <m:r>
+                      <a:rPr lang="en-US" altLang="zh-CN" sz="2000" b="0" i="1" kern="1200" dirty="0" smtClean="0">
+                        <a:latin typeface="Cambria Math" panose="02040503050406030204" pitchFamily="18" charset="0"/>
+                      </a:rPr>
+                      <m:t>−1</m:t>
+                    </m:r>
+                  </m:sup>
+                </m:sSup>
+                <m:r>
+                  <a:rPr lang="en-US" altLang="zh-CN" sz="2000" b="0" i="1" kern="1200" dirty="0" smtClean="0">
+                    <a:latin typeface="Cambria Math" panose="02040503050406030204" pitchFamily="18" charset="0"/>
+                    <a:ea typeface="Cambria Math" panose="02040503050406030204" pitchFamily="18" charset="0"/>
+                  </a:rPr>
+                  <m:t>∙</m:t>
+                </m:r>
+                <m:r>
+                  <a:rPr lang="en-US" altLang="zh-CN" sz="2000" b="0" i="1" kern="1200" dirty="0" smtClean="0">
+                    <a:latin typeface="Cambria Math" panose="02040503050406030204" pitchFamily="18" charset="0"/>
+                    <a:ea typeface="Cambria Math" panose="02040503050406030204" pitchFamily="18" charset="0"/>
+                  </a:rPr>
+                  <m:t>𝑖</m:t>
+                </m:r>
+              </m:oMath>
+            </m:oMathPara>
+          </a14:m>
+          <a:endParaRPr lang="zh-CN" altLang="en-US" sz="2000" kern="1200" dirty="0"/>
+        </a:p>
+      </dsp:txBody>
+      <dsp:txXfrm>
+        <a:off x="3756025" y="2060669"/>
+        <a:ext cx="3756024" cy="459219"/>
+      </dsp:txXfrm>
+    </dsp:sp>
+    <dsp:sp modelId="{206D006D-86FF-864A-9C9C-95F27112C077}">
+      <dsp:nvSpPr>
+        <dsp:cNvPr id="0" name=""/>
+        <dsp:cNvSpPr/>
+      </dsp:nvSpPr>
+      <dsp:spPr>
+        <a:xfrm rot="10800000">
+          <a:off x="0" y="714"/>
+          <a:ext cx="7512050" cy="1535850"/>
+        </a:xfrm>
+        <a:prstGeom prst="upArrowCallout">
+          <a:avLst/>
+        </a:prstGeom>
+        <a:solidFill>
+          <a:schemeClr val="accent1">
+            <a:hueOff val="0"/>
+            <a:satOff val="0"/>
+            <a:lumOff val="0"/>
+            <a:alphaOff val="0"/>
+          </a:schemeClr>
+        </a:solidFill>
+        <a:ln w="19050" cap="rnd" cmpd="sng" algn="ctr">
+          <a:solidFill>
+            <a:schemeClr val="lt1">
+              <a:hueOff val="0"/>
+              <a:satOff val="0"/>
+              <a:lumOff val="0"/>
+              <a:alphaOff val="0"/>
+            </a:schemeClr>
+          </a:solidFill>
+          <a:prstDash val="solid"/>
+        </a:ln>
+        <a:effectLst/>
+      </dsp:spPr>
+      <dsp:style>
+        <a:lnRef idx="2">
+          <a:scrgbClr r="0" g="0" b="0"/>
+        </a:lnRef>
+        <a:fillRef idx="1">
+          <a:scrgbClr r="0" g="0" b="0"/>
+        </a:fillRef>
+        <a:effectRef idx="0">
+          <a:scrgbClr r="0" g="0" b="0"/>
+        </a:effectRef>
+        <a:fontRef idx="minor">
+          <a:schemeClr val="lt1"/>
+        </a:fontRef>
+      </dsp:style>
+      <dsp:txBody>
+        <a:bodyPr spcFirstLastPara="0" vert="horz" wrap="square" lIns="135128" tIns="135128" rIns="135128" bIns="135128" numCol="1" spcCol="1270" anchor="ctr" anchorCtr="0">
+          <a:noAutofit/>
+        </a:bodyPr>
+        <a:lstStyle/>
+        <a:p>
+          <a:pPr marL="0" lvl="0" indent="0" algn="ctr" defTabSz="844550">
+            <a:lnSpc>
+              <a:spcPct val="90000"/>
+            </a:lnSpc>
+            <a:spcBef>
+              <a:spcPct val="0"/>
+            </a:spcBef>
+            <a:spcAft>
+              <a:spcPct val="35000"/>
+            </a:spcAft>
+            <a:buNone/>
+          </a:pPr>
+          <a:r>
+            <a:rPr lang="en-US" altLang="zh-CN" sz="1900" kern="1200" dirty="0"/>
+            <a:t>M</a:t>
+          </a:r>
+          <a:r>
+            <a:rPr lang="en-US" altLang="zh-Hans" sz="1900" kern="1200" dirty="0"/>
+            <a:t>aintain</a:t>
+          </a:r>
+          <a:r>
+            <a:rPr lang="zh-Hans" altLang="en-US" sz="1900" kern="1200" dirty="0"/>
+            <a:t> </a:t>
+          </a:r>
+          <a:r>
+            <a:rPr lang="en-US" altLang="zh-Hans" sz="1900" kern="1200" dirty="0"/>
+            <a:t>Connection</a:t>
+          </a:r>
+          <a:r>
+            <a:rPr lang="zh-Hans" altLang="en-US" sz="1900" kern="1200" dirty="0"/>
+            <a:t> </a:t>
+          </a:r>
+          <a:r>
+            <a:rPr lang="en-US" altLang="zh-Hans" sz="1900" kern="1200" dirty="0"/>
+            <a:t>Graph</a:t>
+          </a:r>
+          <a:endParaRPr lang="zh-CN" altLang="en-US" sz="1900" kern="1200" dirty="0"/>
+        </a:p>
+      </dsp:txBody>
+      <dsp:txXfrm rot="-10800000">
+        <a:off x="0" y="714"/>
+        <a:ext cx="7512050" cy="539083"/>
+      </dsp:txXfrm>
+    </dsp:sp>
+    <dsp:sp modelId="{378F6DC8-9B30-6D42-9F04-3D3EF3C07DFC}">
+      <dsp:nvSpPr>
+        <dsp:cNvPr id="0" name=""/>
+        <dsp:cNvSpPr/>
+      </dsp:nvSpPr>
+      <dsp:spPr>
+        <a:xfrm>
+          <a:off x="0" y="539798"/>
+          <a:ext cx="3756024" cy="459219"/>
+        </a:xfrm>
+        <a:prstGeom prst="rect">
+          <a:avLst/>
+        </a:prstGeom>
+        <a:solidFill>
+          <a:schemeClr val="accent1">
+            <a:alpha val="90000"/>
+            <a:tint val="40000"/>
+            <a:hueOff val="0"/>
+            <a:satOff val="0"/>
+            <a:lumOff val="0"/>
+            <a:alphaOff val="0"/>
+          </a:schemeClr>
+        </a:solidFill>
+        <a:ln w="19050" cap="rnd" cmpd="sng" algn="ctr">
+          <a:solidFill>
+            <a:schemeClr val="accent1">
+              <a:alpha val="90000"/>
+              <a:tint val="40000"/>
+              <a:hueOff val="0"/>
+              <a:satOff val="0"/>
+              <a:lumOff val="0"/>
+              <a:alphaOff val="0"/>
+            </a:schemeClr>
+          </a:solidFill>
+          <a:prstDash val="solid"/>
+        </a:ln>
+        <a:effectLst/>
+      </dsp:spPr>
+      <dsp:style>
+        <a:lnRef idx="2">
+          <a:scrgbClr r="0" g="0" b="0"/>
+        </a:lnRef>
+        <a:fillRef idx="1">
+          <a:scrgbClr r="0" g="0" b="0"/>
+        </a:fillRef>
+        <a:effectRef idx="0">
+          <a:scrgbClr r="0" g="0" b="0"/>
+        </a:effectRef>
+        <a:fontRef idx="minor"/>
+      </dsp:style>
+      <dsp:txBody>
+        <a:bodyPr spcFirstLastPara="0" vert="horz" wrap="square" lIns="142240" tIns="25400" rIns="142240" bIns="25400" numCol="1" spcCol="1270" anchor="ctr" anchorCtr="0">
+          <a:noAutofit/>
+        </a:bodyPr>
+        <a:lstStyle/>
+        <a:p>
+          <a:pPr marL="0" lvl="0" indent="0" algn="ctr" defTabSz="889000">
+            <a:lnSpc>
+              <a:spcPct val="90000"/>
+            </a:lnSpc>
+            <a:spcBef>
+              <a:spcPct val="0"/>
+            </a:spcBef>
+            <a:spcAft>
+              <a:spcPct val="35000"/>
+            </a:spcAft>
+            <a:buNone/>
+          </a:pPr>
+          <a:r>
+            <a:rPr lang="en-US" altLang="zh-Hans" sz="2000" kern="1200" dirty="0"/>
+            <a:t>Add/Delete</a:t>
+          </a:r>
+          <a:endParaRPr lang="zh-CN" altLang="en-US" sz="2000" kern="1200" dirty="0"/>
+        </a:p>
+      </dsp:txBody>
+      <dsp:txXfrm>
+        <a:off x="0" y="539798"/>
+        <a:ext cx="3756024" cy="459219"/>
+      </dsp:txXfrm>
+    </dsp:sp>
+    <dsp:sp modelId="{A7412B8C-9A97-CA47-B699-054AB079D743}">
+      <dsp:nvSpPr>
+        <dsp:cNvPr id="0" name=""/>
+        <dsp:cNvSpPr/>
+      </dsp:nvSpPr>
+      <dsp:spPr>
+        <a:xfrm>
+          <a:off x="3756025" y="539798"/>
+          <a:ext cx="3756024" cy="459219"/>
+        </a:xfrm>
+        <a:prstGeom prst="rect">
+          <a:avLst/>
+        </a:prstGeom>
+        <a:solidFill>
+          <a:schemeClr val="accent1">
+            <a:alpha val="90000"/>
+            <a:tint val="40000"/>
+            <a:hueOff val="0"/>
+            <a:satOff val="0"/>
+            <a:lumOff val="0"/>
+            <a:alphaOff val="0"/>
+          </a:schemeClr>
+        </a:solidFill>
+        <a:ln w="19050" cap="rnd" cmpd="sng" algn="ctr">
+          <a:solidFill>
+            <a:schemeClr val="accent1">
+              <a:alpha val="90000"/>
+              <a:tint val="40000"/>
+              <a:hueOff val="0"/>
+              <a:satOff val="0"/>
+              <a:lumOff val="0"/>
+              <a:alphaOff val="0"/>
+            </a:schemeClr>
+          </a:solidFill>
+          <a:prstDash val="solid"/>
+        </a:ln>
+        <a:effectLst/>
+      </dsp:spPr>
+      <dsp:style>
+        <a:lnRef idx="2">
+          <a:scrgbClr r="0" g="0" b="0"/>
+        </a:lnRef>
+        <a:fillRef idx="1">
+          <a:scrgbClr r="0" g="0" b="0"/>
+        </a:fillRef>
+        <a:effectRef idx="0">
+          <a:scrgbClr r="0" g="0" b="0"/>
+        </a:effectRef>
+        <a:fontRef idx="minor"/>
+      </dsp:style>
+      <dsp:txBody>
+        <a:bodyPr spcFirstLastPara="0" vert="horz" wrap="square" lIns="142240" tIns="25400" rIns="142240" bIns="25400" numCol="1" spcCol="1270" anchor="ctr" anchorCtr="0">
+          <a:noAutofit/>
+        </a:bodyPr>
+        <a:lstStyle/>
+        <a:p>
+          <a:pPr marL="0" lvl="0" indent="0" algn="ctr" defTabSz="889000">
+            <a:lnSpc>
+              <a:spcPct val="90000"/>
+            </a:lnSpc>
+            <a:spcBef>
+              <a:spcPct val="0"/>
+            </a:spcBef>
+            <a:spcAft>
+              <a:spcPct val="35000"/>
+            </a:spcAft>
+            <a:buNone/>
+          </a:pPr>
+          <a:r>
+            <a:rPr lang="en-US" altLang="zh-Hans" sz="2000" kern="1200" dirty="0"/>
+            <a:t>Link/Unlink</a:t>
+          </a:r>
+          <a:endParaRPr lang="zh-CN" altLang="en-US" sz="2000" kern="1200" dirty="0"/>
+        </a:p>
+      </dsp:txBody>
+      <dsp:txXfrm>
+        <a:off x="3756025" y="539798"/>
+        <a:ext cx="3756024" cy="459219"/>
+      </dsp:txXfrm>
+    </dsp:sp>
+  </dsp:spTree>
+</dsp:drawing>
+</file>
+
+<file path=ppt/diagrams/layout1.xml><?xml version="1.0" encoding="utf-8"?>
+<dgm:layoutDef xmlns:dgm="http://schemas.openxmlformats.org/drawingml/2006/diagram" xmlns:a="http://schemas.openxmlformats.org/drawingml/2006/main" uniqueId="urn:microsoft.com/office/officeart/2005/8/layout/process4">
+  <dgm:title val=""/>
+  <dgm:desc val=""/>
+  <dgm:catLst>
+    <dgm:cat type="process" pri="16000"/>
+    <dgm:cat type="list" pri="20000"/>
+  </dgm:catLst>
+  <dgm:sampData>
+    <dgm:dataModel>
+      <dgm:ptLst>
+        <dgm:pt modelId="0" type="doc"/>
+        <dgm:pt modelId="1">
+          <dgm:prSet phldr="1"/>
+        </dgm:pt>
+        <dgm:pt modelId="11">
+          <dgm:prSet phldr="1"/>
+        </dgm:pt>
+        <dgm:pt modelId="12">
+          <dgm:prSet phldr="1"/>
+        </dgm:pt>
+        <dgm:pt modelId="2">
+          <dgm:prSet phldr="1"/>
+        </dgm:pt>
+        <dgm:pt modelId="21">
+          <dgm:prSet phldr="1"/>
+        </dgm:pt>
+        <dgm:pt modelId="22">
+          <dgm:prSet phldr="1"/>
+        </dgm:pt>
+        <dgm:pt modelId="3">
+          <dgm:prSet phldr="1"/>
+        </dgm:pt>
+        <dgm:pt modelId="31">
+          <dgm:prSet phldr="1"/>
+        </dgm:pt>
+        <dgm:pt modelId="32">
+          <dgm:prSet phldr="1"/>
+        </dgm:pt>
+      </dgm:ptLst>
+      <dgm:cxnLst>
+        <dgm:cxn modelId="4" srcId="0" destId="1" srcOrd="0" destOrd="0"/>
+        <dgm:cxn modelId="5" srcId="0" destId="2" srcOrd="1" destOrd="0"/>
+        <dgm:cxn modelId="6" srcId="0" destId="3" srcOrd="2" destOrd="0"/>
+        <dgm:cxn modelId="13" srcId="1" destId="11" srcOrd="0" destOrd="0"/>
+        <dgm:cxn modelId="14" srcId="1" destId="12" srcOrd="1" destOrd="0"/>
+        <dgm:cxn modelId="23" srcId="2" destId="21" srcOrd="0" destOrd="0"/>
+        <dgm:cxn modelId="24" srcId="2" destId="22" srcOrd="1" destOrd="0"/>
+        <dgm:cxn modelId="33" srcId="3" destId="31" srcOrd="0" destOrd="0"/>
+        <dgm:cxn modelId="34" srcId="3" destId="32" srcOrd="1" destOrd="0"/>
+      </dgm:cxnLst>
+      <dgm:bg/>
+      <dgm:whole/>
+    </dgm:dataModel>
+  </dgm:sampData>
+  <dgm:styleData>
+    <dgm:dataModel>
+      <dgm:ptLst>
+        <dgm:pt modelId="0" type="doc"/>
+        <dgm:pt modelId="1"/>
+        <dgm:pt modelId="11"/>
+        <dgm:pt modelId="2"/>
+        <dgm:pt modelId="21"/>
+      </dgm:ptLst>
+      <dgm:cxnLst>
+        <dgm:cxn modelId="4" srcId="0" destId="1" srcOrd="0" destOrd="0"/>
+        <dgm:cxn modelId="5" srcId="0" destId="2" srcOrd="1" destOrd="0"/>
+        <dgm:cxn modelId="13" srcId="1" destId="11" srcOrd="0" destOrd="0"/>
+        <dgm:cxn modelId="23" srcId="2" destId="21" srcOrd="0" destOrd="0"/>
+      </dgm:cxnLst>
+      <dgm:bg/>
+      <dgm:whole/>
+    </dgm:dataModel>
+  </dgm:styleData>
+  <dgm:clrData>
+    <dgm:dataModel>
+      <dgm:ptLst>
+        <dgm:pt modelId="0" type="doc"/>
+        <dgm:pt modelId="1"/>
+        <dgm:pt modelId="11"/>
+        <dgm:pt modelId="2"/>
+        <dgm:pt modelId="21"/>
+        <dgm:pt modelId="3"/>
+        <dgm:pt modelId="31"/>
+        <dgm:pt modelId="4"/>
+        <dgm:pt modelId="41"/>
+      </dgm:ptLst>
+      <dgm:cxnLst>
+        <dgm:cxn modelId="5" srcId="0" destId="1" srcOrd="0" destOrd="0"/>
+        <dgm:cxn modelId="6" srcId="0" destId="2" srcOrd="1" destOrd="0"/>
+        <dgm:cxn modelId="7" srcId="0" destId="3" srcOrd="2" destOrd="0"/>
+        <dgm:cxn modelId="8" srcId="0" destId="4" srcOrd="3" destOrd="0"/>
+        <dgm:cxn modelId="13" srcId="1" destId="11" srcOrd="0" destOrd="0"/>
+        <dgm:cxn modelId="23" srcId="2" destId="21" srcOrd="0" destOrd="0"/>
+        <dgm:cxn modelId="33" srcId="3" destId="31" srcOrd="0" destOrd="0"/>
+        <dgm:cxn modelId="43" srcId="4" destId="41" srcOrd="0" destOrd="0"/>
+      </dgm:cxnLst>
+      <dgm:bg/>
+      <dgm:whole/>
+    </dgm:dataModel>
+  </dgm:clrData>
+  <dgm:layoutNode name="Name0">
+    <dgm:varLst>
+      <dgm:dir/>
+      <dgm:animLvl val="lvl"/>
+      <dgm:resizeHandles val="exact"/>
+    </dgm:varLst>
+    <dgm:alg type="lin">
+      <dgm:param type="linDir" val="fromB"/>
+    </dgm:alg>
+    <dgm:shape xmlns:r="http://schemas.openxmlformats.org/officeDocument/2006/relationships" r:blip="">
+      <dgm:adjLst/>
+    </dgm:shape>
+    <dgm:presOf/>
+    <dgm:constrLst>
+      <dgm:constr type="h" for="ch" forName="boxAndChildren" refType="h"/>
+      <dgm:constr type="h" for="ch" forName="arrowAndChildren" refType="h" refFor="ch" refForName="boxAndChildren" op="equ" fact="1.538"/>
+      <dgm:constr type="w" for="ch" forName="arrowAndChildren" refType="w"/>
+      <dgm:constr type="w" for="ch" forName="boxAndChildren" refType="w"/>
+      <dgm:constr type="h" for="ch" forName="sp" refType="h" fact="-0.015"/>
+      <dgm:constr type="primFontSz" for="des" forName="parentTextBox" val="65"/>
+      <dgm:constr type="primFontSz" for="des" forName="parentTextArrow" refType="primFontSz" refFor="des" refForName="parentTextBox" op="equ"/>
+      <dgm:constr type="primFontSz" for="des" forName="childTextArrow" val="65"/>
+      <dgm:constr type="primFontSz" for="des" forName="childTextBox" refType="primFontSz" refFor="des" refForName="childTextArrow" op="equ"/>
+    </dgm:constrLst>
+    <dgm:ruleLst/>
+    <dgm:forEach name="Name1" axis="ch" ptType="node" st="-1" step="-1">
+      <dgm:choose name="Name2">
+        <dgm:if name="Name3" axis="self" ptType="node" func="revPos" op="equ" val="1">
+          <dgm:layoutNode name="boxAndChildren">
+            <dgm:alg type="composite"/>
+            <dgm:shape xmlns:r="http://schemas.openxmlformats.org/officeDocument/2006/relationships" r:blip="">
+              <dgm:adjLst/>
+            </dgm:shape>
+            <dgm:presOf/>
+            <dgm:choose name="Name4">
+              <dgm:if name="Name5" axis="ch" ptType="node" func="cnt" op="gte" val="1">
+                <dgm:constrLst>
+                  <dgm:constr type="w" for="ch" forName="parentTextBox" refType="w"/>
+                  <dgm:constr type="h" for="ch" forName="parentTextBox" refType="h" fact="0.54"/>
+                  <dgm:constr type="t" for="ch" forName="parentTextBox"/>
+                  <dgm:constr type="w" for="ch" forName="entireBox" refType="w"/>
+                  <dgm:constr type="h" for="ch" forName="entireBox" refType="h"/>
+                  <dgm:constr type="w" for="ch" forName="descendantBox" refType="w"/>
+                  <dgm:constr type="b" for="ch" forName="descendantBox" refType="h" fact="0.98"/>
+                  <dgm:constr type="h" for="ch" forName="descendantBox" refType="h" fact="0.46"/>
+                </dgm:constrLst>
+              </dgm:if>
+              <dgm:else name="Name6">
+                <dgm:constrLst>
+                  <dgm:constr type="w" for="ch" forName="parentTextBox" refType="w"/>
+                  <dgm:constr type="h" for="ch" forName="parentTextBox" refType="h"/>
+                </dgm:constrLst>
+              </dgm:else>
+            </dgm:choose>
+            <dgm:ruleLst/>
+            <dgm:layoutNode name="parentTextBox">
+              <dgm:alg type="tx"/>
+              <dgm:choose name="Name7">
+                <dgm:if name="Name8" axis="ch" ptType="node" func="cnt" op="gte" val="1">
+                  <dgm:shape xmlns:r="http://schemas.openxmlformats.org/officeDocument/2006/relationships" type="rect" r:blip="" zOrderOff="1" hideGeom="1">
+                    <dgm:adjLst/>
+                  </dgm:shape>
+                </dgm:if>
+                <dgm:else name="Name9">
+                  <dgm:shape xmlns:r="http://schemas.openxmlformats.org/officeDocument/2006/relationships" type="rect" r:blip="">
+                    <dgm:adjLst/>
+                  </dgm:shape>
+                </dgm:else>
+              </dgm:choose>
+              <dgm:presOf axis="self"/>
+              <dgm:constrLst/>
+              <dgm:ruleLst>
+                <dgm:rule type="primFontSz" val="5" fact="NaN" max="NaN"/>
+              </dgm:ruleLst>
+            </dgm:layoutNode>
+            <dgm:choose name="Name10">
+              <dgm:if name="Name11" axis="ch" ptType="node" func="cnt" op="gte" val="1">
+                <dgm:layoutNode name="entireBox">
+                  <dgm:alg type="sp"/>
+                  <dgm:shape xmlns:r="http://schemas.openxmlformats.org/officeDocument/2006/relationships" type="rect" r:blip="">
+                    <dgm:adjLst/>
+                  </dgm:shape>
+                  <dgm:presOf axis="self"/>
+                  <dgm:constrLst/>
+                  <dgm:ruleLst/>
+                </dgm:layoutNode>
+                <dgm:layoutNode name="descendantBox" styleLbl="fgAccFollowNode1">
+                  <dgm:choose name="Name12">
+                    <dgm:if name="Name13" func="var" arg="dir" op="equ" val="norm">
+                      <dgm:alg type="lin"/>
+                    </dgm:if>
+                    <dgm:else name="Name14">
+                      <dgm:alg type="lin">
+                        <dgm:param type="linDir" val="fromR"/>
+                      </dgm:alg>
+                    </dgm:else>
+                  </dgm:choose>
+                  <dgm:shape xmlns:r="http://schemas.openxmlformats.org/officeDocument/2006/relationships" r:blip="">
+                    <dgm:adjLst/>
+                  </dgm:shape>
+                  <dgm:presOf/>
+                  <dgm:constrLst>
+                    <dgm:constr type="w" for="ch" forName="childTextBox" refType="w"/>
+                    <dgm:constr type="h" for="ch" forName="childTextBox" refType="h"/>
+                  </dgm:constrLst>
+                  <dgm:ruleLst/>
+                  <dgm:forEach name="Name15" axis="ch" ptType="node">
+                    <dgm:layoutNode name="childTextBox" styleLbl="fgAccFollowNode1">
+                      <dgm:varLst>
+                        <dgm:bulletEnabled val="1"/>
+                      </dgm:varLst>
+                      <dgm:alg type="tx"/>
+                      <dgm:shape xmlns:r="http://schemas.openxmlformats.org/officeDocument/2006/relationships" type="rect" r:blip="">
+                        <dgm:adjLst/>
+                      </dgm:shape>
+                      <dgm:presOf axis="desOrSelf" ptType="node"/>
+                      <dgm:constrLst>
+                        <dgm:constr type="tMarg" refType="primFontSz" fact="0.1"/>
+                        <dgm:constr type="bMarg" refType="primFontSz" fact="0.1"/>
+                      </dgm:constrLst>
+                      <dgm:ruleLst>
+                        <dgm:rule type="primFontSz" val="5" fact="NaN" max="NaN"/>
+                      </dgm:ruleLst>
+                    </dgm:layoutNode>
+                  </dgm:forEach>
+                </dgm:layoutNode>
+              </dgm:if>
+              <dgm:else name="Name16"/>
+            </dgm:choose>
+          </dgm:layoutNode>
+        </dgm:if>
+        <dgm:else name="Name17">
+          <dgm:layoutNode name="arrowAndChildren">
+            <dgm:alg type="composite"/>
+            <dgm:shape xmlns:r="http://schemas.openxmlformats.org/officeDocument/2006/relationships" r:blip="">
+              <dgm:adjLst/>
+            </dgm:shape>
+            <dgm:presOf/>
+            <dgm:choose name="Name18">
+              <dgm:if name="Name19" axis="ch" ptType="node" func="cnt" op="gte" val="1">
+                <dgm:constrLst>
+                  <dgm:constr type="w" for="ch" forName="parentTextArrow" refType="w"/>
+                  <dgm:constr type="t" for="ch" forName="parentTextArrow"/>
+                  <dgm:constr type="h" for="ch" forName="parentTextArrow" refType="h" fact="0.351"/>
+                  <dgm:constr type="w" for="ch" forName="arrow" refType="w"/>
+                  <dgm:constr type="h" for="ch" forName="arrow" refType="h"/>
+                  <dgm:constr type="w" for="ch" forName="descendantArrow" refType="w"/>
+                  <dgm:constr type="b" for="ch" forName="descendantArrow" refType="h" fact="0.65"/>
+                  <dgm:constr type="h" for="ch" forName="descendantArrow" refType="h" fact="0.299"/>
+                </dgm:constrLst>
+              </dgm:if>
+              <dgm:else name="Name20">
+                <dgm:constrLst>
+                  <dgm:constr type="w" for="ch" forName="parentTextArrow" refType="w"/>
+                  <dgm:constr type="h" for="ch" forName="parentTextArrow" refType="h"/>
+                </dgm:constrLst>
+              </dgm:else>
+            </dgm:choose>
+            <dgm:ruleLst/>
+            <dgm:layoutNode name="parentTextArrow">
+              <dgm:alg type="tx"/>
+              <dgm:choose name="Name21">
+                <dgm:if name="Name22" axis="ch" ptType="node" func="cnt" op="gte" val="1">
+                  <dgm:shape xmlns:r="http://schemas.openxmlformats.org/officeDocument/2006/relationships" type="rect" r:blip="" zOrderOff="1" hideGeom="1">
+                    <dgm:adjLst/>
+                  </dgm:shape>
+                </dgm:if>
+                <dgm:else name="Name23">
+                  <dgm:shape xmlns:r="http://schemas.openxmlformats.org/officeDocument/2006/relationships" rot="180" type="upArrowCallout" r:blip="">
+                    <dgm:adjLst/>
+                  </dgm:shape>
+                </dgm:else>
+              </dgm:choose>
+              <dgm:presOf axis="self"/>
+              <dgm:constrLst/>
+              <dgm:ruleLst>
+                <dgm:rule type="primFontSz" val="5" fact="NaN" max="NaN"/>
+              </dgm:ruleLst>
+            </dgm:layoutNode>
+            <dgm:choose name="Name24">
+              <dgm:if name="Name25" axis="ch" ptType="node" func="cnt" op="gte" val="1">
+                <dgm:layoutNode name="arrow">
+                  <dgm:alg type="sp"/>
+                  <dgm:shape xmlns:r="http://schemas.openxmlformats.org/officeDocument/2006/relationships" rot="180" type="upArrowCallout" r:blip="">
+                    <dgm:adjLst/>
+                  </dgm:shape>
+                  <dgm:presOf axis="self"/>
+                  <dgm:constrLst/>
+                  <dgm:ruleLst/>
+                </dgm:layoutNode>
+                <dgm:layoutNode name="descendantArrow">
+                  <dgm:choose name="Name26">
+                    <dgm:if name="Name27" func="var" arg="dir" op="equ" val="norm">
+                      <dgm:alg type="lin"/>
+                    </dgm:if>
+                    <dgm:else name="Name28">
+                      <dgm:alg type="lin">
+                        <dgm:param type="linDir" val="fromR"/>
+                      </dgm:alg>
+                    </dgm:else>
+                  </dgm:choose>
+                  <dgm:shape xmlns:r="http://schemas.openxmlformats.org/officeDocument/2006/relationships" r:blip="">
+                    <dgm:adjLst/>
+                  </dgm:shape>
+                  <dgm:presOf/>
+                  <dgm:constrLst>
+                    <dgm:constr type="w" for="ch" forName="childTextArrow" refType="w"/>
+                    <dgm:constr type="h" for="ch" forName="childTextArrow" refType="h"/>
+                  </dgm:constrLst>
+                  <dgm:ruleLst/>
+                  <dgm:forEach name="Name29" axis="ch" ptType="node">
+                    <dgm:layoutNode name="childTextArrow" styleLbl="fgAccFollowNode1">
+                      <dgm:varLst>
+                        <dgm:bulletEnabled val="1"/>
+                      </dgm:varLst>
+                      <dgm:alg type="tx"/>
+                      <dgm:shape xmlns:r="http://schemas.openxmlformats.org/officeDocument/2006/relationships" type="rect" r:blip="">
+                        <dgm:adjLst/>
+                      </dgm:shape>
+                      <dgm:presOf axis="desOrSelf" ptType="node"/>
+                      <dgm:constrLst>
+                        <dgm:constr type="tMarg" refType="primFontSz" fact="0.1"/>
+                        <dgm:constr type="bMarg" refType="primFontSz" fact="0.1"/>
+                      </dgm:constrLst>
+                      <dgm:ruleLst>
+                        <dgm:rule type="primFontSz" val="5" fact="NaN" max="NaN"/>
+                      </dgm:ruleLst>
+                    </dgm:layoutNode>
+                  </dgm:forEach>
+                </dgm:layoutNode>
+              </dgm:if>
+              <dgm:else name="Name30"/>
+            </dgm:choose>
+          </dgm:layoutNode>
+        </dgm:else>
+      </dgm:choose>
+      <dgm:forEach name="Name31" axis="precedSib" ptType="sibTrans" st="-1" cnt="1">
+        <dgm:layoutNode name="sp">
+          <dgm:alg type="sp"/>
+          <dgm:shape xmlns:r="http://schemas.openxmlformats.org/officeDocument/2006/relationships" r:blip="">
+            <dgm:adjLst/>
+          </dgm:shape>
+          <dgm:presOf axis="self"/>
+          <dgm:constrLst/>
+          <dgm:ruleLst/>
+        </dgm:layoutNode>
+      </dgm:forEach>
+    </dgm:forEach>
+  </dgm:layoutNode>
+</dgm:layoutDef>
+</file>
+
+<file path=ppt/diagrams/quickStyle1.xml><?xml version="1.0" encoding="utf-8"?>
+<dgm:styleDef xmlns:dgm="http://schemas.openxmlformats.org/drawingml/2006/diagram" xmlns:a="http://schemas.openxmlformats.org/drawingml/2006/main" uniqueId="urn:microsoft.com/office/officeart/2005/8/quickstyle/simple1">
+  <dgm:title val=""/>
+  <dgm:desc val=""/>
+  <dgm:catLst>
+    <dgm:cat type="simple" pri="10100"/>
+  </dgm:catLst>
+  <dgm:scene3d>
+    <a:camera prst="orthographicFront"/>
+    <a:lightRig rig="threePt" dir="t"/>
+  </dgm:scene3d>
+  <dgm:styleLbl name="node0">
+    <dgm:scene3d>
+      <a:camera prst="orthographicFront"/>
+      <a:lightRig rig="threePt" dir="t"/>
+    </dgm:scene3d>
+    <dgm:sp3d/>
+    <dgm:txPr/>
+    <dgm:style>
+      <a:lnRef idx="2">
+        <a:scrgbClr r="0" g="0" b="0"/>
+      </a:lnRef>
+      <a:fillRef idx="1">
+        <a:scrgbClr r="0" g="0" b="0"/>
+      </a:fillRef>
+      <a:effectRef idx="0">
+        <a:scrgbClr r="0" g="0" b="0"/>
+      </a:effectRef>
+      <a:fontRef idx="minor">
+        <a:schemeClr val="lt1"/>
+      </a:fontRef>
+    </dgm:style>
+  </dgm:styleLbl>
+  <dgm:styleLbl name="lnNode1">
+    <dgm:scene3d>
+      <a:camera prst="orthographicFront"/>
+      <a:lightRig rig="threePt" dir="t"/>
+    </dgm:scene3d>
+    <dgm:sp3d/>
+    <dgm:txPr/>
+    <dgm:style>
+      <a:lnRef idx="2">
+        <a:scrgbClr r="0" g="0" b="0"/>
+      </a:lnRef>
+      <a:fillRef idx="1">
+        <a:scrgbClr r="0" g="0" b="0"/>
+      </a:fillRef>
+      <a:effectRef idx="0">
+        <a:scrgbClr r="0" g="0" b="0"/>
+      </a:effectRef>
+      <a:fontRef idx="minor">
+        <a:schemeClr val="lt1"/>
+      </a:fontRef>
+    </dgm:style>
+  </dgm:styleLbl>
+  <dgm:styleLbl name="vennNode1">
+    <dgm:scene3d>
+      <a:camera prst="orthographicFront"/>
+      <a:lightRig rig="threePt" dir="t"/>
+    </dgm:scene3d>
+    <dgm:sp3d/>
+    <dgm:txPr/>
+    <dgm:style>
+      <a:lnRef idx="2">
+        <a:scrgbClr r="0" g="0" b="0"/>
+      </a:lnRef>
+      <a:fillRef idx="1">
+        <a:scrgbClr r="0" g="0" b="0"/>
+      </a:fillRef>
+      <a:effectRef idx="0">
+        <a:scrgbClr r="0" g="0" b="0"/>
+      </a:effectRef>
+      <a:fontRef idx="minor">
+        <a:schemeClr val="tx1"/>
+      </a:fontRef>
+    </dgm:style>
+  </dgm:styleLbl>
+  <dgm:styleLbl name="alignNode1">
+    <dgm:scene3d>
+      <a:camera prst="orthographicFront"/>
+      <a:lightRig rig="threePt" dir="t"/>
+    </dgm:scene3d>
+    <dgm:sp3d/>
+    <dgm:txPr/>
+    <dgm:style>
+      <a:lnRef idx="2">
+        <a:scrgbClr r="0" g="0" b="0"/>
+      </a:lnRef>
+      <a:fillRef idx="1">
+        <a:scrgbClr r="0" g="0" b="0"/>
+      </a:fillRef>
+      <a:effectRef idx="0">
+        <a:scrgbClr r="0" g="0" b="0"/>
+      </a:effectRef>
+      <a:fontRef idx="minor">
+        <a:schemeClr val="lt1"/>
+      </a:fontRef>
+    </dgm:style>
+  </dgm:styleLbl>
+  <dgm:styleLbl name="node1">
+    <dgm:scene3d>
+      <a:camera prst="orthographicFront"/>
+      <a:lightRig rig="threePt" dir="t"/>
+    </dgm:scene3d>
+    <dgm:sp3d/>
+    <dgm:txPr/>
+    <dgm:style>
+      <a:lnRef idx="2">
+        <a:scrgbClr r="0" g="0" b="0"/>
+      </a:lnRef>
+      <a:fillRef idx="1">
+        <a:scrgbClr r="0" g="0" b="0"/>
+      </a:fillRef>
+      <a:effectRef idx="0">
+        <a:scrgbClr r="0" g="0" b="0"/>
+      </a:effectRef>
+      <a:fontRef idx="minor">
+        <a:schemeClr val="lt1"/>
+      </a:fontRef>
+    </dgm:style>
+  </dgm:styleLbl>
+  <dgm:styleLbl name="node2">
+    <dgm:scene3d>
+      <a:camera prst="orthographicFront"/>
+      <a:lightRig rig="threePt" dir="t"/>
+    </dgm:scene3d>
+    <dgm:sp3d/>
+    <dgm:txPr/>
+    <dgm:style>
+      <a:lnRef idx="2">
+        <a:scrgbClr r="0" g="0" b="0"/>
+      </a:lnRef>
+      <a:fillRef idx="1">
+        <a:scrgbClr r="0" g="0" b="0"/>
+      </a:fillRef>
+      <a:effectRef idx="0">
+        <a:scrgbClr r="0" g="0" b="0"/>
+      </a:effectRef>
+      <a:fontRef idx="minor">
+        <a:schemeClr val="lt1"/>
+      </a:fontRef>
+    </dgm:style>
+  </dgm:styleLbl>
+  <dgm:styleLbl name="node3">
+    <dgm:scene3d>
+      <a:camera prst="orthographicFront"/>
+      <a:lightRig rig="threePt" dir="t"/>
+    </dgm:scene3d>
+    <dgm:sp3d/>
+    <dgm:txPr/>
+    <dgm:style>
+      <a:lnRef idx="2">
+        <a:scrgbClr r="0" g="0" b="0"/>
+      </a:lnRef>
+      <a:fillRef idx="1">
+        <a:scrgbClr r="0" g="0" b="0"/>
+      </a:fillRef>
+      <a:effectRef idx="0">
+        <a:scrgbClr r="0" g="0" b="0"/>
+      </a:effectRef>
+      <a:fontRef idx="minor">
+        <a:schemeClr val="lt1"/>
+      </a:fontRef>
+    </dgm:style>
+  </dgm:styleLbl>
+  <dgm:styleLbl name="node4">
+    <dgm:scene3d>
+      <a:camera prst="orthographicFront"/>
+      <a:lightRig rig="threePt" dir="t"/>
+    </dgm:scene3d>
+    <dgm:sp3d/>
+    <dgm:txPr/>
+    <dgm:style>
+      <a:lnRef idx="2">
+        <a:scrgbClr r="0" g="0" b="0"/>
+      </a:lnRef>
+      <a:fillRef idx="1">
+        <a:scrgbClr r="0" g="0" b="0"/>
+      </a:fillRef>
+      <a:effectRef idx="0">
+        <a:scrgbClr r="0" g="0" b="0"/>
+      </a:effectRef>
+      <a:fontRef idx="minor">
+        <a:schemeClr val="lt1"/>
+      </a:fontRef>
+    </dgm:style>
+  </dgm:styleLbl>
+  <dgm:styleLbl name="fgImgPlace1">
+    <dgm:scene3d>
+      <a:camera prst="orthographicFront"/>
+      <a:lightRig rig="threePt" dir="t"/>
+    </dgm:scene3d>
+    <dgm:sp3d/>
+    <dgm:txPr/>
+    <dgm:style>
+      <a:lnRef idx="2">
+        <a:scrgbClr r="0" g="0" b="0"/>
+      </a:lnRef>
+      <a:fillRef idx="1">
+        <a:scrgbClr r="0" g="0" b="0"/>
+      </a:fillRef>
+      <a:effectRef idx="0">
+        <a:scrgbClr r="0" g="0" b="0"/>
+      </a:effectRef>
+      <a:fontRef idx="minor"/>
+    </dgm:style>
+  </dgm:styleLbl>
+  <dgm:styleLbl name="alignImgPlace1">
+    <dgm:scene3d>
+      <a:camera prst="orthographicFront"/>
+      <a:lightRig rig="threePt" dir="t"/>
+    </dgm:scene3d>
+    <dgm:sp3d/>
+    <dgm:txPr/>
+    <dgm:style>
+      <a:lnRef idx="2">
+        <a:scrgbClr r="0" g="0" b="0"/>
+      </a:lnRef>
+      <a:fillRef idx="1">
+        <a:scrgbClr r="0" g="0" b="0"/>
+      </a:fillRef>
+      <a:effectRef idx="0">
+        <a:scrgbClr r="0" g="0" b="0"/>
+      </a:effectRef>
+      <a:fontRef idx="minor"/>
+    </dgm:style>
+  </dgm:styleLbl>
+  <dgm:styleLbl name="bgImgPlace1">
+    <dgm:scene3d>
+      <a:camera prst="orthographicFront"/>
+      <a:lightRig rig="threePt" dir="t"/>
+    </dgm:scene3d>
+    <dgm:sp3d/>
+    <dgm:txPr/>
+    <dgm:style>
+      <a:lnRef idx="2">
+        <a:scrgbClr r="0" g="0" b="0"/>
+      </a:lnRef>
+      <a:fillRef idx="1">
+        <a:scrgbClr r="0" g="0" b="0"/>
+      </a:fillRef>
+      <a:effectRef idx="0">
+        <a:scrgbClr r="0" g="0" b="0"/>
+      </a:effectRef>
+      <a:fontRef idx="minor"/>
+    </dgm:style>
+  </dgm:styleLbl>
+  <dgm:styleLbl name="sibTrans2D1">
+    <dgm:scene3d>
+      <a:camera prst="orthographicFront"/>
+      <a:lightRig rig="threePt" dir="t"/>
+    </dgm:scene3d>
+    <dgm:sp3d/>
+    <dgm:txPr/>
+    <dgm:style>
+      <a:lnRef idx="0">
+        <a:scrgbClr r="0" g="0" b="0"/>
+      </a:lnRef>
+      <a:fillRef idx="1">
+        <a:scrgbClr r="0" g="0" b="0"/>
+      </a:fillRef>
+      <a:effectRef idx="0">
+        <a:scrgbClr r="0" g="0" b="0"/>
+      </a:effectRef>
+      <a:fontRef idx="minor">
+        <a:schemeClr val="lt1"/>
+      </a:fontRef>
+    </dgm:style>
+  </dgm:styleLbl>
+  <dgm:styleLbl name="fgSibTrans2D1">
+    <dgm:scene3d>
+      <a:camera prst="orthographicFront"/>
+      <a:lightRig rig="threePt" dir="t"/>
+    </dgm:scene3d>
+    <dgm:sp3d/>
+    <dgm:txPr/>
+    <dgm:style>
+      <a:lnRef idx="0">
+        <a:scrgbClr r="0" g="0" b="0"/>
+      </a:lnRef>
+      <a:fillRef idx="1">
+        <a:scrgbClr r="0" g="0" b="0"/>
+      </a:fillRef>
+      <a:effectRef idx="0">
+        <a:scrgbClr r="0" g="0" b="0"/>
+      </a:effectRef>
+      <a:fontRef idx="minor">
+        <a:schemeClr val="lt1"/>
+      </a:fontRef>
+    </dgm:style>
+  </dgm:styleLbl>
+  <dgm:styleLbl name="bgSibTrans2D1">
+    <dgm:scene3d>
+      <a:camera prst="orthographicFront"/>
+      <a:lightRig rig="threePt" dir="t"/>
+    </dgm:scene3d>
+    <dgm:sp3d/>
+    <dgm:txPr/>
+    <dgm:style>
+      <a:lnRef idx="0">
+        <a:scrgbClr r="0" g="0" b="0"/>
+      </a:lnRef>
+      <a:fillRef idx="1">
+        <a:scrgbClr r="0" g="0" b="0"/>
+      </a:fillRef>
+      <a:effectRef idx="0">
+        <a:scrgbClr r="0" g="0" b="0"/>
+      </a:effectRef>
+      <a:fontRef idx="minor">
+        <a:schemeClr val="lt1"/>
+      </a:fontRef>
+    </dgm:style>
+  </dgm:styleLbl>
+  <dgm:styleLbl name="sibTrans1D1">
+    <dgm:scene3d>
+      <a:camera prst="orthographicFront"/>
+      <a:lightRig rig="threePt" dir="t"/>
+    </dgm:scene3d>
+    <dgm:sp3d/>
+    <dgm:txPr/>
+    <dgm:style>
+      <a:lnRef idx="1">
+        <a:scrgbClr r="0" g="0" b="0"/>
+      </a:lnRef>
+      <a:fillRef idx="0">
+        <a:scrgbClr r="0" g="0" b="0"/>
+      </a:fillRef>
+      <a:effectRef idx="0">
+        <a:scrgbClr r="0" g="0" b="0"/>
+      </a:effectRef>
+      <a:fontRef idx="minor"/>
+    </dgm:style>
+  </dgm:styleLbl>
+  <dgm:styleLbl name="callout">
+    <dgm:scene3d>
+      <a:camera prst="orthographicFront"/>
+      <a:lightRig rig="threePt" dir="t"/>
+    </dgm:scene3d>
+    <dgm:sp3d/>
+    <dgm:txPr/>
+    <dgm:style>
+      <a:lnRef idx="2">
+        <a:scrgbClr r="0" g="0" b="0"/>
+      </a:lnRef>
+      <a:fillRef idx="1">
+        <a:scrgbClr r="0" g="0" b="0"/>
+      </a:fillRef>
+      <a:effectRef idx="0">
+        <a:scrgbClr r="0" g="0" b="0"/>
+      </a:effectRef>
+      <a:fontRef idx="minor"/>
+    </dgm:style>
+  </dgm:styleLbl>
+  <dgm:styleLbl name="asst0">
+    <dgm:scene3d>
+      <a:camera prst="orthographicFront"/>
+      <a:lightRig rig="threePt" dir="t"/>
+    </dgm:scene3d>
+    <dgm:sp3d/>
+    <dgm:txPr/>
+    <dgm:style>
+      <a:lnRef idx="2">
+        <a:scrgbClr r="0" g="0" b="0"/>
+      </a:lnRef>
+      <a:fillRef idx="1">
+        <a:scrgbClr r="0" g="0" b="0"/>
+      </a:fillRef>
+      <a:effectRef idx="0">
+        <a:scrgbClr r="0" g="0" b="0"/>
+      </a:effectRef>
+      <a:fontRef idx="minor">
+        <a:schemeClr val="lt1"/>
+      </a:fontRef>
+    </dgm:style>
+  </dgm:styleLbl>
+  <dgm:styleLbl name="asst1">
+    <dgm:scene3d>
+      <a:camera prst="orthographicFront"/>
+      <a:lightRig rig="threePt" dir="t"/>
+    </dgm:scene3d>
+    <dgm:sp3d/>
+    <dgm:txPr/>
+    <dgm:style>
+      <a:lnRef idx="2">
+        <a:scrgbClr r="0" g="0" b="0"/>
+      </a:lnRef>
+      <a:fillRef idx="1">
+        <a:scrgbClr r="0" g="0" b="0"/>
+      </a:fillRef>
+      <a:effectRef idx="0">
+        <a:scrgbClr r="0" g="0" b="0"/>
+      </a:effectRef>
+      <a:fontRef idx="minor">
+        <a:schemeClr val="lt1"/>
+      </a:fontRef>
+    </dgm:style>
+  </dgm:styleLbl>
+  <dgm:styleLbl name="asst2">
+    <dgm:scene3d>
+      <a:camera prst="orthographicFront"/>
+      <a:lightRig rig="threePt" dir="t"/>
+    </dgm:scene3d>
+    <dgm:sp3d/>
+    <dgm:txPr/>
+    <dgm:style>
+      <a:lnRef idx="2">
+        <a:scrgbClr r="0" g="0" b="0"/>
+      </a:lnRef>
+      <a:fillRef idx="1">
+        <a:scrgbClr r="0" g="0" b="0"/>
+      </a:fillRef>
+      <a:effectRef idx="0">
+        <a:scrgbClr r="0" g="0" b="0"/>
+      </a:effectRef>
+      <a:fontRef idx="minor">
+        <a:schemeClr val="lt1"/>
+      </a:fontRef>
+    </dgm:style>
+  </dgm:styleLbl>
+  <dgm:styleLbl name="asst3">
+    <dgm:scene3d>
+      <a:camera prst="orthographicFront"/>
+      <a:lightRig rig="threePt" dir="t"/>
+    </dgm:scene3d>
+    <dgm:sp3d/>
+    <dgm:txPr/>
+    <dgm:style>
+      <a:lnRef idx="2">
+        <a:scrgbClr r="0" g="0" b="0"/>
+      </a:lnRef>
+      <a:fillRef idx="1">
+        <a:scrgbClr r="0" g="0" b="0"/>
+      </a:fillRef>
+      <a:effectRef idx="0">
+        <a:scrgbClr r="0" g="0" b="0"/>
+      </a:effectRef>
+      <a:fontRef idx="minor">
+        <a:schemeClr val="lt1"/>
+      </a:fontRef>
+    </dgm:style>
+  </dgm:styleLbl>
+  <dgm:styleLbl name="asst4">
+    <dgm:scene3d>
+      <a:camera prst="orthographicFront"/>
+      <a:lightRig rig="threePt" dir="t"/>
+    </dgm:scene3d>
+    <dgm:sp3d/>
+    <dgm:txPr/>
+    <dgm:style>
+      <a:lnRef idx="2">
+        <a:scrgbClr r="0" g="0" b="0"/>
+      </a:lnRef>
+      <a:fillRef idx="1">
+        <a:scrgbClr r="0" g="0" b="0"/>
+      </a:fillRef>
+      <a:effectRef idx="0">
+        <a:scrgbClr r="0" g="0" b="0"/>
+      </a:effectRef>
+      <a:fontRef idx="minor">
+        <a:schemeClr val="lt1"/>
+      </a:fontRef>
+    </dgm:style>
+  </dgm:styleLbl>
+  <dgm:styleLbl name="parChTrans2D1">
+    <dgm:scene3d>
+      <a:camera prst="orthographicFront"/>
+      <a:lightRig rig="threePt" dir="t"/>
+    </dgm:scene3d>
+    <dgm:sp3d/>
+    <dgm:txPr/>
+    <dgm:style>
+      <a:lnRef idx="2">
+        <a:scrgbClr r="0" g="0" b="0"/>
+      </a:lnRef>
+      <a:fillRef idx="1">
+        <a:scrgbClr r="0" g="0" b="0"/>
+      </a:fillRef>
+      <a:effectRef idx="0">
+        <a:scrgbClr r="0" g="0" b="0"/>
+      </a:effectRef>
+      <a:fontRef idx="minor">
+        <a:schemeClr val="lt1"/>
+      </a:fontRef>
+    </dgm:style>
+  </dgm:styleLbl>
+  <dgm:styleLbl name="parChTrans2D2">
+    <dgm:scene3d>
+      <a:camera prst="orthographicFront"/>
+      <a:lightRig rig="threePt" dir="t"/>
+    </dgm:scene3d>
+    <dgm:sp3d/>
+    <dgm:txPr/>
+    <dgm:style>
+      <a:lnRef idx="2">
+        <a:scrgbClr r="0" g="0" b="0"/>
+      </a:lnRef>
+      <a:fillRef idx="1">
+        <a:scrgbClr r="0" g="0" b="0"/>
+      </a:fillRef>
+      <a:effectRef idx="0">
+        <a:scrgbClr r="0" g="0" b="0"/>
+      </a:effectRef>
+      <a:fontRef idx="minor">
+        <a:schemeClr val="lt1"/>
+      </a:fontRef>
+    </dgm:style>
+  </dgm:styleLbl>
+  <dgm:styleLbl name="parChTrans2D3">
+    <dgm:scene3d>
+      <a:camera prst="orthographicFront"/>
+      <a:lightRig rig="threePt" dir="t"/>
+    </dgm:scene3d>
+    <dgm:sp3d/>
+    <dgm:txPr/>
+    <dgm:style>
+      <a:lnRef idx="2">
+        <a:scrgbClr r="0" g="0" b="0"/>
+      </a:lnRef>
+      <a:fillRef idx="1">
+        <a:scrgbClr r="0" g="0" b="0"/>
+      </a:fillRef>
+      <a:effectRef idx="0">
+        <a:scrgbClr r="0" g="0" b="0"/>
+      </a:effectRef>
+      <a:fontRef idx="minor">
+        <a:schemeClr val="lt1"/>
+      </a:fontRef>
+    </dgm:style>
+  </dgm:styleLbl>
+  <dgm:styleLbl name="parChTrans2D4">
+    <dgm:scene3d>
+      <a:camera prst="orthographicFront"/>
+      <a:lightRig rig="threePt" dir="t"/>
+    </dgm:scene3d>
+    <dgm:sp3d/>
+    <dgm:txPr/>
+    <dgm:style>
+      <a:lnRef idx="2">
+        <a:scrgbClr r="0" g="0" b="0"/>
+      </a:lnRef>
+      <a:fillRef idx="1">
+        <a:scrgbClr r="0" g="0" b="0"/>
+      </a:fillRef>
+      <a:effectRef idx="0">
+        <a:scrgbClr r="0" g="0" b="0"/>
+      </a:effectRef>
+      <a:fontRef idx="minor">
+        <a:schemeClr val="lt1"/>
+      </a:fontRef>
+    </dgm:style>
+  </dgm:styleLbl>
+  <dgm:styleLbl name="parChTrans1D1">
+    <dgm:scene3d>
+      <a:camera prst="orthographicFront"/>
+      <a:lightRig rig="threePt" dir="t"/>
+    </dgm:scene3d>
+    <dgm:sp3d/>
+    <dgm:txPr/>
+    <dgm:style>
+      <a:lnRef idx="2">
+        <a:scrgbClr r="0" g="0" b="0"/>
+      </a:lnRef>
+      <a:fillRef idx="0">
+        <a:scrgbClr r="0" g="0" b="0"/>
+      </a:fillRef>
+      <a:effectRef idx="0">
+        <a:scrgbClr r="0" g="0" b="0"/>
+      </a:effectRef>
+      <a:fontRef idx="minor"/>
+    </dgm:style>
+  </dgm:styleLbl>
+  <dgm:styleLbl name="parChTrans1D2">
+    <dgm:scene3d>
+      <a:camera prst="orthographicFront"/>
+      <a:lightRig rig="threePt" dir="t"/>
+    </dgm:scene3d>
+    <dgm:sp3d/>
+    <dgm:txPr/>
+    <dgm:style>
+      <a:lnRef idx="2">
+        <a:scrgbClr r="0" g="0" b="0"/>
+      </a:lnRef>
+      <a:fillRef idx="0">
+        <a:scrgbClr r="0" g="0" b="0"/>
+      </a:fillRef>
+      <a:effectRef idx="0">
+        <a:scrgbClr r="0" g="0" b="0"/>
+      </a:effectRef>
+      <a:fontRef idx="minor"/>
+    </dgm:style>
+  </dgm:styleLbl>
+  <dgm:styleLbl name="parChTrans1D3">
+    <dgm:scene3d>
+      <a:camera prst="orthographicFront"/>
+      <a:lightRig rig="threePt" dir="t"/>
+    </dgm:scene3d>
+    <dgm:sp3d/>
+    <dgm:txPr/>
+    <dgm:style>
+      <a:lnRef idx="2">
+        <a:scrgbClr r="0" g="0" b="0"/>
+      </a:lnRef>
+      <a:fillRef idx="0">
+        <a:scrgbClr r="0" g="0" b="0"/>
+      </a:fillRef>
+      <a:effectRef idx="0">
+        <a:scrgbClr r="0" g="0" b="0"/>
+      </a:effectRef>
+      <a:fontRef idx="minor"/>
+    </dgm:style>
+  </dgm:styleLbl>
+  <dgm:styleLbl name="parChTrans1D4">
+    <dgm:scene3d>
+      <a:camera prst="orthographicFront"/>
+      <a:lightRig rig="threePt" dir="t"/>
+    </dgm:scene3d>
+    <dgm:sp3d/>
+    <dgm:txPr/>
+    <dgm:style>
+      <a:lnRef idx="2">
+        <a:scrgbClr r="0" g="0" b="0"/>
+      </a:lnRef>
+      <a:fillRef idx="0">
+        <a:scrgbClr r="0" g="0" b="0"/>
+      </a:fillRef>
+      <a:effectRef idx="0">
+        <a:scrgbClr r="0" g="0" b="0"/>
+      </a:effectRef>
+      <a:fontRef idx="minor"/>
+    </dgm:style>
+  </dgm:styleLbl>
+  <dgm:styleLbl name="fgAcc1">
+    <dgm:scene3d>
+      <a:camera prst="orthographicFront"/>
+      <a:lightRig rig="threePt" dir="t"/>
+    </dgm:scene3d>
+    <dgm:sp3d/>
+    <dgm:txPr/>
+    <dgm:style>
+      <a:lnRef idx="2">
+        <a:scrgbClr r="0" g="0" b="0"/>
+      </a:lnRef>
+      <a:fillRef idx="1">
+        <a:scrgbClr r="0" g="0" b="0"/>
+      </a:fillRef>
+      <a:effectRef idx="0">
+        <a:scrgbClr r="0" g="0" b="0"/>
+      </a:effectRef>
+      <a:fontRef idx="minor"/>
+    </dgm:style>
+  </dgm:styleLbl>
+  <dgm:styleLbl name="conFgAcc1">
+    <dgm:scene3d>
+      <a:camera prst="orthographicFront"/>
+      <a:lightRig rig="threePt" dir="t"/>
+    </dgm:scene3d>
+    <dgm:sp3d/>
+    <dgm:txPr/>
+    <dgm:style>
+      <a:lnRef idx="2">
+        <a:scrgbClr r="0" g="0" b="0"/>
+      </a:lnRef>
+      <a:fillRef idx="1">
+        <a:scrgbClr r="0" g="0" b="0"/>
+      </a:fillRef>
+      <a:effectRef idx="0">
+        <a:scrgbClr r="0" g="0" b="0"/>
+      </a:effectRef>
+      <a:fontRef idx="minor"/>
+    </dgm:style>
+  </dgm:styleLbl>
+  <dgm:styleLbl name="alignAcc1">
+    <dgm:scene3d>
+      <a:camera prst="orthographicFront"/>
+      <a:lightRig rig="threePt" dir="t"/>
+    </dgm:scene3d>
+    <dgm:sp3d/>
+    <dgm:txPr/>
+    <dgm:style>
+      <a:lnRef idx="2">
+        <a:scrgbClr r="0" g="0" b="0"/>
+      </a:lnRef>
+      <a:fillRef idx="1">
+        <a:scrgbClr r="0" g="0" b="0"/>
+      </a:fillRef>
+      <a:effectRef idx="0">
+        <a:scrgbClr r="0" g="0" b="0"/>
+      </a:effectRef>
+      <a:fontRef idx="minor"/>
+    </dgm:style>
+  </dgm:styleLbl>
+  <dgm:styleLbl name="trAlignAcc1">
+    <dgm:scene3d>
+      <a:camera prst="orthographicFront"/>
+      <a:lightRig rig="threePt" dir="t"/>
+    </dgm:scene3d>
+    <dgm:sp3d/>
+    <dgm:txPr/>
+    <dgm:style>
+      <a:lnRef idx="1">
+        <a:scrgbClr r="0" g="0" b="0"/>
+      </a:lnRef>
+      <a:fillRef idx="1">
+        <a:scrgbClr r="0" g="0" b="0"/>
+      </a:fillRef>
+      <a:effectRef idx="0">
+        <a:scrgbClr r="0" g="0" b="0"/>
+      </a:effectRef>
+      <a:fontRef idx="minor"/>
+    </dgm:style>
+  </dgm:styleLbl>
+  <dgm:styleLbl name="bgAcc1">
+    <dgm:scene3d>
+      <a:camera prst="orthographicFront"/>
+      <a:lightRig rig="threePt" dir="t"/>
+    </dgm:scene3d>
+    <dgm:sp3d/>
+    <dgm:txPr/>
+    <dgm:style>
+      <a:lnRef idx="2">
+        <a:scrgbClr r="0" g="0" b="0"/>
+      </a:lnRef>
+      <a:fillRef idx="1">
+        <a:scrgbClr r="0" g="0" b="0"/>
+      </a:fillRef>
+      <a:effectRef idx="0">
+        <a:scrgbClr r="0" g="0" b="0"/>
+      </a:effectRef>
+      <a:fontRef idx="minor"/>
+    </dgm:style>
+  </dgm:styleLbl>
+  <dgm:styleLbl name="solidFgAcc1">
+    <dgm:scene3d>
+      <a:camera prst="orthographicFront"/>
+      <a:lightRig rig="threePt" dir="t"/>
+    </dgm:scene3d>
+    <dgm:sp3d/>
+    <dgm:txPr/>
+    <dgm:style>
+      <a:lnRef idx="2">
+        <a:scrgbClr r="0" g="0" b="0"/>
+      </a:lnRef>
+      <a:fillRef idx="1">
+        <a:scrgbClr r="0" g="0" b="0"/>
+      </a:fillRef>
+      <a:effectRef idx="0">
+        <a:scrgbClr r="0" g="0" b="0"/>
+      </a:effectRef>
+      <a:fontRef idx="minor"/>
+    </dgm:style>
+  </dgm:styleLbl>
+  <dgm:styleLbl name="solidAlignAcc1">
+    <dgm:scene3d>
+      <a:camera prst="orthographicFront"/>
+      <a:lightRig rig="threePt" dir="t"/>
+    </dgm:scene3d>
+    <dgm:sp3d/>
+    <dgm:txPr/>
+    <dgm:style>
+      <a:lnRef idx="2">
+        <a:scrgbClr r="0" g="0" b="0"/>
+      </a:lnRef>
+      <a:fillRef idx="1">
+        <a:scrgbClr r="0" g="0" b="0"/>
+      </a:fillRef>
+      <a:effectRef idx="0">
+        <a:scrgbClr r="0" g="0" b="0"/>
+      </a:effectRef>
+      <a:fontRef idx="minor"/>
+    </dgm:style>
+  </dgm:styleLbl>
+  <dgm:styleLbl name="solidBgAcc1">
+    <dgm:scene3d>
+      <a:camera prst="orthographicFront"/>
+      <a:lightRig rig="threePt" dir="t"/>
+    </dgm:scene3d>
+    <dgm:sp3d/>
+    <dgm:txPr/>
+    <dgm:style>
+      <a:lnRef idx="2">
+        <a:scrgbClr r="0" g="0" b="0"/>
+      </a:lnRef>
+      <a:fillRef idx="1">
+        <a:scrgbClr r="0" g="0" b="0"/>
+      </a:fillRef>
+      <a:effectRef idx="0">
+        <a:scrgbClr r="0" g="0" b="0"/>
+      </a:effectRef>
+      <a:fontRef idx="minor"/>
+    </dgm:style>
+  </dgm:styleLbl>
+  <dgm:styleLbl name="fgAccFollowNode1">
+    <dgm:scene3d>
+      <a:camera prst="orthographicFront"/>
+      <a:lightRig rig="threePt" dir="t"/>
+    </dgm:scene3d>
+    <dgm:sp3d/>
+    <dgm:txPr/>
+    <dgm:style>
+      <a:lnRef idx="2">
+        <a:scrgbClr r="0" g="0" b="0"/>
+      </a:lnRef>
+      <a:fillRef idx="1">
+        <a:scrgbClr r="0" g="0" b="0"/>
+      </a:fillRef>
+      <a:effectRef idx="0">
+        <a:scrgbClr r="0" g="0" b="0"/>
+      </a:effectRef>
+      <a:fontRef idx="minor"/>
+    </dgm:style>
+  </dgm:styleLbl>
+  <dgm:styleLbl name="alignAccFollowNode1">
+    <dgm:scene3d>
+      <a:camera prst="orthographicFront"/>
+      <a:lightRig rig="threePt" dir="t"/>
+    </dgm:scene3d>
+    <dgm:sp3d/>
+    <dgm:txPr/>
+    <dgm:style>
+      <a:lnRef idx="2">
+        <a:scrgbClr r="0" g="0" b="0"/>
+      </a:lnRef>
+      <a:fillRef idx="1">
+        <a:scrgbClr r="0" g="0" b="0"/>
+      </a:fillRef>
+      <a:effectRef idx="0">
+        <a:scrgbClr r="0" g="0" b="0"/>
+      </a:effectRef>
+      <a:fontRef idx="minor"/>
+    </dgm:style>
+  </dgm:styleLbl>
+  <dgm:styleLbl name="bgAccFollowNode1">
+    <dgm:scene3d>
+      <a:camera prst="orthographicFront"/>
+      <a:lightRig rig="threePt" dir="t"/>
+    </dgm:scene3d>
+    <dgm:sp3d/>
+    <dgm:txPr/>
+    <dgm:style>
+      <a:lnRef idx="2">
+        <a:scrgbClr r="0" g="0" b="0"/>
+      </a:lnRef>
+      <a:fillRef idx="1">
+        <a:scrgbClr r="0" g="0" b="0"/>
+      </a:fillRef>
+      <a:effectRef idx="0">
+        <a:scrgbClr r="0" g="0" b="0"/>
+      </a:effectRef>
+      <a:fontRef idx="minor"/>
+    </dgm:style>
+  </dgm:styleLbl>
+  <dgm:styleLbl name="fgAcc0">
+    <dgm:scene3d>
+      <a:camera prst="orthographicFront"/>
+      <a:lightRig rig="threePt" dir="t"/>
+    </dgm:scene3d>
+    <dgm:sp3d/>
+    <dgm:txPr/>
+    <dgm:style>
+      <a:lnRef idx="2">
+        <a:scrgbClr r="0" g="0" b="0"/>
+      </a:lnRef>
+      <a:fillRef idx="1">
+        <a:scrgbClr r="0" g="0" b="0"/>
+      </a:fillRef>
+      <a:effectRef idx="0">
+        <a:scrgbClr r="0" g="0" b="0"/>
+      </a:effectRef>
+      <a:fontRef idx="minor"/>
+    </dgm:style>
+  </dgm:styleLbl>
+  <dgm:styleLbl name="fgAcc2">
+    <dgm:scene3d>
+      <a:camera prst="orthographicFront"/>
+      <a:lightRig rig="threePt" dir="t"/>
+    </dgm:scene3d>
+    <dgm:sp3d/>
+    <dgm:txPr/>
+    <dgm:style>
+      <a:lnRef idx="2">
+        <a:scrgbClr r="0" g="0" b="0"/>
+      </a:lnRef>
+      <a:fillRef idx="1">
+        <a:scrgbClr r="0" g="0" b="0"/>
+      </a:fillRef>
+      <a:effectRef idx="0">
+        <a:scrgbClr r="0" g="0" b="0"/>
+      </a:effectRef>
+      <a:fontRef idx="minor"/>
+    </dgm:style>
+  </dgm:styleLbl>
+  <dgm:styleLbl name="fgAcc3">
+    <dgm:scene3d>
+      <a:camera prst="orthographicFront"/>
+      <a:lightRig rig="threePt" dir="t"/>
+    </dgm:scene3d>
+    <dgm:sp3d/>
+    <dgm:txPr/>
+    <dgm:style>
+      <a:lnRef idx="2">
+        <a:scrgbClr r="0" g="0" b="0"/>
+      </a:lnRef>
+      <a:fillRef idx="1">
+        <a:scrgbClr r="0" g="0" b="0"/>
+      </a:fillRef>
+      <a:effectRef idx="0">
+        <a:scrgbClr r="0" g="0" b="0"/>
+      </a:effectRef>
+      <a:fontRef idx="minor"/>
+    </dgm:style>
+  </dgm:styleLbl>
+  <dgm:styleLbl name="fgAcc4">
+    <dgm:scene3d>
+      <a:camera prst="orthographicFront"/>
+      <a:lightRig rig="threePt" dir="t"/>
+    </dgm:scene3d>
+    <dgm:sp3d/>
+    <dgm:txPr/>
+    <dgm:style>
+      <a:lnRef idx="2">
+        <a:scrgbClr r="0" g="0" b="0"/>
+      </a:lnRef>
+      <a:fillRef idx="1">
+        <a:scrgbClr r="0" g="0" b="0"/>
+      </a:fillRef>
+      <a:effectRef idx="0">
+        <a:scrgbClr r="0" g="0" b="0"/>
+      </a:effectRef>
+      <a:fontRef idx="minor"/>
+    </dgm:style>
+  </dgm:styleLbl>
+  <dgm:styleLbl name="bgShp">
+    <dgm:scene3d>
+      <a:camera prst="orthographicFront"/>
+      <a:lightRig rig="threePt" dir="t"/>
+    </dgm:scene3d>
+    <dgm:sp3d/>
+    <dgm:txPr/>
+    <dgm:style>
+      <a:lnRef idx="0">
+        <a:scrgbClr r="0" g="0" b="0"/>
+      </a:lnRef>
+      <a:fillRef idx="1">
+        <a:scrgbClr r="0" g="0" b="0"/>
+      </a:fillRef>
+      <a:effectRef idx="0">
+        <a:scrgbClr r="0" g="0" b="0"/>
+      </a:effectRef>
+      <a:fontRef idx="minor"/>
+    </dgm:style>
+  </dgm:styleLbl>
+  <dgm:styleLbl name="dkBgShp">
+    <dgm:scene3d>
+      <a:camera prst="orthographicFront"/>
+      <a:lightRig rig="threePt" dir="t"/>
+    </dgm:scene3d>
+    <dgm:sp3d/>
+    <dgm:txPr/>
+    <dgm:style>
+      <a:lnRef idx="0">
+        <a:scrgbClr r="0" g="0" b="0"/>
+      </a:lnRef>
+      <a:fillRef idx="1">
+        <a:scrgbClr r="0" g="0" b="0"/>
+      </a:fillRef>
+      <a:effectRef idx="0">
+        <a:scrgbClr r="0" g="0" b="0"/>
+      </a:effectRef>
+      <a:fontRef idx="minor"/>
+    </dgm:style>
+  </dgm:styleLbl>
+  <dgm:styleLbl name="trBgShp">
+    <dgm:scene3d>
+      <a:camera prst="orthographicFront"/>
+      <a:lightRig rig="threePt" dir="t"/>
+    </dgm:scene3d>
+    <dgm:sp3d/>
+    <dgm:txPr/>
+    <dgm:style>
+      <a:lnRef idx="0">
+        <a:scrgbClr r="0" g="0" b="0"/>
+      </a:lnRef>
+      <a:fillRef idx="1">
+        <a:scrgbClr r="0" g="0" b="0"/>
+      </a:fillRef>
+      <a:effectRef idx="0">
+        <a:scrgbClr r="0" g="0" b="0"/>
+      </a:effectRef>
+      <a:fontRef idx="minor"/>
+    </dgm:style>
+  </dgm:styleLbl>
+  <dgm:styleLbl name="fgShp">
+    <dgm:scene3d>
+      <a:camera prst="orthographicFront"/>
+      <a:lightRig rig="threePt" dir="t"/>
+    </dgm:scene3d>
+    <dgm:sp3d/>
+    <dgm:txPr/>
+    <dgm:style>
+      <a:lnRef idx="2">
+        <a:scrgbClr r="0" g="0" b="0"/>
+      </a:lnRef>
+      <a:fillRef idx="1">
+        <a:scrgbClr r="0" g="0" b="0"/>
+      </a:fillRef>
+      <a:effectRef idx="0">
+        <a:scrgbClr r="0" g="0" b="0"/>
+      </a:effectRef>
+      <a:fontRef idx="minor"/>
+    </dgm:style>
+  </dgm:styleLbl>
+  <dgm:styleLbl name="revTx">
+    <dgm:scene3d>
+      <a:camera prst="orthographicFront"/>
+      <a:lightRig rig="threePt" dir="t"/>
+    </dgm:scene3d>
+    <dgm:sp3d/>
+    <dgm:txPr/>
+    <dgm:style>
+      <a:lnRef idx="0">
+        <a:scrgbClr r="0" g="0" b="0"/>
+      </a:lnRef>
+      <a:fillRef idx="0">
+        <a:scrgbClr r="0" g="0" b="0"/>
+      </a:fillRef>
+      <a:effectRef idx="0">
+        <a:scrgbClr r="0" g="0" b="0"/>
+      </a:effectRef>
+      <a:fontRef idx="minor"/>
+    </dgm:style>
+  </dgm:styleLbl>
+</dgm:styleDef>
 </file>
 
 <file path=ppt/notesMasters/notesMaster1.xml><?xml version="1.0" encoding="utf-8"?>
@@ -6376,6 +10924,216 @@
 </p:sld>
 </file>
 
+<file path=ppt/slides/slide10.xml><?xml version="1.0" encoding="utf-8"?>
+<p:sld xmlns:a="http://schemas.openxmlformats.org/drawingml/2006/main" xmlns:r="http://schemas.openxmlformats.org/officeDocument/2006/relationships" xmlns:p="http://schemas.openxmlformats.org/presentationml/2006/main">
+  <p:cSld>
+    <p:spTree>
+      <p:nvGrpSpPr>
+        <p:cNvPr id="1" name=""/>
+        <p:cNvGrpSpPr/>
+        <p:nvPr/>
+      </p:nvGrpSpPr>
+      <p:grpSpPr>
+        <a:xfrm>
+          <a:off x="0" y="0"/>
+          <a:ext cx="0" cy="0"/>
+          <a:chOff x="0" y="0"/>
+          <a:chExt cx="0" cy="0"/>
+        </a:xfrm>
+      </p:grpSpPr>
+      <p:sp>
+        <p:nvSpPr>
+          <p:cNvPr id="2" name="Title 1">
+            <a:extLst>
+              <a:ext uri="{FF2B5EF4-FFF2-40B4-BE49-F238E27FC236}">
+                <a16:creationId xmlns:a16="http://schemas.microsoft.com/office/drawing/2014/main" id="{6ED8E72E-C5F4-1741-A4C4-673E907B5A94}"/>
+              </a:ext>
+            </a:extLst>
+          </p:cNvPr>
+          <p:cNvSpPr>
+            <a:spLocks noGrp="1"/>
+          </p:cNvSpPr>
+          <p:nvPr>
+            <p:ph type="title"/>
+          </p:nvPr>
+        </p:nvSpPr>
+        <p:spPr/>
+        <p:txBody>
+          <a:bodyPr/>
+          <a:lstStyle/>
+          <a:p>
+            <a:r>
+              <a:rPr lang="en-US" dirty="0"/>
+              <a:t>Beginner Gameplay Scripting 0529</a:t>
+            </a:r>
+          </a:p>
+        </p:txBody>
+      </p:sp>
+      <p:sp>
+        <p:nvSpPr>
+          <p:cNvPr id="3" name="Content Placeholder 2">
+            <a:extLst>
+              <a:ext uri="{FF2B5EF4-FFF2-40B4-BE49-F238E27FC236}">
+                <a16:creationId xmlns:a16="http://schemas.microsoft.com/office/drawing/2014/main" id="{0E1DD098-38D3-5740-8590-CD32A4DEEB81}"/>
+              </a:ext>
+            </a:extLst>
+          </p:cNvPr>
+          <p:cNvSpPr>
+            <a:spLocks noGrp="1"/>
+          </p:cNvSpPr>
+          <p:nvPr>
+            <p:ph idx="1"/>
+          </p:nvPr>
+        </p:nvSpPr>
+        <p:spPr/>
+        <p:txBody>
+          <a:bodyPr>
+            <a:normAutofit/>
+          </a:bodyPr>
+          <a:lstStyle/>
+          <a:p>
+            <a:pPr marL="0" indent="0">
+              <a:buNone/>
+            </a:pPr>
+            <a:r>
+              <a:rPr lang="en-US" sz="2400" b="1" dirty="0" err="1">
+                <a:effectLst/>
+              </a:rPr>
+              <a:t>GetComponent</a:t>
+            </a:r>
+            <a:r>
+              <a:rPr lang="en-US" sz="2400" b="1" dirty="0">
+                <a:effectLst/>
+              </a:rPr>
+              <a:t> is expensive:</a:t>
+            </a:r>
+            <a:r>
+              <a:rPr lang="en-US" sz="2400" dirty="0"/>
+              <a:t> don’t use it in update()</a:t>
+            </a:r>
+          </a:p>
+          <a:p>
+            <a:pPr marL="0" indent="0">
+              <a:buNone/>
+            </a:pPr>
+            <a:r>
+              <a:rPr lang="en-US" sz="2400" b="1" dirty="0">
+                <a:effectLst/>
+              </a:rPr>
+              <a:t>Invoke(string </a:t>
+            </a:r>
+            <a:r>
+              <a:rPr lang="en-US" sz="2400" b="1" dirty="0" err="1">
+                <a:effectLst/>
+              </a:rPr>
+              <a:t>functionName</a:t>
+            </a:r>
+            <a:r>
+              <a:rPr lang="en-US" sz="2400" b="1" dirty="0">
+                <a:effectLst/>
+              </a:rPr>
+              <a:t>, float delay) &amp; </a:t>
+            </a:r>
+            <a:r>
+              <a:rPr lang="en-US" sz="2400" b="1" dirty="0" err="1">
+                <a:effectLst/>
+              </a:rPr>
+              <a:t>InvokeRepeating</a:t>
+            </a:r>
+            <a:r>
+              <a:rPr lang="en-US" sz="2400" b="1" dirty="0">
+                <a:effectLst/>
+              </a:rPr>
+              <a:t>(string </a:t>
+            </a:r>
+            <a:r>
+              <a:rPr lang="en-US" sz="2400" b="1" dirty="0" err="1">
+                <a:effectLst/>
+              </a:rPr>
+              <a:t>functionName</a:t>
+            </a:r>
+            <a:r>
+              <a:rPr lang="en-US" sz="2400" b="1" dirty="0">
+                <a:effectLst/>
+              </a:rPr>
+              <a:t>, float delay, float interval): </a:t>
+            </a:r>
+            <a:r>
+              <a:rPr lang="en-US" sz="2400" dirty="0">
+                <a:effectLst/>
+              </a:rPr>
+              <a:t>function should return void and has no parameters</a:t>
+            </a:r>
+          </a:p>
+          <a:p>
+            <a:pPr marL="0" indent="0">
+              <a:buNone/>
+            </a:pPr>
+            <a:r>
+              <a:rPr lang="en-US" sz="2400" b="1" dirty="0" err="1">
+                <a:effectLst/>
+              </a:rPr>
+              <a:t>CancelInvoke</a:t>
+            </a:r>
+            <a:r>
+              <a:rPr lang="en-US" sz="2400" b="1" dirty="0">
+                <a:effectLst/>
+              </a:rPr>
+              <a:t>(optional string </a:t>
+            </a:r>
+            <a:r>
+              <a:rPr lang="en-US" sz="2400" b="1" dirty="0" err="1">
+                <a:effectLst/>
+              </a:rPr>
+              <a:t>functionName</a:t>
+            </a:r>
+            <a:r>
+              <a:rPr lang="en-US" sz="2400" b="1" dirty="0">
+                <a:effectLst/>
+              </a:rPr>
+              <a:t>): </a:t>
+            </a:r>
+            <a:r>
+              <a:rPr lang="en-US" sz="2400" dirty="0"/>
+              <a:t>cancel all the invokes if no parameter</a:t>
+            </a:r>
+          </a:p>
+          <a:p>
+            <a:pPr marL="0" indent="0">
+              <a:buNone/>
+            </a:pPr>
+            <a:r>
+              <a:rPr lang="en-US" sz="2400" b="1" dirty="0" err="1">
+                <a:effectLst/>
+              </a:rPr>
+              <a:t>enum</a:t>
+            </a:r>
+            <a:r>
+              <a:rPr lang="en-US" sz="2400" b="1" dirty="0">
+                <a:effectLst/>
+              </a:rPr>
+              <a:t>:</a:t>
+            </a:r>
+            <a:r>
+              <a:rPr lang="en-US" sz="2400" dirty="0"/>
+              <a:t> change type by : type, ended by ;</a:t>
+            </a:r>
+          </a:p>
+        </p:txBody>
+      </p:sp>
+    </p:spTree>
+    <p:extLst>
+      <p:ext uri="{BB962C8B-B14F-4D97-AF65-F5344CB8AC3E}">
+        <p14:creationId xmlns:p14="http://schemas.microsoft.com/office/powerpoint/2010/main" val="3483270210"/>
+      </p:ext>
+    </p:extLst>
+  </p:cSld>
+  <p:clrMapOvr>
+    <a:masterClrMapping/>
+  </p:clrMapOvr>
+</p:sld>
+</file>
+
 <file path=ppt/slides/slide2.xml><?xml version="1.0" encoding="utf-8"?>
 <p:sld xmlns:a="http://schemas.openxmlformats.org/drawingml/2006/main" xmlns:r="http://schemas.openxmlformats.org/officeDocument/2006/relationships" xmlns:p="http://schemas.openxmlformats.org/presentationml/2006/main">
   <p:cSld>
@@ -6441,7 +11199,7 @@
         <p:spPr/>
         <p:txBody>
           <a:bodyPr>
-            <a:normAutofit/>
+            <a:normAutofit fontScale="85000" lnSpcReduction="20000"/>
           </a:bodyPr>
           <a:lstStyle/>
           <a:p>
@@ -6456,6 +11214,48 @@
               </a:rPr>
               <a:t>Git Workflow 0524</a:t>
             </a:r>
+          </a:p>
+          <a:p>
+            <a:pPr>
+              <a:lnSpc>
+                <a:spcPct val="200000"/>
+              </a:lnSpc>
+            </a:pPr>
+            <a:r>
+              <a:rPr lang="en-US" sz="2800" dirty="0"/>
+              <a:t>C</a:t>
+            </a:r>
+            <a:r>
+              <a:rPr lang="en-US" altLang="zh-Hans" sz="2800" dirty="0"/>
+              <a:t>ircuit</a:t>
+            </a:r>
+            <a:r>
+              <a:rPr lang="zh-Hans" altLang="en-US" sz="2800" dirty="0"/>
+              <a:t> </a:t>
+            </a:r>
+            <a:r>
+              <a:rPr lang="en-US" altLang="zh-Hans" sz="2800" dirty="0"/>
+              <a:t>Simulation</a:t>
+            </a:r>
+            <a:r>
+              <a:rPr lang="zh-Hans" altLang="en-US" sz="2800" dirty="0"/>
+              <a:t> </a:t>
+            </a:r>
+            <a:r>
+              <a:rPr lang="en-US" altLang="zh-Hans" sz="2800" dirty="0"/>
+              <a:t>Engine</a:t>
+            </a:r>
+            <a:r>
+              <a:rPr lang="en-US" sz="2800" dirty="0"/>
+              <a:t> 05</a:t>
+            </a:r>
+            <a:r>
+              <a:rPr lang="en-US" altLang="zh-Hans" sz="2800" dirty="0"/>
+              <a:t>26</a:t>
+            </a:r>
+            <a:endParaRPr lang="en-US" sz="2800" dirty="0">
+              <a:effectLst/>
+            </a:endParaRPr>
           </a:p>
           <a:p>
             <a:pPr>
@@ -6740,6 +11540,1018 @@
           <p:cNvPr id="2" name="Title 1">
             <a:extLst>
               <a:ext uri="{FF2B5EF4-FFF2-40B4-BE49-F238E27FC236}">
+                <a16:creationId xmlns:a16="http://schemas.microsoft.com/office/drawing/2014/main" id="{0BF112CE-01A6-204A-BADC-B1FD3081A613}"/>
+              </a:ext>
+            </a:extLst>
+          </p:cNvPr>
+          <p:cNvSpPr>
+            <a:spLocks noGrp="1"/>
+          </p:cNvSpPr>
+          <p:nvPr>
+            <p:ph type="title"/>
+          </p:nvPr>
+        </p:nvSpPr>
+        <p:spPr/>
+        <p:txBody>
+          <a:bodyPr/>
+          <a:lstStyle/>
+          <a:p>
+            <a:r>
+              <a:rPr lang="en-US" altLang="zh-Hans" dirty="0"/>
+              <a:t>Circuit</a:t>
+            </a:r>
+            <a:r>
+              <a:rPr lang="zh-Hans" altLang="en-US" dirty="0"/>
+              <a:t> </a:t>
+            </a:r>
+            <a:r>
+              <a:rPr lang="en-US" altLang="zh-Hans" dirty="0"/>
+              <a:t>Simulation</a:t>
+            </a:r>
+            <a:r>
+              <a:rPr lang="zh-Hans" altLang="en-US" dirty="0"/>
+              <a:t> </a:t>
+            </a:r>
+            <a:r>
+              <a:rPr lang="en-US" altLang="zh-Hans" dirty="0"/>
+              <a:t>Engine</a:t>
+            </a:r>
+            <a:r>
+              <a:rPr lang="zh-Hans" altLang="en-US" dirty="0"/>
+              <a:t> </a:t>
+            </a:r>
+            <a:r>
+              <a:rPr lang="en-US" altLang="zh-Hans" dirty="0"/>
+              <a:t>0526</a:t>
+            </a:r>
+            <a:endParaRPr lang="en-US" dirty="0"/>
+          </a:p>
+        </p:txBody>
+      </p:sp>
+      <p:grpSp>
+        <p:nvGrpSpPr>
+          <p:cNvPr id="9" name="Group 8">
+            <a:extLst>
+              <a:ext uri="{FF2B5EF4-FFF2-40B4-BE49-F238E27FC236}">
+                <a16:creationId xmlns:a16="http://schemas.microsoft.com/office/drawing/2014/main" id="{05A44F7B-1673-F044-A7CD-DFF20255108A}"/>
+              </a:ext>
+            </a:extLst>
+          </p:cNvPr>
+          <p:cNvGrpSpPr/>
+          <p:nvPr/>
+        </p:nvGrpSpPr>
+        <p:grpSpPr>
+          <a:xfrm>
+            <a:off x="2137860" y="2060898"/>
+            <a:ext cx="4872446" cy="1423852"/>
+            <a:chOff x="1648003" y="1802675"/>
+            <a:chExt cx="4872446" cy="1423852"/>
+          </a:xfrm>
+        </p:grpSpPr>
+        <p:sp>
+          <p:nvSpPr>
+            <p:cNvPr id="4" name="Rectangle 3">
+              <a:extLst>
+                <a:ext uri="{FF2B5EF4-FFF2-40B4-BE49-F238E27FC236}">
+                  <a16:creationId xmlns:a16="http://schemas.microsoft.com/office/drawing/2014/main" id="{06A2D3B2-764C-4240-8A28-EBAB0F953538}"/>
+                </a:ext>
+              </a:extLst>
+            </p:cNvPr>
+            <p:cNvSpPr/>
+            <p:nvPr/>
+          </p:nvSpPr>
+          <p:spPr>
+            <a:xfrm>
+              <a:off x="1648003" y="1802675"/>
+              <a:ext cx="4872446" cy="1423852"/>
+            </a:xfrm>
+            <a:prstGeom prst="rect">
+              <a:avLst/>
+            </a:prstGeom>
+          </p:spPr>
+          <p:style>
+            <a:lnRef idx="2">
+              <a:schemeClr val="accent1">
+                <a:shade val="50000"/>
+              </a:schemeClr>
+            </a:lnRef>
+            <a:fillRef idx="1">
+              <a:schemeClr val="accent1"/>
+            </a:fillRef>
+            <a:effectRef idx="0">
+              <a:schemeClr val="accent1"/>
+            </a:effectRef>
+            <a:fontRef idx="minor">
+              <a:schemeClr val="lt1"/>
+            </a:fontRef>
+          </p:style>
+          <p:txBody>
+            <a:bodyPr rtlCol="0" anchor="ctr"/>
+            <a:lstStyle/>
+            <a:p>
+              <a:pPr algn="ctr"/>
+              <a:r>
+                <a:rPr lang="en-US" altLang="zh-CN" sz="2800" dirty="0" err="1"/>
+                <a:t>ElectronicComponent</a:t>
+              </a:r>
+              <a:endParaRPr lang="en-US" altLang="zh-CN" sz="2800" dirty="0"/>
+            </a:p>
+            <a:p>
+              <a:pPr algn="ctr"/>
+              <a:endParaRPr lang="en-US" sz="2800" dirty="0"/>
+            </a:p>
+          </p:txBody>
+        </p:sp>
+        <p:sp>
+          <p:nvSpPr>
+            <p:cNvPr id="5" name="Rectangle 4">
+              <a:extLst>
+                <a:ext uri="{FF2B5EF4-FFF2-40B4-BE49-F238E27FC236}">
+                  <a16:creationId xmlns:a16="http://schemas.microsoft.com/office/drawing/2014/main" id="{8CECCB3C-8DD3-8048-B042-E9474F2F1203}"/>
+                </a:ext>
+              </a:extLst>
+            </p:cNvPr>
+            <p:cNvSpPr/>
+            <p:nvPr/>
+          </p:nvSpPr>
+          <p:spPr>
+            <a:xfrm>
+              <a:off x="1949488" y="2677884"/>
+              <a:ext cx="1630448" cy="437269"/>
+            </a:xfrm>
+            <a:prstGeom prst="rect">
+              <a:avLst/>
+            </a:prstGeom>
+          </p:spPr>
+          <p:style>
+            <a:lnRef idx="2">
+              <a:schemeClr val="accent6">
+                <a:shade val="50000"/>
+              </a:schemeClr>
+            </a:lnRef>
+            <a:fillRef idx="1">
+              <a:schemeClr val="accent6"/>
+            </a:fillRef>
+            <a:effectRef idx="0">
+              <a:schemeClr val="accent6"/>
+            </a:effectRef>
+            <a:fontRef idx="minor">
+              <a:schemeClr val="lt1"/>
+            </a:fontRef>
+          </p:style>
+          <p:txBody>
+            <a:bodyPr rtlCol="0" anchor="ctr"/>
+            <a:lstStyle/>
+            <a:p>
+              <a:pPr algn="ctr"/>
+              <a:r>
+                <a:rPr lang="en-US" dirty="0"/>
+                <a:t>Pin</a:t>
+              </a:r>
+            </a:p>
+          </p:txBody>
+        </p:sp>
+        <p:sp>
+          <p:nvSpPr>
+            <p:cNvPr id="8" name="Rectangle 7">
+              <a:extLst>
+                <a:ext uri="{FF2B5EF4-FFF2-40B4-BE49-F238E27FC236}">
+                  <a16:creationId xmlns:a16="http://schemas.microsoft.com/office/drawing/2014/main" id="{D8430D1D-798D-7D4E-86AE-83DB7780B8E0}"/>
+                </a:ext>
+              </a:extLst>
+            </p:cNvPr>
+            <p:cNvSpPr/>
+            <p:nvPr/>
+          </p:nvSpPr>
+          <p:spPr>
+            <a:xfrm>
+              <a:off x="4574083" y="2677885"/>
+              <a:ext cx="1630448" cy="437269"/>
+            </a:xfrm>
+            <a:prstGeom prst="rect">
+              <a:avLst/>
+            </a:prstGeom>
+          </p:spPr>
+          <p:style>
+            <a:lnRef idx="2">
+              <a:schemeClr val="accent5">
+                <a:shade val="50000"/>
+              </a:schemeClr>
+            </a:lnRef>
+            <a:fillRef idx="1">
+              <a:schemeClr val="accent5"/>
+            </a:fillRef>
+            <a:effectRef idx="0">
+              <a:schemeClr val="accent5"/>
+            </a:effectRef>
+            <a:fontRef idx="minor">
+              <a:schemeClr val="lt1"/>
+            </a:fontRef>
+          </p:style>
+          <p:txBody>
+            <a:bodyPr rtlCol="0" anchor="ctr"/>
+            <a:lstStyle/>
+            <a:p>
+              <a:pPr algn="ctr"/>
+              <a:r>
+                <a:rPr lang="en-US" dirty="0"/>
+                <a:t>Pin</a:t>
+              </a:r>
+            </a:p>
+          </p:txBody>
+        </p:sp>
+      </p:grpSp>
+      <p:grpSp>
+        <p:nvGrpSpPr>
+          <p:cNvPr id="10" name="Group 9">
+            <a:extLst>
+              <a:ext uri="{FF2B5EF4-FFF2-40B4-BE49-F238E27FC236}">
+                <a16:creationId xmlns:a16="http://schemas.microsoft.com/office/drawing/2014/main" id="{2944E7F7-4557-534B-9D1E-0E9F2C5CB195}"/>
+              </a:ext>
+            </a:extLst>
+          </p:cNvPr>
+          <p:cNvGrpSpPr/>
+          <p:nvPr/>
+        </p:nvGrpSpPr>
+        <p:grpSpPr>
+          <a:xfrm>
+            <a:off x="2137860" y="4678208"/>
+            <a:ext cx="4872446" cy="1423852"/>
+            <a:chOff x="1648003" y="1802675"/>
+            <a:chExt cx="4872446" cy="1423852"/>
+          </a:xfrm>
+        </p:grpSpPr>
+        <p:sp>
+          <p:nvSpPr>
+            <p:cNvPr id="11" name="Rectangle 10">
+              <a:extLst>
+                <a:ext uri="{FF2B5EF4-FFF2-40B4-BE49-F238E27FC236}">
+                  <a16:creationId xmlns:a16="http://schemas.microsoft.com/office/drawing/2014/main" id="{32079154-9A59-E542-81FC-A3825EB68503}"/>
+                </a:ext>
+              </a:extLst>
+            </p:cNvPr>
+            <p:cNvSpPr/>
+            <p:nvPr/>
+          </p:nvSpPr>
+          <p:spPr>
+            <a:xfrm>
+              <a:off x="1648003" y="1802675"/>
+              <a:ext cx="4872446" cy="1423852"/>
+            </a:xfrm>
+            <a:prstGeom prst="rect">
+              <a:avLst/>
+            </a:prstGeom>
+          </p:spPr>
+          <p:style>
+            <a:lnRef idx="2">
+              <a:schemeClr val="accent1">
+                <a:shade val="50000"/>
+              </a:schemeClr>
+            </a:lnRef>
+            <a:fillRef idx="1">
+              <a:schemeClr val="accent1"/>
+            </a:fillRef>
+            <a:effectRef idx="0">
+              <a:schemeClr val="accent1"/>
+            </a:effectRef>
+            <a:fontRef idx="minor">
+              <a:schemeClr val="lt1"/>
+            </a:fontRef>
+          </p:style>
+          <p:txBody>
+            <a:bodyPr rtlCol="0" anchor="ctr"/>
+            <a:lstStyle/>
+            <a:p>
+              <a:pPr algn="ctr"/>
+              <a:r>
+                <a:rPr lang="en-US" altLang="zh-CN" sz="2800" dirty="0" err="1"/>
+                <a:t>ElectronicComponent</a:t>
+              </a:r>
+              <a:endParaRPr lang="en-US" altLang="zh-CN" sz="2800" dirty="0"/>
+            </a:p>
+            <a:p>
+              <a:pPr algn="ctr"/>
+              <a:endParaRPr lang="en-US" sz="2800" dirty="0"/>
+            </a:p>
+          </p:txBody>
+        </p:sp>
+        <p:sp>
+          <p:nvSpPr>
+            <p:cNvPr id="12" name="Rectangle 11">
+              <a:extLst>
+                <a:ext uri="{FF2B5EF4-FFF2-40B4-BE49-F238E27FC236}">
+                  <a16:creationId xmlns:a16="http://schemas.microsoft.com/office/drawing/2014/main" id="{4298673B-C75A-0B47-85D4-622B40C9C905}"/>
+                </a:ext>
+              </a:extLst>
+            </p:cNvPr>
+            <p:cNvSpPr/>
+            <p:nvPr/>
+          </p:nvSpPr>
+          <p:spPr>
+            <a:xfrm>
+              <a:off x="1949488" y="2677884"/>
+              <a:ext cx="1630448" cy="437269"/>
+            </a:xfrm>
+            <a:prstGeom prst="rect">
+              <a:avLst/>
+            </a:prstGeom>
+          </p:spPr>
+          <p:style>
+            <a:lnRef idx="2">
+              <a:schemeClr val="accent6">
+                <a:shade val="50000"/>
+              </a:schemeClr>
+            </a:lnRef>
+            <a:fillRef idx="1">
+              <a:schemeClr val="accent6"/>
+            </a:fillRef>
+            <a:effectRef idx="0">
+              <a:schemeClr val="accent6"/>
+            </a:effectRef>
+            <a:fontRef idx="minor">
+              <a:schemeClr val="lt1"/>
+            </a:fontRef>
+          </p:style>
+          <p:txBody>
+            <a:bodyPr rtlCol="0" anchor="ctr"/>
+            <a:lstStyle/>
+            <a:p>
+              <a:pPr algn="ctr"/>
+              <a:r>
+                <a:rPr lang="en-US" dirty="0"/>
+                <a:t>Pin</a:t>
+              </a:r>
+            </a:p>
+          </p:txBody>
+        </p:sp>
+        <p:sp>
+          <p:nvSpPr>
+            <p:cNvPr id="13" name="Rectangle 12">
+              <a:extLst>
+                <a:ext uri="{FF2B5EF4-FFF2-40B4-BE49-F238E27FC236}">
+                  <a16:creationId xmlns:a16="http://schemas.microsoft.com/office/drawing/2014/main" id="{81E9EA12-D0C9-114E-9640-1EC24C414DD0}"/>
+                </a:ext>
+              </a:extLst>
+            </p:cNvPr>
+            <p:cNvSpPr/>
+            <p:nvPr/>
+          </p:nvSpPr>
+          <p:spPr>
+            <a:xfrm>
+              <a:off x="4574083" y="2677885"/>
+              <a:ext cx="1630448" cy="437269"/>
+            </a:xfrm>
+            <a:prstGeom prst="rect">
+              <a:avLst/>
+            </a:prstGeom>
+          </p:spPr>
+          <p:style>
+            <a:lnRef idx="2">
+              <a:schemeClr val="accent5">
+                <a:shade val="50000"/>
+              </a:schemeClr>
+            </a:lnRef>
+            <a:fillRef idx="1">
+              <a:schemeClr val="accent5"/>
+            </a:fillRef>
+            <a:effectRef idx="0">
+              <a:schemeClr val="accent5"/>
+            </a:effectRef>
+            <a:fontRef idx="minor">
+              <a:schemeClr val="lt1"/>
+            </a:fontRef>
+          </p:style>
+          <p:txBody>
+            <a:bodyPr rtlCol="0" anchor="ctr"/>
+            <a:lstStyle/>
+            <a:p>
+              <a:pPr algn="ctr"/>
+              <a:r>
+                <a:rPr lang="en-US" dirty="0"/>
+                <a:t>Pin</a:t>
+              </a:r>
+            </a:p>
+          </p:txBody>
+        </p:sp>
+      </p:grpSp>
+      <p:cxnSp>
+        <p:nvCxnSpPr>
+          <p:cNvPr id="20" name="Elbow Connector 19">
+            <a:extLst>
+              <a:ext uri="{FF2B5EF4-FFF2-40B4-BE49-F238E27FC236}">
+                <a16:creationId xmlns:a16="http://schemas.microsoft.com/office/drawing/2014/main" id="{3C444E02-5885-CD42-87CE-C5369914743D}"/>
+              </a:ext>
+            </a:extLst>
+          </p:cNvPr>
+          <p:cNvCxnSpPr>
+            <a:cxnSpLocks/>
+            <a:stCxn id="5" idx="1"/>
+            <a:endCxn id="12" idx="1"/>
+          </p:cNvCxnSpPr>
+          <p:nvPr/>
+        </p:nvCxnSpPr>
+        <p:spPr>
+          <a:xfrm rot="10800000" flipV="1">
+            <a:off x="2439345" y="3154742"/>
+            <a:ext cx="12700" cy="2617310"/>
+          </a:xfrm>
+          <a:prstGeom prst="bentConnector3">
+            <a:avLst>
+              <a:gd name="adj1" fmla="val 1800000"/>
+            </a:avLst>
+          </a:prstGeom>
+          <a:ln w="76200">
+            <a:solidFill>
+              <a:srgbClr val="00B050"/>
+            </a:solidFill>
+          </a:ln>
+        </p:spPr>
+        <p:style>
+          <a:lnRef idx="1">
+            <a:schemeClr val="accent1"/>
+          </a:lnRef>
+          <a:fillRef idx="0">
+            <a:schemeClr val="accent1"/>
+          </a:fillRef>
+          <a:effectRef idx="0">
+            <a:schemeClr val="accent1"/>
+          </a:effectRef>
+          <a:fontRef idx="minor">
+            <a:schemeClr val="tx1"/>
+          </a:fontRef>
+        </p:style>
+      </p:cxnSp>
+      <p:sp>
+        <p:nvSpPr>
+          <p:cNvPr id="24" name="Rectangle 23">
+            <a:extLst>
+              <a:ext uri="{FF2B5EF4-FFF2-40B4-BE49-F238E27FC236}">
+                <a16:creationId xmlns:a16="http://schemas.microsoft.com/office/drawing/2014/main" id="{50832AEF-5E5E-0D44-ABE6-E09B6F188894}"/>
+              </a:ext>
+            </a:extLst>
+          </p:cNvPr>
+          <p:cNvSpPr/>
+          <p:nvPr/>
+        </p:nvSpPr>
+        <p:spPr>
+          <a:xfrm>
+            <a:off x="4857974" y="2824734"/>
+            <a:ext cx="2304638" cy="812416"/>
+          </a:xfrm>
+          <a:prstGeom prst="rect">
+            <a:avLst/>
+          </a:prstGeom>
+          <a:solidFill>
+            <a:srgbClr val="0061FF">
+              <a:alpha val="29804"/>
+            </a:srgbClr>
+          </a:solidFill>
+          <a:ln w="57150">
+            <a:solidFill>
+              <a:srgbClr val="0070C0"/>
+            </a:solidFill>
+          </a:ln>
+        </p:spPr>
+        <p:style>
+          <a:lnRef idx="2">
+            <a:schemeClr val="accent1"/>
+          </a:lnRef>
+          <a:fillRef idx="1">
+            <a:schemeClr val="lt1"/>
+          </a:fillRef>
+          <a:effectRef idx="0">
+            <a:schemeClr val="accent1"/>
+          </a:effectRef>
+          <a:fontRef idx="minor">
+            <a:schemeClr val="dk1"/>
+          </a:fontRef>
+        </p:style>
+        <p:txBody>
+          <a:bodyPr rtlCol="0" anchor="ctr"/>
+          <a:lstStyle/>
+          <a:p>
+            <a:pPr algn="ctr"/>
+            <a:r>
+              <a:rPr lang="en-US" altLang="zh-Hans" sz="3200" dirty="0">
+                <a:solidFill>
+                  <a:schemeClr val="tx1"/>
+                </a:solidFill>
+              </a:rPr>
+              <a:t>Node</a:t>
+            </a:r>
+            <a:endParaRPr lang="en-US" sz="3200" dirty="0">
+              <a:solidFill>
+                <a:schemeClr val="tx1"/>
+              </a:solidFill>
+            </a:endParaRPr>
+          </a:p>
+        </p:txBody>
+      </p:sp>
+      <p:sp>
+        <p:nvSpPr>
+          <p:cNvPr id="25" name="Rectangle 24">
+            <a:extLst>
+              <a:ext uri="{FF2B5EF4-FFF2-40B4-BE49-F238E27FC236}">
+                <a16:creationId xmlns:a16="http://schemas.microsoft.com/office/drawing/2014/main" id="{B2BA2041-9CE5-A34D-B99B-29265E0B0F2E}"/>
+              </a:ext>
+            </a:extLst>
+          </p:cNvPr>
+          <p:cNvSpPr/>
+          <p:nvPr/>
+        </p:nvSpPr>
+        <p:spPr>
+          <a:xfrm>
+            <a:off x="4857974" y="5289644"/>
+            <a:ext cx="2304638" cy="812416"/>
+          </a:xfrm>
+          <a:prstGeom prst="rect">
+            <a:avLst/>
+          </a:prstGeom>
+          <a:solidFill>
+            <a:srgbClr val="0061FF">
+              <a:alpha val="29804"/>
+            </a:srgbClr>
+          </a:solidFill>
+          <a:ln w="57150">
+            <a:solidFill>
+              <a:srgbClr val="0070C0"/>
+            </a:solidFill>
+          </a:ln>
+        </p:spPr>
+        <p:style>
+          <a:lnRef idx="2">
+            <a:schemeClr val="accent1"/>
+          </a:lnRef>
+          <a:fillRef idx="1">
+            <a:schemeClr val="lt1"/>
+          </a:fillRef>
+          <a:effectRef idx="0">
+            <a:schemeClr val="accent1"/>
+          </a:effectRef>
+          <a:fontRef idx="minor">
+            <a:schemeClr val="dk1"/>
+          </a:fontRef>
+        </p:style>
+        <p:txBody>
+          <a:bodyPr rtlCol="0" anchor="ctr"/>
+          <a:lstStyle/>
+          <a:p>
+            <a:pPr algn="ctr"/>
+            <a:r>
+              <a:rPr lang="en-US" altLang="zh-Hans" sz="3200" dirty="0">
+                <a:solidFill>
+                  <a:schemeClr val="tx1"/>
+                </a:solidFill>
+              </a:rPr>
+              <a:t>Node</a:t>
+            </a:r>
+            <a:endParaRPr lang="en-US" sz="3200" dirty="0">
+              <a:solidFill>
+                <a:schemeClr val="tx1"/>
+              </a:solidFill>
+            </a:endParaRPr>
+          </a:p>
+        </p:txBody>
+      </p:sp>
+      <p:sp>
+        <p:nvSpPr>
+          <p:cNvPr id="23" name="Rectangle 22">
+            <a:extLst>
+              <a:ext uri="{FF2B5EF4-FFF2-40B4-BE49-F238E27FC236}">
+                <a16:creationId xmlns:a16="http://schemas.microsoft.com/office/drawing/2014/main" id="{05EEB5F9-80AF-9842-BA06-5B57467549E0}"/>
+              </a:ext>
+            </a:extLst>
+          </p:cNvPr>
+          <p:cNvSpPr/>
+          <p:nvPr/>
+        </p:nvSpPr>
+        <p:spPr>
+          <a:xfrm>
+            <a:off x="1985554" y="2824734"/>
+            <a:ext cx="2418630" cy="3277326"/>
+          </a:xfrm>
+          <a:prstGeom prst="rect">
+            <a:avLst/>
+          </a:prstGeom>
+          <a:solidFill>
+            <a:srgbClr val="0061FF">
+              <a:alpha val="29804"/>
+            </a:srgbClr>
+          </a:solidFill>
+          <a:ln w="57150">
+            <a:solidFill>
+              <a:srgbClr val="0070C0"/>
+            </a:solidFill>
+          </a:ln>
+        </p:spPr>
+        <p:style>
+          <a:lnRef idx="2">
+            <a:schemeClr val="accent1"/>
+          </a:lnRef>
+          <a:fillRef idx="1">
+            <a:schemeClr val="lt1"/>
+          </a:fillRef>
+          <a:effectRef idx="0">
+            <a:schemeClr val="accent1"/>
+          </a:effectRef>
+          <a:fontRef idx="minor">
+            <a:schemeClr val="dk1"/>
+          </a:fontRef>
+        </p:style>
+        <p:txBody>
+          <a:bodyPr rtlCol="0" anchor="ctr"/>
+          <a:lstStyle/>
+          <a:p>
+            <a:pPr algn="ctr"/>
+            <a:r>
+              <a:rPr lang="en-US" altLang="zh-Hans" sz="3200" dirty="0">
+                <a:solidFill>
+                  <a:schemeClr val="tx1"/>
+                </a:solidFill>
+              </a:rPr>
+              <a:t>Node</a:t>
+            </a:r>
+            <a:endParaRPr lang="en-US" sz="3200" dirty="0">
+              <a:solidFill>
+                <a:schemeClr val="tx1"/>
+              </a:solidFill>
+            </a:endParaRPr>
+          </a:p>
+        </p:txBody>
+      </p:sp>
+    </p:spTree>
+    <p:extLst>
+      <p:ext uri="{BB962C8B-B14F-4D97-AF65-F5344CB8AC3E}">
+        <p14:creationId xmlns:p14="http://schemas.microsoft.com/office/powerpoint/2010/main" val="4128069879"/>
+      </p:ext>
+    </p:extLst>
+  </p:cSld>
+  <p:clrMapOvr>
+    <a:masterClrMapping/>
+  </p:clrMapOvr>
+  <p:timing>
+    <p:tnLst>
+      <p:par>
+        <p:cTn id="1" dur="indefinite" restart="never" nodeType="tmRoot">
+          <p:childTnLst>
+            <p:seq concurrent="1" nextAc="seek">
+              <p:cTn id="2" dur="indefinite" nodeType="mainSeq">
+                <p:childTnLst>
+                  <p:par>
+                    <p:cTn id="3" fill="hold">
+                      <p:stCondLst>
+                        <p:cond delay="indefinite"/>
+                      </p:stCondLst>
+                      <p:childTnLst>
+                        <p:par>
+                          <p:cTn id="4" fill="hold">
+                            <p:stCondLst>
+                              <p:cond delay="0"/>
+                            </p:stCondLst>
+                            <p:childTnLst>
+                              <p:par>
+                                <p:cTn id="5" presetID="22" presetClass="entr" presetSubtype="1" fill="hold" nodeType="clickEffect">
+                                  <p:stCondLst>
+                                    <p:cond delay="0"/>
+                                  </p:stCondLst>
+                                  <p:childTnLst>
+                                    <p:set>
+                                      <p:cBhvr>
+                                        <p:cTn id="6" dur="1" fill="hold">
+                                          <p:stCondLst>
+                                            <p:cond delay="0"/>
+                                          </p:stCondLst>
+                                        </p:cTn>
+                                        <p:tgtEl>
+                                          <p:spTgt spid="20"/>
+                                        </p:tgtEl>
+                                        <p:attrNameLst>
+                                          <p:attrName>style.visibility</p:attrName>
+                                        </p:attrNameLst>
+                                      </p:cBhvr>
+                                      <p:to>
+                                        <p:strVal val="visible"/>
+                                      </p:to>
+                                    </p:set>
+                                    <p:animEffect transition="in" filter="wipe(up)">
+                                      <p:cBhvr>
+                                        <p:cTn id="7" dur="500"/>
+                                        <p:tgtEl>
+                                          <p:spTgt spid="20"/>
+                                        </p:tgtEl>
+                                      </p:cBhvr>
+                                    </p:animEffect>
+                                  </p:childTnLst>
+                                </p:cTn>
+                              </p:par>
+                            </p:childTnLst>
+                          </p:cTn>
+                        </p:par>
+                      </p:childTnLst>
+                    </p:cTn>
+                  </p:par>
+                  <p:par>
+                    <p:cTn id="8" fill="hold">
+                      <p:stCondLst>
+                        <p:cond delay="indefinite"/>
+                      </p:stCondLst>
+                      <p:childTnLst>
+                        <p:par>
+                          <p:cTn id="9" fill="hold">
+                            <p:stCondLst>
+                              <p:cond delay="0"/>
+                            </p:stCondLst>
+                            <p:childTnLst>
+                              <p:par>
+                                <p:cTn id="10" presetID="1" presetClass="entr" presetSubtype="0" fill="hold" grpId="0" nodeType="clickEffect">
+                                  <p:stCondLst>
+                                    <p:cond delay="0"/>
+                                  </p:stCondLst>
+                                  <p:childTnLst>
+                                    <p:set>
+                                      <p:cBhvr>
+                                        <p:cTn id="11" dur="1" fill="hold">
+                                          <p:stCondLst>
+                                            <p:cond delay="0"/>
+                                          </p:stCondLst>
+                                        </p:cTn>
+                                        <p:tgtEl>
+                                          <p:spTgt spid="23"/>
+                                        </p:tgtEl>
+                                        <p:attrNameLst>
+                                          <p:attrName>style.visibility</p:attrName>
+                                        </p:attrNameLst>
+                                      </p:cBhvr>
+                                      <p:to>
+                                        <p:strVal val="visible"/>
+                                      </p:to>
+                                    </p:set>
+                                  </p:childTnLst>
+                                </p:cTn>
+                              </p:par>
+                              <p:par>
+                                <p:cTn id="12" presetID="1" presetClass="entr" presetSubtype="0" fill="hold" grpId="0" nodeType="withEffect">
+                                  <p:stCondLst>
+                                    <p:cond delay="0"/>
+                                  </p:stCondLst>
+                                  <p:childTnLst>
+                                    <p:set>
+                                      <p:cBhvr>
+                                        <p:cTn id="13" dur="1" fill="hold">
+                                          <p:stCondLst>
+                                            <p:cond delay="0"/>
+                                          </p:stCondLst>
+                                        </p:cTn>
+                                        <p:tgtEl>
+                                          <p:spTgt spid="24"/>
+                                        </p:tgtEl>
+                                        <p:attrNameLst>
+                                          <p:attrName>style.visibility</p:attrName>
+                                        </p:attrNameLst>
+                                      </p:cBhvr>
+                                      <p:to>
+                                        <p:strVal val="visible"/>
+                                      </p:to>
+                                    </p:set>
+                                  </p:childTnLst>
+                                </p:cTn>
+                              </p:par>
+                              <p:par>
+                                <p:cTn id="14" presetID="1" presetClass="entr" presetSubtype="0" fill="hold" grpId="0" nodeType="withEffect">
+                                  <p:stCondLst>
+                                    <p:cond delay="0"/>
+                                  </p:stCondLst>
+                                  <p:childTnLst>
+                                    <p:set>
+                                      <p:cBhvr>
+                                        <p:cTn id="15" dur="1" fill="hold">
+                                          <p:stCondLst>
+                                            <p:cond delay="0"/>
+                                          </p:stCondLst>
+                                        </p:cTn>
+                                        <p:tgtEl>
+                                          <p:spTgt spid="25"/>
+                                        </p:tgtEl>
+                                        <p:attrNameLst>
+                                          <p:attrName>style.visibility</p:attrName>
+                                        </p:attrNameLst>
+                                      </p:cBhvr>
+                                      <p:to>
+                                        <p:strVal val="visible"/>
+                                      </p:to>
+                                    </p:set>
+                                  </p:childTnLst>
+                                </p:cTn>
+                              </p:par>
+                            </p:childTnLst>
+                          </p:cTn>
+                        </p:par>
+                      </p:childTnLst>
+                    </p:cTn>
+                  </p:par>
+                </p:childTnLst>
+              </p:cTn>
+              <p:prevCondLst>
+                <p:cond evt="onPrev" delay="0">
+                  <p:tgtEl>
+                    <p:sldTgt/>
+                  </p:tgtEl>
+                </p:cond>
+              </p:prevCondLst>
+              <p:nextCondLst>
+                <p:cond evt="onNext" delay="0">
+                  <p:tgtEl>
+                    <p:sldTgt/>
+                  </p:tgtEl>
+                </p:cond>
+              </p:nextCondLst>
+            </p:seq>
+          </p:childTnLst>
+        </p:cTn>
+      </p:par>
+    </p:tnLst>
+    <p:bldLst>
+      <p:bldP spid="24" grpId="0" animBg="1"/>
+      <p:bldP spid="25" grpId="0" animBg="1"/>
+      <p:bldP spid="23" grpId="0" animBg="1"/>
+    </p:bldLst>
+  </p:timing>
+</p:sld>
+</file>
+
+<file path=ppt/slides/slide5.xml><?xml version="1.0" encoding="utf-8"?>
+<p:sld xmlns:a="http://schemas.openxmlformats.org/drawingml/2006/main" xmlns:r="http://schemas.openxmlformats.org/officeDocument/2006/relationships" xmlns:p="http://schemas.openxmlformats.org/presentationml/2006/main">
+  <p:cSld>
+    <p:spTree>
+      <p:nvGrpSpPr>
+        <p:cNvPr id="1" name=""/>
+        <p:cNvGrpSpPr/>
+        <p:nvPr/>
+      </p:nvGrpSpPr>
+      <p:grpSpPr>
+        <a:xfrm>
+          <a:off x="0" y="0"/>
+          <a:ext cx="0" cy="0"/>
+          <a:chOff x="0" y="0"/>
+          <a:chExt cx="0" cy="0"/>
+        </a:xfrm>
+      </p:grpSpPr>
+      <p:sp>
+        <p:nvSpPr>
+          <p:cNvPr id="2" name="Title 1">
+            <a:extLst>
+              <a:ext uri="{FF2B5EF4-FFF2-40B4-BE49-F238E27FC236}">
+                <a16:creationId xmlns:a16="http://schemas.microsoft.com/office/drawing/2014/main" id="{8EE67E08-BF99-F048-B73B-7DCD472B9306}"/>
+              </a:ext>
+            </a:extLst>
+          </p:cNvPr>
+          <p:cNvSpPr>
+            <a:spLocks noGrp="1"/>
+          </p:cNvSpPr>
+          <p:nvPr>
+            <p:ph type="title"/>
+          </p:nvPr>
+        </p:nvSpPr>
+        <p:spPr/>
+        <p:txBody>
+          <a:bodyPr/>
+          <a:lstStyle/>
+          <a:p>
+            <a:r>
+              <a:rPr lang="en-US" altLang="zh-Hans" dirty="0"/>
+              <a:t>Circuit</a:t>
+            </a:r>
+            <a:r>
+              <a:rPr lang="zh-Hans" altLang="en-US" dirty="0"/>
+              <a:t> </a:t>
+            </a:r>
+            <a:r>
+              <a:rPr lang="en-US" altLang="zh-Hans" dirty="0"/>
+              <a:t>Simulation</a:t>
+            </a:r>
+            <a:r>
+              <a:rPr lang="zh-Hans" altLang="en-US" dirty="0"/>
+              <a:t> </a:t>
+            </a:r>
+            <a:r>
+              <a:rPr lang="en-US" altLang="zh-Hans" dirty="0"/>
+              <a:t>Engine</a:t>
+            </a:r>
+            <a:r>
+              <a:rPr lang="zh-Hans" altLang="en-US" dirty="0"/>
+              <a:t> </a:t>
+            </a:r>
+            <a:r>
+              <a:rPr lang="en-US" altLang="zh-Hans" dirty="0"/>
+              <a:t>0526</a:t>
+            </a:r>
+            <a:endParaRPr lang="en-US" dirty="0"/>
+          </a:p>
+        </p:txBody>
+      </p:sp>
+      <mc:AlternateContent xmlns:mc="http://schemas.openxmlformats.org/markup-compatibility/2006">
+        <mc:Choice xmlns:a14="http://schemas.microsoft.com/office/drawing/2010/main" Requires="a14">
+          <p:graphicFrame>
+            <p:nvGraphicFramePr>
+              <p:cNvPr id="4" name="图示 4">
+                <a:extLst>
+                  <a:ext uri="{FF2B5EF4-FFF2-40B4-BE49-F238E27FC236}">
+                    <a16:creationId xmlns:a16="http://schemas.microsoft.com/office/drawing/2014/main" id="{B5A20F94-B313-C04F-BF30-AF3487FA4C26}"/>
+                  </a:ext>
+                </a:extLst>
+              </p:cNvPr>
+              <p:cNvGraphicFramePr>
+                <a:graphicFrameLocks noGrp="1"/>
+              </p:cNvGraphicFramePr>
+              <p:nvPr>
+                <p:ph idx="1"/>
+                <p:extLst>
+                  <p:ext uri="{D42A27DB-BD31-4B8C-83A1-F6EECF244321}">
+                    <p14:modId xmlns:p14="http://schemas.microsoft.com/office/powerpoint/2010/main" val="3840447171"/>
+                  </p:ext>
+                </p:extLst>
+              </p:nvPr>
+            </p:nvGraphicFramePr>
+            <p:xfrm>
+              <a:off x="817770" y="2112827"/>
+              <a:ext cx="7512050" cy="4041775"/>
+            </p:xfrm>
+            <a:graphic>
+              <a:graphicData uri="http://schemas.openxmlformats.org/drawingml/2006/diagram">
+                <dgm:relIds xmlns:dgm="http://schemas.openxmlformats.org/drawingml/2006/diagram" xmlns:r="http://schemas.openxmlformats.org/officeDocument/2006/relationships" r:dm="rId2" r:lo="rId3" r:qs="rId4" r:cs="rId5"/>
+              </a:graphicData>
+            </a:graphic>
+          </p:graphicFrame>
+        </mc:Choice>
+        <mc:Fallback>
+          <p:graphicFrame>
+            <p:nvGraphicFramePr>
+              <p:cNvPr id="4" name="图示 4">
+                <a:extLst>
+                  <a:ext uri="{FF2B5EF4-FFF2-40B4-BE49-F238E27FC236}">
+                    <a16:creationId xmlns:a16="http://schemas.microsoft.com/office/drawing/2014/main" id="{B5A20F94-B313-C04F-BF30-AF3487FA4C26}"/>
+                  </a:ext>
+                </a:extLst>
+              </p:cNvPr>
+              <p:cNvGraphicFramePr>
+                <a:graphicFrameLocks noGrp="1"/>
+              </p:cNvGraphicFramePr>
+              <p:nvPr>
+                <p:ph idx="1"/>
+                <p:extLst>
+                  <p:ext uri="{D42A27DB-BD31-4B8C-83A1-F6EECF244321}">
+                    <p14:modId xmlns:p14="http://schemas.microsoft.com/office/powerpoint/2010/main" val="3840447171"/>
+                  </p:ext>
+                </p:extLst>
+              </p:nvPr>
+            </p:nvGraphicFramePr>
+            <p:xfrm>
+              <a:off x="817770" y="2112827"/>
+              <a:ext cx="7512050" cy="4041775"/>
+            </p:xfrm>
+            <a:graphic>
+              <a:graphicData uri="http://schemas.openxmlformats.org/drawingml/2006/diagram">
+                <dgm:relIds xmlns:dgm="http://schemas.openxmlformats.org/drawingml/2006/diagram" xmlns:r="http://schemas.openxmlformats.org/officeDocument/2006/relationships" r:dm="rId7" r:lo="rId3" r:qs="rId4" r:cs="rId5"/>
+              </a:graphicData>
+            </a:graphic>
+          </p:graphicFrame>
+        </mc:Fallback>
+      </mc:AlternateContent>
+    </p:spTree>
+    <p:extLst>
+      <p:ext uri="{BB962C8B-B14F-4D97-AF65-F5344CB8AC3E}">
+        <p14:creationId xmlns:p14="http://schemas.microsoft.com/office/powerpoint/2010/main" val="3819165751"/>
+      </p:ext>
+    </p:extLst>
+  </p:cSld>
+  <p:clrMapOvr>
+    <a:masterClrMapping/>
+  </p:clrMapOvr>
+</p:sld>
+</file>
+
+<file path=ppt/slides/slide6.xml><?xml version="1.0" encoding="utf-8"?>
+<p:sld xmlns:a="http://schemas.openxmlformats.org/drawingml/2006/main" xmlns:r="http://schemas.openxmlformats.org/officeDocument/2006/relationships" xmlns:p="http://schemas.openxmlformats.org/presentationml/2006/main">
+  <p:cSld>
+    <p:spTree>
+      <p:nvGrpSpPr>
+        <p:cNvPr id="1" name=""/>
+        <p:cNvGrpSpPr/>
+        <p:nvPr/>
+      </p:nvGrpSpPr>
+      <p:grpSpPr>
+        <a:xfrm>
+          <a:off x="0" y="0"/>
+          <a:ext cx="0" cy="0"/>
+          <a:chOff x="0" y="0"/>
+          <a:chExt cx="0" cy="0"/>
+        </a:xfrm>
+      </p:grpSpPr>
+      <p:sp>
+        <p:nvSpPr>
+          <p:cNvPr id="2" name="Title 1">
+            <a:extLst>
+              <a:ext uri="{FF2B5EF4-FFF2-40B4-BE49-F238E27FC236}">
                 <a16:creationId xmlns:a16="http://schemas.microsoft.com/office/drawing/2014/main" id="{64EE5A05-0259-1540-9BAE-EC13616F490B}"/>
               </a:ext>
             </a:extLst>
@@ -6942,7 +12754,7 @@
 </p:sld>
 </file>
 
-<file path=ppt/slides/slide5.xml><?xml version="1.0" encoding="utf-8"?>
+<file path=ppt/slides/slide7.xml><?xml version="1.0" encoding="utf-8"?>
 <p:sld xmlns:a="http://schemas.openxmlformats.org/drawingml/2006/main" xmlns:r="http://schemas.openxmlformats.org/officeDocument/2006/relationships" xmlns:p="http://schemas.openxmlformats.org/presentationml/2006/main">
   <p:cSld>
     <p:spTree>
@@ -7112,7 +12924,7 @@
 </p:sld>
 </file>
 
-<file path=ppt/slides/slide6.xml><?xml version="1.0" encoding="utf-8"?>
+<file path=ppt/slides/slide8.xml><?xml version="1.0" encoding="utf-8"?>
 <p:sld xmlns:a="http://schemas.openxmlformats.org/drawingml/2006/main" xmlns:r="http://schemas.openxmlformats.org/officeDocument/2006/relationships" xmlns:p="http://schemas.openxmlformats.org/presentationml/2006/main">
   <p:cSld>
     <p:spTree>
@@ -7377,7 +13189,7 @@
 </p:sld>
 </file>
 
-<file path=ppt/slides/slide7.xml><?xml version="1.0" encoding="utf-8"?>
+<file path=ppt/slides/slide9.xml><?xml version="1.0" encoding="utf-8"?>
 <p:sld xmlns:a="http://schemas.openxmlformats.org/drawingml/2006/main" xmlns:r="http://schemas.openxmlformats.org/officeDocument/2006/relationships" xmlns:p="http://schemas.openxmlformats.org/presentationml/2006/main">
   <p:cSld>
     <p:spTree>
@@ -7576,216 +13388,6 @@
     <p:extLst>
       <p:ext uri="{BB962C8B-B14F-4D97-AF65-F5344CB8AC3E}">
         <p14:creationId xmlns:p14="http://schemas.microsoft.com/office/powerpoint/2010/main" val="1076373593"/>
-      </p:ext>
-    </p:extLst>
-  </p:cSld>
-  <p:clrMapOvr>
-    <a:masterClrMapping/>
-  </p:clrMapOvr>
-</p:sld>
-</file>
-
-<file path=ppt/slides/slide8.xml><?xml version="1.0" encoding="utf-8"?>
-<p:sld xmlns:a="http://schemas.openxmlformats.org/drawingml/2006/main" xmlns:r="http://schemas.openxmlformats.org/officeDocument/2006/relationships" xmlns:p="http://schemas.openxmlformats.org/presentationml/2006/main">
-  <p:cSld>
-    <p:spTree>
-      <p:nvGrpSpPr>
-        <p:cNvPr id="1" name=""/>
-        <p:cNvGrpSpPr/>
-        <p:nvPr/>
-      </p:nvGrpSpPr>
-      <p:grpSpPr>
-        <a:xfrm>
-          <a:off x="0" y="0"/>
-          <a:ext cx="0" cy="0"/>
-          <a:chOff x="0" y="0"/>
-          <a:chExt cx="0" cy="0"/>
-        </a:xfrm>
-      </p:grpSpPr>
-      <p:sp>
-        <p:nvSpPr>
-          <p:cNvPr id="2" name="Title 1">
-            <a:extLst>
-              <a:ext uri="{FF2B5EF4-FFF2-40B4-BE49-F238E27FC236}">
-                <a16:creationId xmlns:a16="http://schemas.microsoft.com/office/drawing/2014/main" id="{6ED8E72E-C5F4-1741-A4C4-673E907B5A94}"/>
-              </a:ext>
-            </a:extLst>
-          </p:cNvPr>
-          <p:cNvSpPr>
-            <a:spLocks noGrp="1"/>
-          </p:cNvSpPr>
-          <p:nvPr>
-            <p:ph type="title"/>
-          </p:nvPr>
-        </p:nvSpPr>
-        <p:spPr/>
-        <p:txBody>
-          <a:bodyPr/>
-          <a:lstStyle/>
-          <a:p>
-            <a:r>
-              <a:rPr lang="en-US" dirty="0"/>
-              <a:t>Beginner Gameplay Scripting 0529</a:t>
-            </a:r>
-          </a:p>
-        </p:txBody>
-      </p:sp>
-      <p:sp>
-        <p:nvSpPr>
-          <p:cNvPr id="3" name="Content Placeholder 2">
-            <a:extLst>
-              <a:ext uri="{FF2B5EF4-FFF2-40B4-BE49-F238E27FC236}">
-                <a16:creationId xmlns:a16="http://schemas.microsoft.com/office/drawing/2014/main" id="{0E1DD098-38D3-5740-8590-CD32A4DEEB81}"/>
-              </a:ext>
-            </a:extLst>
-          </p:cNvPr>
-          <p:cNvSpPr>
-            <a:spLocks noGrp="1"/>
-          </p:cNvSpPr>
-          <p:nvPr>
-            <p:ph idx="1"/>
-          </p:nvPr>
-        </p:nvSpPr>
-        <p:spPr/>
-        <p:txBody>
-          <a:bodyPr>
-            <a:normAutofit/>
-          </a:bodyPr>
-          <a:lstStyle/>
-          <a:p>
-            <a:pPr marL="0" indent="0">
-              <a:buNone/>
-            </a:pPr>
-            <a:r>
-              <a:rPr lang="en-US" sz="2400" b="1" dirty="0" err="1">
-                <a:effectLst/>
-              </a:rPr>
-              <a:t>GetComponent</a:t>
-            </a:r>
-            <a:r>
-              <a:rPr lang="en-US" sz="2400" b="1" dirty="0">
-                <a:effectLst/>
-              </a:rPr>
-              <a:t> is expensive:</a:t>
-            </a:r>
-            <a:r>
-              <a:rPr lang="en-US" sz="2400" dirty="0"/>
-              <a:t> don’t use it in update()</a:t>
-            </a:r>
-          </a:p>
-          <a:p>
-            <a:pPr marL="0" indent="0">
-              <a:buNone/>
-            </a:pPr>
-            <a:r>
-              <a:rPr lang="en-US" sz="2400" b="1" dirty="0">
-                <a:effectLst/>
-              </a:rPr>
-              <a:t>Invoke(string </a:t>
-            </a:r>
-            <a:r>
-              <a:rPr lang="en-US" sz="2400" b="1" dirty="0" err="1">
-                <a:effectLst/>
-              </a:rPr>
-              <a:t>functionName</a:t>
-            </a:r>
-            <a:r>
-              <a:rPr lang="en-US" sz="2400" b="1" dirty="0">
-                <a:effectLst/>
-              </a:rPr>
-              <a:t>, float delay) &amp; </a:t>
-            </a:r>
-            <a:r>
-              <a:rPr lang="en-US" sz="2400" b="1" dirty="0" err="1">
-                <a:effectLst/>
-              </a:rPr>
-              <a:t>InvokeRepeating</a:t>
-            </a:r>
-            <a:r>
-              <a:rPr lang="en-US" sz="2400" b="1" dirty="0">
-                <a:effectLst/>
-              </a:rPr>
-              <a:t>(string </a:t>
-            </a:r>
-            <a:r>
-              <a:rPr lang="en-US" sz="2400" b="1" dirty="0" err="1">
-                <a:effectLst/>
-              </a:rPr>
-              <a:t>functionName</a:t>
-            </a:r>
-            <a:r>
-              <a:rPr lang="en-US" sz="2400" b="1" dirty="0">
-                <a:effectLst/>
-              </a:rPr>
-              <a:t>, float delay, float interval): </a:t>
-            </a:r>
-            <a:r>
-              <a:rPr lang="en-US" sz="2400" dirty="0">
-                <a:effectLst/>
-              </a:rPr>
-              <a:t>function should return void and has no parameters</a:t>
-            </a:r>
-          </a:p>
-          <a:p>
-            <a:pPr marL="0" indent="0">
-              <a:buNone/>
-            </a:pPr>
-            <a:r>
-              <a:rPr lang="en-US" sz="2400" b="1" dirty="0" err="1">
-                <a:effectLst/>
-              </a:rPr>
-              <a:t>CancelInvoke</a:t>
-            </a:r>
-            <a:r>
-              <a:rPr lang="en-US" sz="2400" b="1" dirty="0">
-                <a:effectLst/>
-              </a:rPr>
-              <a:t>(optional string </a:t>
-            </a:r>
-            <a:r>
-              <a:rPr lang="en-US" sz="2400" b="1" dirty="0" err="1">
-                <a:effectLst/>
-              </a:rPr>
-              <a:t>functionName</a:t>
-            </a:r>
-            <a:r>
-              <a:rPr lang="en-US" sz="2400" b="1" dirty="0">
-                <a:effectLst/>
-              </a:rPr>
-              <a:t>): </a:t>
-            </a:r>
-            <a:r>
-              <a:rPr lang="en-US" sz="2400" dirty="0"/>
-              <a:t>cancel all the invokes if no parameter</a:t>
-            </a:r>
-          </a:p>
-          <a:p>
-            <a:pPr marL="0" indent="0">
-              <a:buNone/>
-            </a:pPr>
-            <a:r>
-              <a:rPr lang="en-US" sz="2400" b="1" dirty="0" err="1">
-                <a:effectLst/>
-              </a:rPr>
-              <a:t>enum</a:t>
-            </a:r>
-            <a:r>
-              <a:rPr lang="en-US" sz="2400" b="1" dirty="0">
-                <a:effectLst/>
-              </a:rPr>
-              <a:t>:</a:t>
-            </a:r>
-            <a:r>
-              <a:rPr lang="en-US" sz="2400" dirty="0"/>
-              <a:t> change type by : type, ended by ;</a:t>
-            </a:r>
-          </a:p>
-        </p:txBody>
-      </p:sp>
-    </p:spTree>
-    <p:extLst>
-      <p:ext uri="{BB962C8B-B14F-4D97-AF65-F5344CB8AC3E}">
-        <p14:creationId xmlns:p14="http://schemas.microsoft.com/office/powerpoint/2010/main" val="3483270210"/>
       </p:ext>
     </p:extLst>
   </p:cSld>
